--- a/Angular 2 with TypeScript cont of MontJUG Spring Demo.pptx
+++ b/Angular 2 with TypeScript cont of MontJUG Spring Demo.pptx
@@ -5,35 +5,25 @@
     <p:sldMasterId id="2147483648" r:id="rId1"/>
   </p:sldMasterIdLst>
   <p:notesMasterIdLst>
-    <p:notesMasterId r:id="rId28"/>
+    <p:notesMasterId r:id="rId18"/>
   </p:notesMasterIdLst>
   <p:sldIdLst>
     <p:sldId id="256" r:id="rId2"/>
-    <p:sldId id="287" r:id="rId3"/>
-    <p:sldId id="285" r:id="rId4"/>
-    <p:sldId id="291" r:id="rId5"/>
-    <p:sldId id="292" r:id="rId6"/>
+    <p:sldId id="291" r:id="rId3"/>
+    <p:sldId id="292" r:id="rId4"/>
+    <p:sldId id="287" r:id="rId5"/>
+    <p:sldId id="285" r:id="rId6"/>
     <p:sldId id="290" r:id="rId7"/>
-    <p:sldId id="259" r:id="rId8"/>
-    <p:sldId id="261" r:id="rId9"/>
-    <p:sldId id="262" r:id="rId10"/>
-    <p:sldId id="263" r:id="rId11"/>
-    <p:sldId id="264" r:id="rId12"/>
-    <p:sldId id="265" r:id="rId13"/>
-    <p:sldId id="266" r:id="rId14"/>
-    <p:sldId id="267" r:id="rId15"/>
-    <p:sldId id="268" r:id="rId16"/>
-    <p:sldId id="269" r:id="rId17"/>
-    <p:sldId id="270" r:id="rId18"/>
-    <p:sldId id="271" r:id="rId19"/>
-    <p:sldId id="289" r:id="rId20"/>
-    <p:sldId id="272" r:id="rId21"/>
-    <p:sldId id="273" r:id="rId22"/>
-    <p:sldId id="281" r:id="rId23"/>
-    <p:sldId id="286" r:id="rId24"/>
-    <p:sldId id="288" r:id="rId25"/>
-    <p:sldId id="282" r:id="rId26"/>
-    <p:sldId id="283" r:id="rId27"/>
+    <p:sldId id="289" r:id="rId8"/>
+    <p:sldId id="272" r:id="rId9"/>
+    <p:sldId id="273" r:id="rId10"/>
+    <p:sldId id="259" r:id="rId11"/>
+    <p:sldId id="261" r:id="rId12"/>
+    <p:sldId id="281" r:id="rId13"/>
+    <p:sldId id="286" r:id="rId14"/>
+    <p:sldId id="288" r:id="rId15"/>
+    <p:sldId id="282" r:id="rId16"/>
+    <p:sldId id="283" r:id="rId17"/>
   </p:sldIdLst>
   <p:sldSz cx="12192000" cy="6858000"/>
   <p:notesSz cx="6858000" cy="9144000"/>
@@ -487,691 +477,6 @@
     </a:lvl9pPr>
   </p:notesStyle>
 </p:notesMaster>
-</file>
-
-<file path=ppt/notesSlides/notesSlide1.xml><?xml version="1.0" encoding="utf-8"?>
-<p:notes xmlns:a="http://schemas.openxmlformats.org/drawingml/2006/main" xmlns:r="http://schemas.openxmlformats.org/officeDocument/2006/relationships" xmlns:p="http://schemas.openxmlformats.org/presentationml/2006/main">
-  <p:cSld>
-    <p:spTree>
-      <p:nvGrpSpPr>
-        <p:cNvPr id="1" name=""/>
-        <p:cNvGrpSpPr/>
-        <p:nvPr/>
-      </p:nvGrpSpPr>
-      <p:grpSpPr>
-        <a:xfrm>
-          <a:off x="0" y="0"/>
-          <a:ext cx="0" cy="0"/>
-          <a:chOff x="0" y="0"/>
-          <a:chExt cx="0" cy="0"/>
-        </a:xfrm>
-      </p:grpSpPr>
-      <p:sp>
-        <p:nvSpPr>
-          <p:cNvPr id="2" name="Slide Image Placeholder 1"/>
-          <p:cNvSpPr>
-            <a:spLocks noGrp="1" noRot="1" noChangeAspect="1"/>
-          </p:cNvSpPr>
-          <p:nvPr>
-            <p:ph type="sldImg"/>
-          </p:nvPr>
-        </p:nvSpPr>
-        <p:spPr/>
-      </p:sp>
-      <p:sp>
-        <p:nvSpPr>
-          <p:cNvPr id="3" name="Notes Placeholder 2"/>
-          <p:cNvSpPr>
-            <a:spLocks noGrp="1"/>
-          </p:cNvSpPr>
-          <p:nvPr>
-            <p:ph type="body" idx="1"/>
-          </p:nvPr>
-        </p:nvSpPr>
-        <p:spPr/>
-        <p:txBody>
-          <a:bodyPr/>
-          <a:lstStyle/>
-          <a:p>
-            <a:r>
-              <a:rPr lang="en-US" sz="1200" b="0" i="0" kern="1200" dirty="0">
-                <a:solidFill>
-                  <a:schemeClr val="tx1"/>
-                </a:solidFill>
-                <a:effectLst/>
-                <a:latin typeface="+mn-lt"/>
-                <a:ea typeface="+mn-ea"/>
-                <a:cs typeface="+mn-cs"/>
-              </a:rPr>
-              <a:t>With 1 component per file, there is rarely a need to introduce a variable for the module.</a:t>
-            </a:r>
-          </a:p>
-          <a:p>
-            <a:r>
-              <a:rPr lang="en-US" sz="1200" b="0" i="0" kern="1200" dirty="0">
-                <a:solidFill>
-                  <a:schemeClr val="tx1"/>
-                </a:solidFill>
-                <a:effectLst/>
-                <a:latin typeface="+mn-lt"/>
-                <a:ea typeface="+mn-ea"/>
-                <a:cs typeface="+mn-cs"/>
-              </a:rPr>
-              <a:t>Setting the module creates the</a:t>
-            </a:r>
-            <a:r>
-              <a:rPr lang="en-US" sz="1200" b="0" i="0" kern="1200" baseline="0" dirty="0">
-                <a:solidFill>
-                  <a:schemeClr val="tx1"/>
-                </a:solidFill>
-                <a:effectLst/>
-                <a:latin typeface="+mn-lt"/>
-                <a:ea typeface="+mn-ea"/>
-                <a:cs typeface="+mn-cs"/>
-              </a:rPr>
-              <a:t> module this should be done only once.</a:t>
-            </a:r>
-          </a:p>
-          <a:p>
-            <a:r>
-              <a:rPr lang="en-US" sz="1200" b="0" i="0" kern="1200" baseline="0" dirty="0" err="1">
-                <a:solidFill>
-                  <a:schemeClr val="tx1"/>
-                </a:solidFill>
-                <a:effectLst/>
-                <a:latin typeface="+mn-lt"/>
-                <a:ea typeface="+mn-ea"/>
-                <a:cs typeface="+mn-cs"/>
-              </a:rPr>
-              <a:t>Angular.modue</a:t>
-            </a:r>
-            <a:r>
-              <a:rPr lang="en-US" sz="1200" b="0" i="0" kern="1200" baseline="0" dirty="0">
-                <a:solidFill>
-                  <a:schemeClr val="tx1"/>
-                </a:solidFill>
-                <a:effectLst/>
-                <a:latin typeface="+mn-lt"/>
-                <a:ea typeface="+mn-ea"/>
-                <a:cs typeface="+mn-cs"/>
-              </a:rPr>
-              <a:t>(‘app’) to get a module. </a:t>
-            </a:r>
-            <a:endParaRPr lang="en-US" dirty="0"/>
-          </a:p>
-        </p:txBody>
-      </p:sp>
-      <p:sp>
-        <p:nvSpPr>
-          <p:cNvPr id="4" name="Slide Number Placeholder 3"/>
-          <p:cNvSpPr>
-            <a:spLocks noGrp="1"/>
-          </p:cNvSpPr>
-          <p:nvPr>
-            <p:ph type="sldNum" sz="quarter" idx="10"/>
-          </p:nvPr>
-        </p:nvSpPr>
-        <p:spPr/>
-        <p:txBody>
-          <a:bodyPr/>
-          <a:lstStyle/>
-          <a:p>
-            <a:fld id="{1808491B-6BE8-4777-85D2-ADD9233FFA2A}" type="slidenum">
-              <a:rPr lang="en-US" smtClean="0"/>
-              <a:t>12</a:t>
-            </a:fld>
-            <a:endParaRPr lang="en-US"/>
-          </a:p>
-        </p:txBody>
-      </p:sp>
-    </p:spTree>
-    <p:extLst>
-      <p:ext uri="{BB962C8B-B14F-4D97-AF65-F5344CB8AC3E}">
-        <p14:creationId xmlns:p14="http://schemas.microsoft.com/office/powerpoint/2010/main" val="1999923758"/>
-      </p:ext>
-    </p:extLst>
-  </p:cSld>
-  <p:clrMapOvr>
-    <a:masterClrMapping/>
-  </p:clrMapOvr>
-</p:notes>
-</file>
-
-<file path=ppt/notesSlides/notesSlide2.xml><?xml version="1.0" encoding="utf-8"?>
-<p:notes xmlns:a="http://schemas.openxmlformats.org/drawingml/2006/main" xmlns:r="http://schemas.openxmlformats.org/officeDocument/2006/relationships" xmlns:p="http://schemas.openxmlformats.org/presentationml/2006/main">
-  <p:cSld>
-    <p:spTree>
-      <p:nvGrpSpPr>
-        <p:cNvPr id="1" name=""/>
-        <p:cNvGrpSpPr/>
-        <p:nvPr/>
-      </p:nvGrpSpPr>
-      <p:grpSpPr>
-        <a:xfrm>
-          <a:off x="0" y="0"/>
-          <a:ext cx="0" cy="0"/>
-          <a:chOff x="0" y="0"/>
-          <a:chExt cx="0" cy="0"/>
-        </a:xfrm>
-      </p:grpSpPr>
-      <p:sp>
-        <p:nvSpPr>
-          <p:cNvPr id="2" name="Slide Image Placeholder 1"/>
-          <p:cNvSpPr>
-            <a:spLocks noGrp="1" noRot="1" noChangeAspect="1"/>
-          </p:cNvSpPr>
-          <p:nvPr>
-            <p:ph type="sldImg"/>
-          </p:nvPr>
-        </p:nvSpPr>
-        <p:spPr/>
-      </p:sp>
-      <p:sp>
-        <p:nvSpPr>
-          <p:cNvPr id="3" name="Notes Placeholder 2"/>
-          <p:cNvSpPr>
-            <a:spLocks noGrp="1"/>
-          </p:cNvSpPr>
-          <p:nvPr>
-            <p:ph type="body" idx="1"/>
-          </p:nvPr>
-        </p:nvSpPr>
-        <p:spPr/>
-        <p:txBody>
-          <a:bodyPr/>
-          <a:lstStyle/>
-          <a:p>
-            <a:r>
-              <a:rPr lang="en-US" sz="1200" b="0" i="1" kern="1200" dirty="0">
-                <a:solidFill>
-                  <a:schemeClr val="tx1"/>
-                </a:solidFill>
-                <a:effectLst/>
-                <a:latin typeface="+mn-lt"/>
-                <a:ea typeface="+mn-ea"/>
-                <a:cs typeface="+mn-cs"/>
-              </a:rPr>
-              <a:t>Why?</a:t>
-            </a:r>
-            <a:r>
-              <a:rPr lang="en-US" sz="1200" b="0" i="0" kern="1200" dirty="0">
-                <a:solidFill>
-                  <a:schemeClr val="tx1"/>
-                </a:solidFill>
-                <a:effectLst/>
-                <a:latin typeface="+mn-lt"/>
-                <a:ea typeface="+mn-ea"/>
-                <a:cs typeface="+mn-cs"/>
-              </a:rPr>
-              <a:t>: This produces more readable code and avoids variable collisions or leaks.</a:t>
-            </a:r>
-            <a:endParaRPr lang="en-US" dirty="0"/>
-          </a:p>
-        </p:txBody>
-      </p:sp>
-      <p:sp>
-        <p:nvSpPr>
-          <p:cNvPr id="4" name="Slide Number Placeholder 3"/>
-          <p:cNvSpPr>
-            <a:spLocks noGrp="1"/>
-          </p:cNvSpPr>
-          <p:nvPr>
-            <p:ph type="sldNum" sz="quarter" idx="10"/>
-          </p:nvPr>
-        </p:nvSpPr>
-        <p:spPr/>
-        <p:txBody>
-          <a:bodyPr/>
-          <a:lstStyle/>
-          <a:p>
-            <a:fld id="{1808491B-6BE8-4777-85D2-ADD9233FFA2A}" type="slidenum">
-              <a:rPr lang="en-US" smtClean="0"/>
-              <a:t>13</a:t>
-            </a:fld>
-            <a:endParaRPr lang="en-US"/>
-          </a:p>
-        </p:txBody>
-      </p:sp>
-    </p:spTree>
-    <p:extLst>
-      <p:ext uri="{BB962C8B-B14F-4D97-AF65-F5344CB8AC3E}">
-        <p14:creationId xmlns:p14="http://schemas.microsoft.com/office/powerpoint/2010/main" val="2996436080"/>
-      </p:ext>
-    </p:extLst>
-  </p:cSld>
-  <p:clrMapOvr>
-    <a:masterClrMapping/>
-  </p:clrMapOvr>
-</p:notes>
-</file>
-
-<file path=ppt/notesSlides/notesSlide3.xml><?xml version="1.0" encoding="utf-8"?>
-<p:notes xmlns:a="http://schemas.openxmlformats.org/drawingml/2006/main" xmlns:r="http://schemas.openxmlformats.org/officeDocument/2006/relationships" xmlns:p="http://schemas.openxmlformats.org/presentationml/2006/main">
-  <p:cSld>
-    <p:spTree>
-      <p:nvGrpSpPr>
-        <p:cNvPr id="1" name=""/>
-        <p:cNvGrpSpPr/>
-        <p:nvPr/>
-      </p:nvGrpSpPr>
-      <p:grpSpPr>
-        <a:xfrm>
-          <a:off x="0" y="0"/>
-          <a:ext cx="0" cy="0"/>
-          <a:chOff x="0" y="0"/>
-          <a:chExt cx="0" cy="0"/>
-        </a:xfrm>
-      </p:grpSpPr>
-      <p:sp>
-        <p:nvSpPr>
-          <p:cNvPr id="2" name="Slide Image Placeholder 1"/>
-          <p:cNvSpPr>
-            <a:spLocks noGrp="1" noRot="1" noChangeAspect="1"/>
-          </p:cNvSpPr>
-          <p:nvPr>
-            <p:ph type="sldImg"/>
-          </p:nvPr>
-        </p:nvSpPr>
-        <p:spPr/>
-      </p:sp>
-      <p:sp>
-        <p:nvSpPr>
-          <p:cNvPr id="3" name="Notes Placeholder 2"/>
-          <p:cNvSpPr>
-            <a:spLocks noGrp="1"/>
-          </p:cNvSpPr>
-          <p:nvPr>
-            <p:ph type="body" idx="1"/>
-          </p:nvPr>
-        </p:nvSpPr>
-        <p:spPr/>
-        <p:txBody>
-          <a:bodyPr/>
-          <a:lstStyle/>
-          <a:p>
-            <a:r>
-              <a:rPr lang="en-US" sz="1200" b="0" i="0" kern="1200" dirty="0">
-                <a:solidFill>
-                  <a:schemeClr val="tx1"/>
-                </a:solidFill>
-                <a:effectLst/>
-                <a:latin typeface="+mn-lt"/>
-                <a:ea typeface="+mn-ea"/>
-                <a:cs typeface="+mn-cs"/>
-              </a:rPr>
-              <a:t>Use named functions instead of passing an anonymous function in as a callback.</a:t>
-            </a:r>
-          </a:p>
-          <a:p>
-            <a:r>
-              <a:rPr lang="en-US" sz="1200" b="0" i="1" kern="1200" dirty="0">
-                <a:solidFill>
-                  <a:schemeClr val="tx1"/>
-                </a:solidFill>
-                <a:effectLst/>
-                <a:latin typeface="+mn-lt"/>
-                <a:ea typeface="+mn-ea"/>
-                <a:cs typeface="+mn-cs"/>
-              </a:rPr>
-              <a:t>Why?</a:t>
-            </a:r>
-            <a:r>
-              <a:rPr lang="en-US" sz="1200" b="0" i="0" kern="1200" dirty="0">
-                <a:solidFill>
-                  <a:schemeClr val="tx1"/>
-                </a:solidFill>
-                <a:effectLst/>
-                <a:latin typeface="+mn-lt"/>
-                <a:ea typeface="+mn-ea"/>
-                <a:cs typeface="+mn-cs"/>
-              </a:rPr>
-              <a:t>: This produces more readable code, is much easier to debug, and reduces the amount of nested callback code.</a:t>
-            </a:r>
-          </a:p>
-          <a:p>
-            <a:endParaRPr lang="en-US" dirty="0"/>
-          </a:p>
-        </p:txBody>
-      </p:sp>
-      <p:sp>
-        <p:nvSpPr>
-          <p:cNvPr id="4" name="Slide Number Placeholder 3"/>
-          <p:cNvSpPr>
-            <a:spLocks noGrp="1"/>
-          </p:cNvSpPr>
-          <p:nvPr>
-            <p:ph type="sldNum" sz="quarter" idx="10"/>
-          </p:nvPr>
-        </p:nvSpPr>
-        <p:spPr/>
-        <p:txBody>
-          <a:bodyPr/>
-          <a:lstStyle/>
-          <a:p>
-            <a:fld id="{1808491B-6BE8-4777-85D2-ADD9233FFA2A}" type="slidenum">
-              <a:rPr lang="en-US" smtClean="0"/>
-              <a:t>14</a:t>
-            </a:fld>
-            <a:endParaRPr lang="en-US"/>
-          </a:p>
-        </p:txBody>
-      </p:sp>
-    </p:spTree>
-    <p:extLst>
-      <p:ext uri="{BB962C8B-B14F-4D97-AF65-F5344CB8AC3E}">
-        <p14:creationId xmlns:p14="http://schemas.microsoft.com/office/powerpoint/2010/main" val="1550215164"/>
-      </p:ext>
-    </p:extLst>
-  </p:cSld>
-  <p:clrMapOvr>
-    <a:masterClrMapping/>
-  </p:clrMapOvr>
-</p:notes>
-</file>
-
-<file path=ppt/notesSlides/notesSlide4.xml><?xml version="1.0" encoding="utf-8"?>
-<p:notes xmlns:a="http://schemas.openxmlformats.org/drawingml/2006/main" xmlns:r="http://schemas.openxmlformats.org/officeDocument/2006/relationships" xmlns:p="http://schemas.openxmlformats.org/presentationml/2006/main">
-  <p:cSld>
-    <p:spTree>
-      <p:nvGrpSpPr>
-        <p:cNvPr id="1" name=""/>
-        <p:cNvGrpSpPr/>
-        <p:nvPr/>
-      </p:nvGrpSpPr>
-      <p:grpSpPr>
-        <a:xfrm>
-          <a:off x="0" y="0"/>
-          <a:ext cx="0" cy="0"/>
-          <a:chOff x="0" y="0"/>
-          <a:chExt cx="0" cy="0"/>
-        </a:xfrm>
-      </p:grpSpPr>
-      <p:sp>
-        <p:nvSpPr>
-          <p:cNvPr id="2" name="Slide Image Placeholder 1"/>
-          <p:cNvSpPr>
-            <a:spLocks noGrp="1" noRot="1" noChangeAspect="1"/>
-          </p:cNvSpPr>
-          <p:nvPr>
-            <p:ph type="sldImg"/>
-          </p:nvPr>
-        </p:nvSpPr>
-        <p:spPr/>
-      </p:sp>
-      <p:sp>
-        <p:nvSpPr>
-          <p:cNvPr id="3" name="Notes Placeholder 2"/>
-          <p:cNvSpPr>
-            <a:spLocks noGrp="1"/>
-          </p:cNvSpPr>
-          <p:nvPr>
-            <p:ph type="body" idx="1"/>
-          </p:nvPr>
-        </p:nvSpPr>
-        <p:spPr/>
-        <p:txBody>
-          <a:bodyPr/>
-          <a:lstStyle/>
-          <a:p>
-            <a:r>
-              <a:rPr lang="en-US" sz="1200" b="0" i="1" kern="1200" dirty="0">
-                <a:solidFill>
-                  <a:schemeClr val="tx1"/>
-                </a:solidFill>
-                <a:effectLst/>
-                <a:latin typeface="+mn-lt"/>
-                <a:ea typeface="+mn-ea"/>
-                <a:cs typeface="+mn-cs"/>
-              </a:rPr>
-              <a:t>Why?</a:t>
-            </a:r>
-            <a:r>
-              <a:rPr lang="en-US" sz="1200" b="0" i="0" kern="1200" dirty="0">
-                <a:solidFill>
-                  <a:schemeClr val="tx1"/>
-                </a:solidFill>
-                <a:effectLst/>
-                <a:latin typeface="+mn-lt"/>
-                <a:ea typeface="+mn-ea"/>
-                <a:cs typeface="+mn-cs"/>
-              </a:rPr>
-              <a:t>: Controllers are constructed, "</a:t>
-            </a:r>
-            <a:r>
-              <a:rPr lang="en-US" sz="1200" b="0" i="0" kern="1200" dirty="0" err="1">
-                <a:solidFill>
-                  <a:schemeClr val="tx1"/>
-                </a:solidFill>
-                <a:effectLst/>
-                <a:latin typeface="+mn-lt"/>
-                <a:ea typeface="+mn-ea"/>
-                <a:cs typeface="+mn-cs"/>
-              </a:rPr>
-              <a:t>newed</a:t>
-            </a:r>
-            <a:r>
-              <a:rPr lang="en-US" sz="1200" b="0" i="0" kern="1200" dirty="0">
-                <a:solidFill>
-                  <a:schemeClr val="tx1"/>
-                </a:solidFill>
-                <a:effectLst/>
-                <a:latin typeface="+mn-lt"/>
-                <a:ea typeface="+mn-ea"/>
-                <a:cs typeface="+mn-cs"/>
-              </a:rPr>
-              <a:t>" up, and provide a single new instance, and the </a:t>
-            </a:r>
-            <a:r>
-              <a:rPr lang="en-US" sz="1200" b="0" i="0" kern="1200" dirty="0" err="1">
-                <a:solidFill>
-                  <a:schemeClr val="tx1"/>
-                </a:solidFill>
-                <a:effectLst/>
-                <a:latin typeface="+mn-lt"/>
-                <a:ea typeface="+mn-ea"/>
-                <a:cs typeface="+mn-cs"/>
-              </a:rPr>
-              <a:t>controllerAs</a:t>
-            </a:r>
-            <a:r>
-              <a:rPr lang="en-US" sz="1200" b="0" i="0" kern="1200" dirty="0">
-                <a:solidFill>
-                  <a:schemeClr val="tx1"/>
-                </a:solidFill>
-                <a:effectLst/>
-                <a:latin typeface="+mn-lt"/>
-                <a:ea typeface="+mn-ea"/>
-                <a:cs typeface="+mn-cs"/>
-              </a:rPr>
-              <a:t> syntax is closer to that of a JavaScript constructor than the classic $scope syntax.</a:t>
-            </a:r>
-          </a:p>
-          <a:p>
-            <a:r>
-              <a:rPr lang="en-US" sz="1200" b="0" i="1" kern="1200" dirty="0">
-                <a:solidFill>
-                  <a:schemeClr val="tx1"/>
-                </a:solidFill>
-                <a:effectLst/>
-                <a:latin typeface="+mn-lt"/>
-                <a:ea typeface="+mn-ea"/>
-                <a:cs typeface="+mn-cs"/>
-              </a:rPr>
-              <a:t>Why?</a:t>
-            </a:r>
-            <a:r>
-              <a:rPr lang="en-US" sz="1200" b="0" i="0" kern="1200" dirty="0">
-                <a:solidFill>
-                  <a:schemeClr val="tx1"/>
-                </a:solidFill>
-                <a:effectLst/>
-                <a:latin typeface="+mn-lt"/>
-                <a:ea typeface="+mn-ea"/>
-                <a:cs typeface="+mn-cs"/>
-              </a:rPr>
-              <a:t>: It promotes the use of binding to a "dotted" object in the View (e.g. customer.name instead of name), which is more contextual, easier to read, and avoids any reference issues that may occur without "dotting".</a:t>
-            </a:r>
-          </a:p>
-          <a:p>
-            <a:r>
-              <a:rPr lang="en-US" sz="1200" b="0" i="1" kern="1200" dirty="0">
-                <a:solidFill>
-                  <a:schemeClr val="tx1"/>
-                </a:solidFill>
-                <a:effectLst/>
-                <a:latin typeface="+mn-lt"/>
-                <a:ea typeface="+mn-ea"/>
-                <a:cs typeface="+mn-cs"/>
-              </a:rPr>
-              <a:t>Why?</a:t>
-            </a:r>
-            <a:r>
-              <a:rPr lang="en-US" sz="1200" b="0" i="0" kern="1200" dirty="0">
-                <a:solidFill>
-                  <a:schemeClr val="tx1"/>
-                </a:solidFill>
-                <a:effectLst/>
-                <a:latin typeface="+mn-lt"/>
-                <a:ea typeface="+mn-ea"/>
-                <a:cs typeface="+mn-cs"/>
-              </a:rPr>
-              <a:t>: Helps avoid using $parent calls in Views with nested controllers.</a:t>
-            </a:r>
-          </a:p>
-          <a:p>
-            <a:endParaRPr lang="en-US" dirty="0"/>
-          </a:p>
-        </p:txBody>
-      </p:sp>
-      <p:sp>
-        <p:nvSpPr>
-          <p:cNvPr id="4" name="Slide Number Placeholder 3"/>
-          <p:cNvSpPr>
-            <a:spLocks noGrp="1"/>
-          </p:cNvSpPr>
-          <p:nvPr>
-            <p:ph type="sldNum" sz="quarter" idx="10"/>
-          </p:nvPr>
-        </p:nvSpPr>
-        <p:spPr/>
-        <p:txBody>
-          <a:bodyPr/>
-          <a:lstStyle/>
-          <a:p>
-            <a:fld id="{1808491B-6BE8-4777-85D2-ADD9233FFA2A}" type="slidenum">
-              <a:rPr lang="en-US" smtClean="0"/>
-              <a:t>15</a:t>
-            </a:fld>
-            <a:endParaRPr lang="en-US"/>
-          </a:p>
-        </p:txBody>
-      </p:sp>
-    </p:spTree>
-    <p:extLst>
-      <p:ext uri="{BB962C8B-B14F-4D97-AF65-F5344CB8AC3E}">
-        <p14:creationId xmlns:p14="http://schemas.microsoft.com/office/powerpoint/2010/main" val="1475364463"/>
-      </p:ext>
-    </p:extLst>
-  </p:cSld>
-  <p:clrMapOvr>
-    <a:masterClrMapping/>
-  </p:clrMapOvr>
-</p:notes>
-</file>
-
-<file path=ppt/notesSlides/notesSlide5.xml><?xml version="1.0" encoding="utf-8"?>
-<p:notes xmlns:a="http://schemas.openxmlformats.org/drawingml/2006/main" xmlns:r="http://schemas.openxmlformats.org/officeDocument/2006/relationships" xmlns:p="http://schemas.openxmlformats.org/presentationml/2006/main">
-  <p:cSld>
-    <p:spTree>
-      <p:nvGrpSpPr>
-        <p:cNvPr id="1" name=""/>
-        <p:cNvGrpSpPr/>
-        <p:nvPr/>
-      </p:nvGrpSpPr>
-      <p:grpSpPr>
-        <a:xfrm>
-          <a:off x="0" y="0"/>
-          <a:ext cx="0" cy="0"/>
-          <a:chOff x="0" y="0"/>
-          <a:chExt cx="0" cy="0"/>
-        </a:xfrm>
-      </p:grpSpPr>
-      <p:sp>
-        <p:nvSpPr>
-          <p:cNvPr id="2" name="Slide Image Placeholder 1"/>
-          <p:cNvSpPr>
-            <a:spLocks noGrp="1" noRot="1" noChangeAspect="1"/>
-          </p:cNvSpPr>
-          <p:nvPr>
-            <p:ph type="sldImg"/>
-          </p:nvPr>
-        </p:nvSpPr>
-        <p:spPr/>
-      </p:sp>
-      <p:sp>
-        <p:nvSpPr>
-          <p:cNvPr id="3" name="Notes Placeholder 2"/>
-          <p:cNvSpPr>
-            <a:spLocks noGrp="1"/>
-          </p:cNvSpPr>
-          <p:nvPr>
-            <p:ph type="body" idx="1"/>
-          </p:nvPr>
-        </p:nvSpPr>
-        <p:spPr/>
-        <p:txBody>
-          <a:bodyPr/>
-          <a:lstStyle/>
-          <a:p>
-            <a:r>
-              <a:rPr lang="en-US" sz="1200" b="0" i="0" kern="1200" dirty="0">
-                <a:solidFill>
-                  <a:schemeClr val="tx1"/>
-                </a:solidFill>
-                <a:effectLst/>
-                <a:latin typeface="+mn-lt"/>
-                <a:ea typeface="+mn-ea"/>
-                <a:cs typeface="+mn-cs"/>
-              </a:rPr>
-              <a:t>The this keyword is contextual and when used within a function inside a controller may change its context. Capturing the context of this avoids encountering this problem.</a:t>
-            </a:r>
-          </a:p>
-        </p:txBody>
-      </p:sp>
-      <p:sp>
-        <p:nvSpPr>
-          <p:cNvPr id="4" name="Slide Number Placeholder 3"/>
-          <p:cNvSpPr>
-            <a:spLocks noGrp="1"/>
-          </p:cNvSpPr>
-          <p:nvPr>
-            <p:ph type="sldNum" sz="quarter" idx="10"/>
-          </p:nvPr>
-        </p:nvSpPr>
-        <p:spPr/>
-        <p:txBody>
-          <a:bodyPr/>
-          <a:lstStyle/>
-          <a:p>
-            <a:fld id="{1808491B-6BE8-4777-85D2-ADD9233FFA2A}" type="slidenum">
-              <a:rPr lang="en-US" smtClean="0"/>
-              <a:t>16</a:t>
-            </a:fld>
-            <a:endParaRPr lang="en-US"/>
-          </a:p>
-        </p:txBody>
-      </p:sp>
-    </p:spTree>
-    <p:extLst>
-      <p:ext uri="{BB962C8B-B14F-4D97-AF65-F5344CB8AC3E}">
-        <p14:creationId xmlns:p14="http://schemas.microsoft.com/office/powerpoint/2010/main" val="837452094"/>
-      </p:ext>
-    </p:extLst>
-  </p:cSld>
-  <p:clrMapOvr>
-    <a:masterClrMapping/>
-  </p:clrMapOvr>
-</p:notes>
 </file>
 
 <file path=ppt/slideLayouts/slideLayout1.xml><?xml version="1.0" encoding="utf-8"?>
@@ -6950,7 +6255,11 @@
           <a:p>
             <a:r>
               <a:rPr lang="en-US" dirty="0"/>
-              <a:t>IIFE</a:t>
+              <a:t>Directory Structure </a:t>
+            </a:r>
+            <a:r>
+              <a:rPr lang="en-US" sz="1200" dirty="0"/>
+              <a:t>(still applicable spring demo slide – can breeze)</a:t>
             </a:r>
           </a:p>
         </p:txBody>
@@ -6971,34 +6280,61 @@
           <a:lstStyle/>
           <a:p>
             <a:r>
-              <a:rPr lang="en-US" sz="2000" dirty="0"/>
-              <a:t>Each files contents are placed in a separate scope.</a:t>
-            </a:r>
-          </a:p>
-          <a:p>
-            <a:r>
-              <a:rPr lang="en-US" sz="2000" i="1" dirty="0"/>
-              <a:t>Why?</a:t>
-            </a:r>
-            <a:r>
-              <a:rPr lang="en-US" sz="2000" dirty="0"/>
-              <a:t>: An IIFE removes variables from the global scope. This helps prevent variables and function declarations from living longer than expected in the global scope, which also helps avoid variable collisions.</a:t>
-            </a:r>
-          </a:p>
-          <a:p>
-            <a:r>
-              <a:rPr lang="en-US" sz="2000" i="1" dirty="0"/>
-              <a:t>Why?</a:t>
-            </a:r>
-            <a:r>
-              <a:rPr lang="en-US" sz="2000" dirty="0"/>
-              <a:t>: When your code is minified and bundled into a single file for deployment to a production server, you could have collisions of variables and many global variables. An IIFE protects you against both of these by providing variable scope for each file.</a:t>
-            </a:r>
-          </a:p>
-          <a:p>
-            <a:pPr marL="0" indent="0">
-              <a:buNone/>
-            </a:pPr>
+              <a:rPr lang="en-US" dirty="0"/>
+              <a:t>How you organize your structure is up to you. There are many </a:t>
+            </a:r>
+            <a:r>
+              <a:rPr lang="en-US" b="1" dirty="0"/>
+              <a:t>right </a:t>
+            </a:r>
+            <a:r>
+              <a:rPr lang="en-US" b="1" dirty="0" err="1"/>
+              <a:t>ways</a:t>
+            </a:r>
+            <a:r>
+              <a:rPr lang="en-US" dirty="0" err="1"/>
+              <a:t>of</a:t>
+            </a:r>
+            <a:r>
+              <a:rPr lang="en-US" dirty="0"/>
+              <a:t> doing this, and consistency in your project is key.</a:t>
+            </a:r>
+          </a:p>
+          <a:p>
+            <a:r>
+              <a:rPr lang="en-US" dirty="0"/>
+              <a:t>The LIFT Guidelines</a:t>
+            </a:r>
+          </a:p>
+          <a:p>
+            <a:pPr lvl="1"/>
+            <a:r>
+              <a:rPr lang="en-US" dirty="0"/>
+              <a:t>Locating our code is easy</a:t>
+            </a:r>
+          </a:p>
+          <a:p>
+            <a:pPr lvl="1"/>
+            <a:r>
+              <a:rPr lang="en-US" dirty="0"/>
+              <a:t>Identify code at a glance</a:t>
+            </a:r>
+          </a:p>
+          <a:p>
+            <a:pPr lvl="1"/>
+            <a:r>
+              <a:rPr lang="en-US" dirty="0"/>
+              <a:t>Flat structure as long as we can</a:t>
+            </a:r>
+          </a:p>
+          <a:p>
+            <a:pPr lvl="1"/>
+            <a:r>
+              <a:rPr lang="en-US" dirty="0"/>
+              <a:t>Try to stay DRY (Don't Repeat Yourself) or T-DRY</a:t>
+            </a:r>
+          </a:p>
+          <a:p>
             <a:endParaRPr lang="en-US" dirty="0"/>
           </a:p>
           <a:p>
@@ -7009,7 +6345,7 @@
     </p:spTree>
     <p:extLst>
       <p:ext uri="{BB962C8B-B14F-4D97-AF65-F5344CB8AC3E}">
-        <p14:creationId xmlns:p14="http://schemas.microsoft.com/office/powerpoint/2010/main" val="3744128701"/>
+        <p14:creationId xmlns:p14="http://schemas.microsoft.com/office/powerpoint/2010/main" val="2867017322"/>
       </p:ext>
     </p:extLst>
   </p:cSld>
@@ -7038,7 +6374,7 @@
       </p:grpSpPr>
       <p:sp>
         <p:nvSpPr>
-          <p:cNvPr id="2" name="Title 1"/>
+          <p:cNvPr id="5" name="Title 4"/>
           <p:cNvSpPr>
             <a:spLocks noGrp="1"/>
           </p:cNvSpPr>
@@ -7053,14 +6389,18 @@
           <a:p>
             <a:r>
               <a:rPr lang="en-US" dirty="0"/>
-              <a:t>Avoid Naming collisions</a:t>
-            </a:r>
-          </a:p>
-        </p:txBody>
-      </p:sp>
-      <p:sp>
-        <p:nvSpPr>
-          <p:cNvPr id="3" name="Content Placeholder 2"/>
+              <a:t>Single Responsibility </a:t>
+            </a:r>
+            <a:r>
+              <a:rPr lang="en-US" sz="1200" dirty="0"/>
+              <a:t>(still applicable spring demo slide – can breeze)</a:t>
+            </a:r>
+          </a:p>
+        </p:txBody>
+      </p:sp>
+      <p:sp>
+        <p:nvSpPr>
+          <p:cNvPr id="6" name="Content Placeholder 5"/>
           <p:cNvSpPr>
             <a:spLocks noGrp="1"/>
           </p:cNvSpPr>
@@ -7070,55 +6410,56 @@
         </p:nvSpPr>
         <p:spPr/>
         <p:txBody>
-          <a:bodyPr/>
-          <a:lstStyle/>
-          <a:p>
-            <a:r>
-              <a:rPr lang="en-US" sz="2400" dirty="0"/>
-              <a:t>Use unique naming conventions with separators for sub-modules.</a:t>
+          <a:bodyPr>
+            <a:normAutofit lnSpcReduction="10000"/>
+          </a:bodyPr>
+          <a:lstStyle/>
+          <a:p>
+            <a:r>
+              <a:rPr lang="en-US" sz="2000" dirty="0"/>
+              <a:t>Define 1 component per file, recommended to be less than 400 lines of code.</a:t>
             </a:r>
           </a:p>
           <a:p>
             <a:pPr lvl="1"/>
             <a:r>
-              <a:rPr lang="en-US" sz="2400" dirty="0"/>
-              <a:t>Unique names help avoid module name collisions. </a:t>
+              <a:rPr lang="en-US" sz="2000" i="1" dirty="0"/>
+              <a:t>Why?</a:t>
+            </a:r>
+            <a:r>
+              <a:rPr lang="en-US" sz="2000" dirty="0"/>
+              <a:t>: One component per file promotes easier unit testing and mocking.</a:t>
             </a:r>
           </a:p>
           <a:p>
             <a:pPr lvl="1"/>
             <a:r>
-              <a:rPr lang="en-US" sz="2400" dirty="0"/>
-              <a:t>Separators help define modules and their submodule hierarchy. </a:t>
+              <a:rPr lang="en-US" sz="2000" i="1" dirty="0"/>
+              <a:t>Why?</a:t>
+            </a:r>
+            <a:r>
+              <a:rPr lang="en-US" sz="2000" dirty="0"/>
+              <a:t>: One component per file makes it far easier to read, maintain, and avoid collisions with teams in source control.</a:t>
             </a:r>
           </a:p>
           <a:p>
             <a:pPr lvl="1"/>
             <a:r>
-              <a:rPr lang="en-US" sz="2400" dirty="0"/>
-              <a:t>For example app may be your root module while </a:t>
-            </a:r>
-            <a:r>
-              <a:rPr lang="en-US" sz="2400" dirty="0" err="1"/>
-              <a:t>app.dashboard</a:t>
-            </a:r>
-            <a:r>
-              <a:rPr lang="en-US" sz="2400" dirty="0"/>
-              <a:t> and </a:t>
-            </a:r>
-            <a:r>
-              <a:rPr lang="en-US" sz="2400" dirty="0" err="1"/>
-              <a:t>app.users</a:t>
-            </a:r>
-            <a:r>
-              <a:rPr lang="en-US" sz="2400" dirty="0"/>
-              <a:t> may be modules that are used as dependencies of app.</a:t>
-            </a:r>
-          </a:p>
-          <a:p>
-            <a:endParaRPr lang="en-US" dirty="0"/>
-          </a:p>
-          <a:p>
+              <a:rPr lang="en-US" sz="2000" i="1" dirty="0"/>
+              <a:t>Why?</a:t>
+            </a:r>
+            <a:r>
+              <a:rPr lang="en-US" sz="2000" dirty="0"/>
+              <a:t>: One component per file avoids hidden bugs that often arise when combining components in a file where they may share variables, create unwanted closures, or unwanted coupling with dependencies.</a:t>
+            </a:r>
+          </a:p>
+          <a:p>
+            <a:pPr marL="0" indent="0">
+              <a:buNone/>
+            </a:pPr>
+            <a:br>
+              <a:rPr lang="en-US" dirty="0"/>
+            </a:br>
             <a:endParaRPr lang="en-US" dirty="0"/>
           </a:p>
         </p:txBody>
@@ -7126,7 +6467,7 @@
     </p:spTree>
     <p:extLst>
       <p:ext uri="{BB962C8B-B14F-4D97-AF65-F5344CB8AC3E}">
-        <p14:creationId xmlns:p14="http://schemas.microsoft.com/office/powerpoint/2010/main" val="2914232289"/>
+        <p14:creationId xmlns:p14="http://schemas.microsoft.com/office/powerpoint/2010/main" val="2969502034"/>
       </p:ext>
     </p:extLst>
   </p:cSld>
@@ -7155,7 +6496,7 @@
       </p:grpSpPr>
       <p:sp>
         <p:nvSpPr>
-          <p:cNvPr id="4" name="Title 3"/>
+          <p:cNvPr id="2" name="Title 1"/>
           <p:cNvSpPr>
             <a:spLocks noGrp="1"/>
           </p:cNvSpPr>
@@ -7170,19 +6511,19 @@
           <a:p>
             <a:r>
               <a:rPr lang="en-US" dirty="0"/>
-              <a:t>Declare modules without a variable using the setter syntax</a:t>
-            </a:r>
-          </a:p>
-        </p:txBody>
-      </p:sp>
-      <p:sp>
-        <p:nvSpPr>
-          <p:cNvPr id="5" name="Content Placeholder 4"/>
-          <p:cNvSpPr>
-            <a:spLocks noGrp="1"/>
-          </p:cNvSpPr>
-          <p:nvPr>
-            <p:ph sz="half" idx="1"/>
+              <a:t>Starting Challenge</a:t>
+            </a:r>
+          </a:p>
+        </p:txBody>
+      </p:sp>
+      <p:sp>
+        <p:nvSpPr>
+          <p:cNvPr id="3" name="Content Placeholder 2"/>
+          <p:cNvSpPr>
+            <a:spLocks noGrp="1"/>
+          </p:cNvSpPr>
+          <p:nvPr>
+            <p:ph idx="1"/>
           </p:nvPr>
         </p:nvSpPr>
         <p:spPr/>
@@ -7190,234 +6531,43 @@
           <a:bodyPr/>
           <a:lstStyle/>
           <a:p>
+            <a:r>
+              <a:rPr lang="en-US" dirty="0"/>
+              <a:t>Google grease may be misleading, barking up wrong tree.  Lots of past things unrelated to Angular 2, mixed with new Angular 2.</a:t>
+            </a:r>
+          </a:p>
+          <a:p>
+            <a:r>
+              <a:rPr lang="en-US" dirty="0"/>
+              <a:t>Can start with NPM and Node most straightforward.</a:t>
+            </a:r>
+          </a:p>
+          <a:p>
+            <a:pPr lvl="1"/>
+            <a:r>
+              <a:rPr lang="en-US" dirty="0"/>
+              <a:t>Senior and new developers seem to love the terminal…</a:t>
+            </a:r>
+          </a:p>
+          <a:p>
+            <a:pPr lvl="2"/>
+            <a:r>
+              <a:rPr lang="en-US" dirty="0"/>
+              <a:t>Throw back for experienced, and “cutting edge” for new developers</a:t>
+            </a:r>
+          </a:p>
+          <a:p>
+            <a:pPr lvl="1"/>
+            <a:endParaRPr lang="en-US" dirty="0"/>
+          </a:p>
+          <a:p>
             <a:pPr marL="0" indent="0">
               <a:buNone/>
             </a:pPr>
-            <a:r>
-              <a:rPr lang="en-US" dirty="0"/>
-              <a:t>/* avoid */</a:t>
-            </a:r>
-          </a:p>
-          <a:p>
-            <a:pPr marL="0" indent="0">
-              <a:buNone/>
-            </a:pPr>
-            <a:r>
-              <a:rPr lang="en-US" dirty="0" err="1"/>
-              <a:t>var</a:t>
-            </a:r>
-            <a:r>
-              <a:rPr lang="en-US" dirty="0"/>
-              <a:t> app = </a:t>
-            </a:r>
-            <a:r>
-              <a:rPr lang="en-US" dirty="0" err="1"/>
-              <a:t>angular.module</a:t>
-            </a:r>
-            <a:r>
-              <a:rPr lang="en-US" dirty="0"/>
-              <a:t>('app', [</a:t>
-            </a:r>
-          </a:p>
-          <a:p>
-            <a:pPr marL="0" indent="0">
-              <a:buNone/>
-            </a:pPr>
-            <a:r>
-              <a:rPr lang="en-US" dirty="0"/>
-              <a:t>    '</a:t>
-            </a:r>
-            <a:r>
-              <a:rPr lang="en-US" dirty="0" err="1"/>
-              <a:t>ngAnimate</a:t>
-            </a:r>
-            <a:r>
-              <a:rPr lang="en-US" dirty="0"/>
-              <a:t>',</a:t>
-            </a:r>
-          </a:p>
-          <a:p>
-            <a:pPr marL="0" indent="0">
-              <a:buNone/>
-            </a:pPr>
-            <a:r>
-              <a:rPr lang="en-US" dirty="0"/>
-              <a:t>    '</a:t>
-            </a:r>
-            <a:r>
-              <a:rPr lang="en-US" dirty="0" err="1"/>
-              <a:t>ngRoute</a:t>
-            </a:r>
-            <a:r>
-              <a:rPr lang="en-US" dirty="0"/>
-              <a:t>',</a:t>
-            </a:r>
-          </a:p>
-          <a:p>
-            <a:pPr marL="0" indent="0">
-              <a:buNone/>
-            </a:pPr>
-            <a:r>
-              <a:rPr lang="en-US" dirty="0"/>
-              <a:t>    '</a:t>
-            </a:r>
-            <a:r>
-              <a:rPr lang="en-US" dirty="0" err="1"/>
-              <a:t>app.shared</a:t>
-            </a:r>
-            <a:r>
-              <a:rPr lang="en-US" dirty="0"/>
-              <a:t>',</a:t>
-            </a:r>
-          </a:p>
-          <a:p>
-            <a:pPr marL="0" indent="0">
-              <a:buNone/>
-            </a:pPr>
-            <a:r>
-              <a:rPr lang="en-US" dirty="0"/>
-              <a:t>    '</a:t>
-            </a:r>
-            <a:r>
-              <a:rPr lang="en-US" dirty="0" err="1"/>
-              <a:t>app.dashboard</a:t>
-            </a:r>
-            <a:r>
-              <a:rPr lang="en-US" dirty="0"/>
-              <a:t>'</a:t>
-            </a:r>
-          </a:p>
-          <a:p>
-            <a:pPr marL="0" indent="0">
-              <a:buNone/>
-            </a:pPr>
-            <a:r>
-              <a:rPr lang="en-US" dirty="0"/>
-              <a:t>]);</a:t>
-            </a:r>
-          </a:p>
-          <a:p>
-            <a:endParaRPr lang="en-US" dirty="0"/>
-          </a:p>
-        </p:txBody>
-      </p:sp>
-      <p:sp>
-        <p:nvSpPr>
-          <p:cNvPr id="6" name="Content Placeholder 5"/>
-          <p:cNvSpPr>
-            <a:spLocks noGrp="1"/>
-          </p:cNvSpPr>
-          <p:nvPr>
-            <p:ph sz="half" idx="2"/>
-          </p:nvPr>
-        </p:nvSpPr>
-        <p:spPr/>
-        <p:txBody>
-          <a:bodyPr/>
-          <a:lstStyle/>
-          <a:p>
-            <a:pPr marL="0" indent="0">
-              <a:buNone/>
-            </a:pPr>
-            <a:r>
-              <a:rPr lang="en-US" dirty="0"/>
-              <a:t>/* recommended */</a:t>
-            </a:r>
-          </a:p>
-          <a:p>
-            <a:pPr marL="0" indent="0">
-              <a:buNone/>
-            </a:pPr>
-            <a:r>
-              <a:rPr lang="en-US" dirty="0"/>
-              <a:t>angular</a:t>
-            </a:r>
-          </a:p>
-          <a:p>
-            <a:pPr marL="0" indent="0">
-              <a:buNone/>
-            </a:pPr>
-            <a:r>
-              <a:rPr lang="en-US" dirty="0"/>
-              <a:t>    .module('app', [</a:t>
-            </a:r>
-          </a:p>
-          <a:p>
-            <a:pPr marL="0" indent="0">
-              <a:buNone/>
-            </a:pPr>
-            <a:r>
-              <a:rPr lang="en-US" dirty="0"/>
-              <a:t>        '</a:t>
-            </a:r>
-            <a:r>
-              <a:rPr lang="en-US" dirty="0" err="1"/>
-              <a:t>ngAnimate</a:t>
-            </a:r>
-            <a:r>
-              <a:rPr lang="en-US" dirty="0"/>
-              <a:t>',</a:t>
-            </a:r>
-          </a:p>
-          <a:p>
-            <a:pPr marL="0" indent="0">
-              <a:buNone/>
-            </a:pPr>
-            <a:r>
-              <a:rPr lang="en-US" dirty="0"/>
-              <a:t>        '</a:t>
-            </a:r>
-            <a:r>
-              <a:rPr lang="en-US" dirty="0" err="1"/>
-              <a:t>ngRoute</a:t>
-            </a:r>
-            <a:r>
-              <a:rPr lang="en-US" dirty="0"/>
-              <a:t>',</a:t>
-            </a:r>
-          </a:p>
-          <a:p>
-            <a:pPr marL="0" indent="0">
-              <a:buNone/>
-            </a:pPr>
-            <a:r>
-              <a:rPr lang="en-US" dirty="0"/>
-              <a:t>        '</a:t>
-            </a:r>
-            <a:r>
-              <a:rPr lang="en-US" dirty="0" err="1"/>
-              <a:t>app.shared</a:t>
-            </a:r>
-            <a:r>
-              <a:rPr lang="en-US" dirty="0"/>
-              <a:t>',</a:t>
-            </a:r>
-          </a:p>
-          <a:p>
-            <a:pPr marL="0" indent="0">
-              <a:buNone/>
-            </a:pPr>
-            <a:r>
-              <a:rPr lang="en-US" dirty="0"/>
-              <a:t>        '</a:t>
-            </a:r>
-            <a:r>
-              <a:rPr lang="en-US" dirty="0" err="1"/>
-              <a:t>app.dashboard</a:t>
-            </a:r>
-            <a:r>
-              <a:rPr lang="en-US" dirty="0"/>
-              <a:t>'</a:t>
-            </a:r>
-          </a:p>
-          <a:p>
-            <a:pPr marL="0" indent="0">
-              <a:buNone/>
-            </a:pPr>
-            <a:r>
-              <a:rPr lang="en-US" dirty="0"/>
-              <a:t>    ]);</a:t>
-            </a:r>
+            <a:endParaRPr lang="en-US" dirty="0"/>
+          </a:p>
+          <a:p>
+            <a:endParaRPr lang="en-US" dirty="0"/>
           </a:p>
           <a:p>
             <a:endParaRPr lang="en-US" dirty="0"/>
@@ -7427,7 +6577,7 @@
     </p:spTree>
     <p:extLst>
       <p:ext uri="{BB962C8B-B14F-4D97-AF65-F5344CB8AC3E}">
-        <p14:creationId xmlns:p14="http://schemas.microsoft.com/office/powerpoint/2010/main" val="2578722195"/>
+        <p14:creationId xmlns:p14="http://schemas.microsoft.com/office/powerpoint/2010/main" val="2058621558"/>
       </p:ext>
     </p:extLst>
   </p:cSld>
@@ -7471,7 +6621,7 @@
           <a:p>
             <a:r>
               <a:rPr lang="en-US" dirty="0"/>
-              <a:t>Avoid using a variable and instead use chaining with the getter syntax.</a:t>
+              <a:t>Sales points</a:t>
             </a:r>
           </a:p>
         </p:txBody>
@@ -7483,7 +6633,7 @@
             <a:spLocks noGrp="1"/>
           </p:cNvSpPr>
           <p:nvPr>
-            <p:ph sz="half" idx="1"/>
+            <p:ph idx="1"/>
           </p:nvPr>
         </p:nvSpPr>
         <p:spPr/>
@@ -7491,183 +6641,51 @@
           <a:bodyPr/>
           <a:lstStyle/>
           <a:p>
-            <a:pPr marL="0" indent="0">
-              <a:buNone/>
-            </a:pPr>
-            <a:r>
-              <a:rPr lang="en-US" dirty="0"/>
-              <a:t>/* avoid */</a:t>
-            </a:r>
-          </a:p>
-          <a:p>
-            <a:pPr marL="0" indent="0">
-              <a:buNone/>
-            </a:pPr>
+            <a:r>
+              <a:rPr lang="en-US" dirty="0"/>
+              <a:t>Performance</a:t>
+            </a:r>
+          </a:p>
+          <a:p>
+            <a:r>
+              <a:rPr lang="en-US" dirty="0"/>
+              <a:t>Security</a:t>
+            </a:r>
+          </a:p>
+          <a:p>
             <a:r>
               <a:rPr lang="en-US" dirty="0" err="1"/>
-              <a:t>var</a:t>
-            </a:r>
-            <a:r>
-              <a:rPr lang="en-US" dirty="0"/>
-              <a:t> app = </a:t>
+              <a:t>Opensource</a:t>
+            </a:r>
+            <a:endParaRPr lang="en-US" dirty="0"/>
+          </a:p>
+          <a:p>
+            <a:r>
+              <a:rPr lang="en-US" dirty="0"/>
+              <a:t>Embraced by tech companies </a:t>
+            </a:r>
+          </a:p>
+          <a:p>
+            <a:r>
+              <a:rPr lang="en-US" dirty="0"/>
+              <a:t>ECMA 6 and </a:t>
             </a:r>
             <a:r>
               <a:rPr lang="en-US" dirty="0" err="1"/>
-              <a:t>angular.module</a:t>
-            </a:r>
-            <a:r>
-              <a:rPr lang="en-US" dirty="0"/>
-              <a:t>('app');</a:t>
-            </a:r>
-          </a:p>
-          <a:p>
-            <a:pPr marL="0" indent="0">
-              <a:buNone/>
-            </a:pPr>
+              <a:t>transpilation</a:t>
+            </a:r>
+            <a:r>
+              <a:rPr lang="en-US" dirty="0"/>
+              <a:t> allows to </a:t>
+            </a:r>
             <a:r>
               <a:rPr lang="en-US" dirty="0" err="1"/>
-              <a:t>app.controller</a:t>
-            </a:r>
-            <a:r>
-              <a:rPr lang="en-US" dirty="0"/>
-              <a:t>('</a:t>
-            </a:r>
-            <a:r>
-              <a:rPr lang="en-US" dirty="0" err="1"/>
-              <a:t>SomeController</a:t>
-            </a:r>
-            <a:r>
-              <a:rPr lang="en-US" dirty="0"/>
-              <a:t>', </a:t>
-            </a:r>
-            <a:r>
-              <a:rPr lang="en-US" dirty="0" err="1"/>
-              <a:t>SomeController</a:t>
-            </a:r>
-            <a:r>
-              <a:rPr lang="en-US" dirty="0"/>
-              <a:t>);</a:t>
-            </a:r>
-          </a:p>
-          <a:p>
-            <a:pPr marL="0" indent="0">
-              <a:buNone/>
-            </a:pPr>
-            <a:endParaRPr lang="en-US" dirty="0"/>
-          </a:p>
-          <a:p>
-            <a:pPr marL="0" indent="0">
-              <a:buNone/>
-            </a:pPr>
-            <a:r>
-              <a:rPr lang="en-US" dirty="0"/>
-              <a:t>function </a:t>
-            </a:r>
-            <a:r>
-              <a:rPr lang="en-US" dirty="0" err="1"/>
-              <a:t>SomeController</a:t>
-            </a:r>
-            <a:r>
-              <a:rPr lang="en-US" dirty="0"/>
-              <a:t>() { }</a:t>
-            </a:r>
-          </a:p>
-        </p:txBody>
-      </p:sp>
-      <p:sp>
-        <p:nvSpPr>
-          <p:cNvPr id="4" name="Content Placeholder 3"/>
-          <p:cNvSpPr>
-            <a:spLocks noGrp="1"/>
-          </p:cNvSpPr>
-          <p:nvPr>
-            <p:ph sz="half" idx="2"/>
-          </p:nvPr>
-        </p:nvSpPr>
-        <p:spPr/>
-        <p:txBody>
-          <a:bodyPr/>
-          <a:lstStyle/>
-          <a:p>
-            <a:pPr marL="0" indent="0">
-              <a:buNone/>
-            </a:pPr>
-            <a:r>
-              <a:rPr lang="en-US" dirty="0"/>
-              <a:t>/* recommended */</a:t>
-            </a:r>
-          </a:p>
-          <a:p>
-            <a:pPr marL="0" indent="0">
-              <a:buNone/>
-            </a:pPr>
-            <a:r>
-              <a:rPr lang="en-US" dirty="0"/>
-              <a:t>angular</a:t>
-            </a:r>
-          </a:p>
-          <a:p>
-            <a:pPr marL="0" indent="0">
-              <a:buNone/>
-            </a:pPr>
-            <a:r>
-              <a:rPr lang="en-US" dirty="0"/>
-              <a:t>    .module('app')</a:t>
-            </a:r>
-          </a:p>
-          <a:p>
-            <a:pPr marL="0" indent="0">
-              <a:buNone/>
-            </a:pPr>
-            <a:r>
-              <a:rPr lang="en-US" dirty="0"/>
-              <a:t>    .controller('</a:t>
-            </a:r>
-            <a:r>
-              <a:rPr lang="en-US" dirty="0" err="1"/>
-              <a:t>SomeController</a:t>
-            </a:r>
-            <a:r>
-              <a:rPr lang="en-US" dirty="0"/>
-              <a:t>', </a:t>
-            </a:r>
-            <a:r>
-              <a:rPr lang="en-US" dirty="0" err="1"/>
-              <a:t>SomeController</a:t>
-            </a:r>
-            <a:r>
-              <a:rPr lang="en-US" dirty="0"/>
-              <a:t>);</a:t>
-            </a:r>
-          </a:p>
-          <a:p>
-            <a:pPr marL="0" indent="0">
-              <a:buNone/>
-            </a:pPr>
-            <a:endParaRPr lang="en-US" dirty="0"/>
-          </a:p>
-          <a:p>
-            <a:pPr marL="0" indent="0">
-              <a:buNone/>
-            </a:pPr>
-            <a:r>
-              <a:rPr lang="en-US" dirty="0"/>
-              <a:t>function </a:t>
-            </a:r>
-            <a:r>
-              <a:rPr lang="en-US" dirty="0" err="1"/>
-              <a:t>SomeController</a:t>
-            </a:r>
-            <a:r>
-              <a:rPr lang="en-US" dirty="0"/>
-              <a:t>() { }</a:t>
-            </a:r>
-          </a:p>
-          <a:p>
-            <a:pPr marL="0" indent="0">
-              <a:buNone/>
-            </a:pPr>
-            <a:endParaRPr lang="en-US" dirty="0"/>
+              <a:t>transpile</a:t>
+            </a:r>
+            <a:r>
+              <a:rPr lang="en-US" dirty="0"/>
+              <a:t> to ECMA 5 and 4 (I think)</a:t>
+            </a:r>
           </a:p>
           <a:p>
             <a:endParaRPr lang="en-US" dirty="0"/>
@@ -7677,7 +6695,7 @@
     </p:spTree>
     <p:extLst>
       <p:ext uri="{BB962C8B-B14F-4D97-AF65-F5344CB8AC3E}">
-        <p14:creationId xmlns:p14="http://schemas.microsoft.com/office/powerpoint/2010/main" val="2511398749"/>
+        <p14:creationId xmlns:p14="http://schemas.microsoft.com/office/powerpoint/2010/main" val="1671649988"/>
       </p:ext>
     </p:extLst>
   </p:cSld>
@@ -7721,7 +6739,11 @@
           <a:p>
             <a:r>
               <a:rPr lang="en-US" dirty="0"/>
-              <a:t>Named vs Anonymous Functions</a:t>
+              <a:t>At HUD </a:t>
+            </a:r>
+            <a:r>
+              <a:rPr lang="en-US" sz="1200" dirty="0"/>
+              <a:t>(example)</a:t>
             </a:r>
           </a:p>
         </p:txBody>
@@ -7733,7 +6755,7 @@
             <a:spLocks noGrp="1"/>
           </p:cNvSpPr>
           <p:nvPr>
-            <p:ph sz="half" idx="1"/>
+            <p:ph idx="1"/>
           </p:nvPr>
         </p:nvSpPr>
         <p:spPr/>
@@ -7741,171 +6763,18 @@
           <a:bodyPr/>
           <a:lstStyle/>
           <a:p>
-            <a:pPr marL="0" indent="0">
-              <a:buNone/>
-            </a:pPr>
-            <a:r>
-              <a:rPr lang="en-US" dirty="0"/>
-              <a:t>/* avoid */</a:t>
-            </a:r>
-          </a:p>
-          <a:p>
-            <a:pPr marL="0" indent="0">
-              <a:buNone/>
-            </a:pPr>
-            <a:r>
-              <a:rPr lang="en-US" dirty="0"/>
-              <a:t>angular</a:t>
-            </a:r>
-          </a:p>
-          <a:p>
-            <a:pPr marL="0" indent="0">
-              <a:buNone/>
-            </a:pPr>
-            <a:r>
-              <a:rPr lang="en-US" dirty="0"/>
-              <a:t>    .module('app')</a:t>
-            </a:r>
-          </a:p>
-          <a:p>
-            <a:pPr marL="0" indent="0">
-              <a:buNone/>
-            </a:pPr>
-            <a:r>
-              <a:rPr lang="en-US" dirty="0"/>
-              <a:t>    .controller('</a:t>
-            </a:r>
-            <a:r>
-              <a:rPr lang="en-US" dirty="0" err="1"/>
-              <a:t>DashboardController</a:t>
-            </a:r>
-            <a:r>
-              <a:rPr lang="en-US" dirty="0"/>
-              <a:t>', function() { })</a:t>
-            </a:r>
-          </a:p>
-          <a:p>
-            <a:pPr marL="0" indent="0">
-              <a:buNone/>
-            </a:pPr>
-            <a:r>
-              <a:rPr lang="en-US" dirty="0"/>
-              <a:t>    .factory('logger', function() { });</a:t>
-            </a:r>
-          </a:p>
-          <a:p>
-            <a:endParaRPr lang="en-US" dirty="0"/>
-          </a:p>
-        </p:txBody>
-      </p:sp>
-      <p:sp>
-        <p:nvSpPr>
-          <p:cNvPr id="4" name="Content Placeholder 3"/>
-          <p:cNvSpPr>
-            <a:spLocks noGrp="1"/>
-          </p:cNvSpPr>
-          <p:nvPr>
-            <p:ph sz="half" idx="2"/>
-          </p:nvPr>
-        </p:nvSpPr>
-        <p:spPr/>
-        <p:txBody>
-          <a:bodyPr/>
-          <a:lstStyle/>
-          <a:p>
-            <a:pPr marL="0" indent="0">
-              <a:buNone/>
-            </a:pPr>
-            <a:r>
-              <a:rPr lang="en-US" dirty="0"/>
-              <a:t>/* recommended */</a:t>
-            </a:r>
-          </a:p>
-          <a:p>
-            <a:pPr marL="0" indent="0">
-              <a:buNone/>
-            </a:pPr>
-            <a:endParaRPr lang="en-US" dirty="0"/>
-          </a:p>
-          <a:p>
-            <a:pPr marL="0" indent="0">
-              <a:buNone/>
-            </a:pPr>
-            <a:r>
-              <a:rPr lang="en-US" dirty="0"/>
-              <a:t>// dashboard.js</a:t>
-            </a:r>
-          </a:p>
-          <a:p>
-            <a:pPr marL="0" indent="0">
-              <a:buNone/>
-            </a:pPr>
-            <a:r>
-              <a:rPr lang="en-US" dirty="0"/>
-              <a:t>angular</a:t>
-            </a:r>
-          </a:p>
-          <a:p>
-            <a:pPr marL="0" indent="0">
-              <a:buNone/>
-            </a:pPr>
-            <a:r>
-              <a:rPr lang="en-US" dirty="0"/>
-              <a:t>    .module('app')</a:t>
-            </a:r>
-          </a:p>
-          <a:p>
-            <a:pPr marL="0" indent="0">
-              <a:buNone/>
-            </a:pPr>
-            <a:r>
-              <a:rPr lang="en-US" dirty="0"/>
-              <a:t>    .controller('</a:t>
-            </a:r>
-            <a:r>
-              <a:rPr lang="en-US" dirty="0" err="1"/>
-              <a:t>DashboardController</a:t>
-            </a:r>
-            <a:r>
-              <a:rPr lang="en-US" dirty="0"/>
-              <a:t>', </a:t>
-            </a:r>
-            <a:r>
-              <a:rPr lang="en-US" dirty="0" err="1"/>
-              <a:t>DashboardController</a:t>
-            </a:r>
-            <a:r>
-              <a:rPr lang="en-US" dirty="0"/>
-              <a:t>);</a:t>
-            </a:r>
-          </a:p>
-          <a:p>
-            <a:pPr marL="0" indent="0">
-              <a:buNone/>
-            </a:pPr>
-            <a:endParaRPr lang="en-US" dirty="0"/>
-          </a:p>
-          <a:p>
-            <a:pPr marL="0" indent="0">
-              <a:buNone/>
-            </a:pPr>
-            <a:r>
-              <a:rPr lang="en-US" dirty="0"/>
-              <a:t>function </a:t>
-            </a:r>
-            <a:r>
-              <a:rPr lang="en-US" dirty="0" err="1"/>
-              <a:t>DashboardController</a:t>
-            </a:r>
-            <a:r>
-              <a:rPr lang="en-US" dirty="0"/>
-              <a:t>() { }</a:t>
-            </a:r>
-          </a:p>
-          <a:p>
-            <a:pPr marL="0" indent="0">
-              <a:buNone/>
-            </a:pPr>
+            <a:r>
+              <a:rPr lang="en-US" dirty="0"/>
+              <a:t>At HUD we are using on Greenfield with new team developers.</a:t>
+            </a:r>
+          </a:p>
+          <a:p>
+            <a:r>
+              <a:rPr lang="en-US" dirty="0"/>
+              <a:t>Very enthusiastic response from developers.</a:t>
+            </a:r>
+          </a:p>
+          <a:p>
             <a:endParaRPr lang="en-US" dirty="0"/>
           </a:p>
         </p:txBody>
@@ -7913,7 +6782,7 @@
     </p:spTree>
     <p:extLst>
       <p:ext uri="{BB962C8B-B14F-4D97-AF65-F5344CB8AC3E}">
-        <p14:creationId xmlns:p14="http://schemas.microsoft.com/office/powerpoint/2010/main" val="3325461777"/>
+        <p14:creationId xmlns:p14="http://schemas.microsoft.com/office/powerpoint/2010/main" val="2067008177"/>
       </p:ext>
     </p:extLst>
   </p:cSld>
@@ -7956,24 +6825,20 @@
           <a:lstStyle/>
           <a:p>
             <a:r>
-              <a:rPr lang="en-US" dirty="0" err="1"/>
-              <a:t>ControllerAs</a:t>
-            </a:r>
-            <a:r>
-              <a:rPr lang="en-US" dirty="0"/>
-              <a:t> Syntax</a:t>
-            </a:r>
-          </a:p>
-        </p:txBody>
-      </p:sp>
-      <p:sp>
-        <p:nvSpPr>
-          <p:cNvPr id="7" name="Content Placeholder 6"/>
-          <p:cNvSpPr>
-            <a:spLocks noGrp="1"/>
-          </p:cNvSpPr>
-          <p:nvPr>
-            <p:ph sz="half" idx="1"/>
+              <a:rPr lang="en-US" dirty="0"/>
+              <a:t>Possible Business Opportunities</a:t>
+            </a:r>
+          </a:p>
+        </p:txBody>
+      </p:sp>
+      <p:sp>
+        <p:nvSpPr>
+          <p:cNvPr id="3" name="Content Placeholder 2"/>
+          <p:cNvSpPr>
+            <a:spLocks noGrp="1"/>
+          </p:cNvSpPr>
+          <p:nvPr>
+            <p:ph idx="1"/>
           </p:nvPr>
         </p:nvSpPr>
         <p:spPr/>
@@ -7981,111 +6846,37 @@
           <a:bodyPr/>
           <a:lstStyle/>
           <a:p>
-            <a:pPr marL="0" indent="0">
-              <a:buNone/>
-            </a:pPr>
-            <a:r>
-              <a:rPr lang="en-US" dirty="0"/>
-              <a:t>&lt;!-- avoid --&gt;</a:t>
-            </a:r>
-          </a:p>
-          <a:p>
-            <a:pPr marL="0" indent="0">
-              <a:buNone/>
-            </a:pPr>
-            <a:r>
-              <a:rPr lang="en-US" dirty="0"/>
-              <a:t>&lt;div ng-controller="</a:t>
-            </a:r>
-            <a:r>
-              <a:rPr lang="en-US" dirty="0" err="1"/>
-              <a:t>CustomerController</a:t>
-            </a:r>
-            <a:r>
-              <a:rPr lang="en-US" dirty="0"/>
-              <a:t>"&gt;</a:t>
-            </a:r>
-          </a:p>
-          <a:p>
-            <a:pPr marL="0" indent="0">
-              <a:buNone/>
-            </a:pPr>
-            <a:r>
-              <a:rPr lang="en-US" dirty="0"/>
-              <a:t>    {{ name }}</a:t>
-            </a:r>
-          </a:p>
-          <a:p>
-            <a:pPr marL="0" indent="0">
-              <a:buNone/>
-            </a:pPr>
-            <a:r>
-              <a:rPr lang="en-US" dirty="0"/>
-              <a:t>&lt;/div&gt;</a:t>
-            </a:r>
-          </a:p>
-          <a:p>
-            <a:endParaRPr lang="en-US" dirty="0"/>
-          </a:p>
-        </p:txBody>
-      </p:sp>
-      <p:sp>
-        <p:nvSpPr>
-          <p:cNvPr id="8" name="Content Placeholder 7"/>
-          <p:cNvSpPr>
-            <a:spLocks noGrp="1"/>
-          </p:cNvSpPr>
-          <p:nvPr>
-            <p:ph sz="half" idx="2"/>
-          </p:nvPr>
-        </p:nvSpPr>
-        <p:spPr/>
-        <p:txBody>
-          <a:bodyPr/>
-          <a:lstStyle/>
-          <a:p>
-            <a:pPr marL="0" indent="0">
-              <a:buNone/>
-            </a:pPr>
-            <a:r>
-              <a:rPr lang="en-US" dirty="0"/>
-              <a:t>&lt;!-- recommended --&gt;</a:t>
-            </a:r>
-          </a:p>
-          <a:p>
-            <a:pPr marL="0" indent="0">
-              <a:buNone/>
-            </a:pPr>
-            <a:r>
-              <a:rPr lang="en-US" dirty="0"/>
-              <a:t>&lt;div ng-controller="</a:t>
-            </a:r>
-            <a:r>
-              <a:rPr lang="en-US" dirty="0" err="1"/>
-              <a:t>CustomerController</a:t>
-            </a:r>
-            <a:r>
-              <a:rPr lang="en-US" dirty="0"/>
-              <a:t> as customer"&gt;</a:t>
-            </a:r>
-          </a:p>
-          <a:p>
-            <a:pPr marL="0" indent="0">
-              <a:buNone/>
-            </a:pPr>
-            <a:r>
-              <a:rPr lang="en-US" dirty="0"/>
-              <a:t>    {{ customer.name }}</a:t>
-            </a:r>
-          </a:p>
-          <a:p>
-            <a:pPr marL="0" indent="0">
-              <a:buNone/>
-            </a:pPr>
-            <a:r>
-              <a:rPr lang="en-US" dirty="0"/>
-              <a:t>&lt;/div&gt;</a:t>
-            </a:r>
+            <a:r>
+              <a:rPr lang="en-US" dirty="0"/>
+              <a:t>Silverlight apps becoming out of service (deprecated technology).</a:t>
+            </a:r>
+          </a:p>
+          <a:p>
+            <a:r>
+              <a:rPr lang="en-US" dirty="0"/>
+              <a:t>Greenfield project</a:t>
+            </a:r>
+          </a:p>
+          <a:p>
+            <a:r>
+              <a:rPr lang="en-US" dirty="0"/>
+              <a:t>Project with new developers</a:t>
+            </a:r>
+          </a:p>
+          <a:p>
+            <a:r>
+              <a:rPr lang="en-US" dirty="0"/>
+              <a:t>Move more to browser, from server. </a:t>
+            </a:r>
+          </a:p>
+          <a:p>
+            <a:endParaRPr lang="en-US" dirty="0"/>
+          </a:p>
+          <a:p>
+            <a:endParaRPr lang="en-US" dirty="0"/>
+          </a:p>
+          <a:p>
+            <a:endParaRPr lang="en-US" dirty="0"/>
           </a:p>
           <a:p>
             <a:endParaRPr lang="en-US" dirty="0"/>
@@ -8095,7 +6886,7 @@
     </p:spTree>
     <p:extLst>
       <p:ext uri="{BB962C8B-B14F-4D97-AF65-F5344CB8AC3E}">
-        <p14:creationId xmlns:p14="http://schemas.microsoft.com/office/powerpoint/2010/main" val="2278011980"/>
+        <p14:creationId xmlns:p14="http://schemas.microsoft.com/office/powerpoint/2010/main" val="1881581854"/>
       </p:ext>
     </p:extLst>
   </p:cSld>
@@ -8134,1026 +6925,114 @@
         </p:nvSpPr>
         <p:spPr/>
         <p:txBody>
+          <a:bodyPr/>
+          <a:lstStyle/>
+          <a:p>
+            <a:r>
+              <a:rPr lang="en-US" dirty="0"/>
+              <a:t>References</a:t>
+            </a:r>
+          </a:p>
+        </p:txBody>
+      </p:sp>
+      <p:sp>
+        <p:nvSpPr>
+          <p:cNvPr id="3" name="Content Placeholder 2"/>
+          <p:cNvSpPr>
+            <a:spLocks noGrp="1"/>
+          </p:cNvSpPr>
+          <p:nvPr>
+            <p:ph idx="1"/>
+          </p:nvPr>
+        </p:nvSpPr>
+        <p:spPr/>
+        <p:txBody>
           <a:bodyPr>
-            <a:normAutofit fontScale="90000"/>
+            <a:normAutofit/>
           </a:bodyPr>
           <a:lstStyle/>
           <a:p>
             <a:r>
-              <a:rPr lang="en-US" b="1" dirty="0" err="1"/>
-              <a:t>controllerAs</a:t>
-            </a:r>
-            <a:r>
-              <a:rPr lang="en-US" b="1" dirty="0"/>
-              <a:t> with </a:t>
-            </a:r>
-            <a:r>
-              <a:rPr lang="en-US" b="1" dirty="0" err="1"/>
-              <a:t>vm</a:t>
-            </a:r>
-            <a:br>
-              <a:rPr lang="en-US" b="1" dirty="0"/>
-            </a:br>
-            <a:br>
-              <a:rPr lang="en-US" dirty="0"/>
-            </a:br>
-            <a:endParaRPr lang="en-US" dirty="0"/>
-          </a:p>
-        </p:txBody>
-      </p:sp>
-      <p:sp>
-        <p:nvSpPr>
-          <p:cNvPr id="3" name="Content Placeholder 2"/>
-          <p:cNvSpPr>
-            <a:spLocks noGrp="1"/>
-          </p:cNvSpPr>
-          <p:nvPr>
-            <p:ph sz="half" idx="1"/>
-          </p:nvPr>
-        </p:nvSpPr>
-        <p:spPr/>
-        <p:txBody>
-          <a:bodyPr/>
-          <a:lstStyle/>
-          <a:p>
-            <a:pPr marL="0" indent="0">
-              <a:buNone/>
-            </a:pPr>
-            <a:r>
-              <a:rPr lang="en-US" dirty="0"/>
-              <a:t>/* avoid */</a:t>
-            </a:r>
-          </a:p>
-          <a:p>
-            <a:pPr marL="0" indent="0">
-              <a:buNone/>
-            </a:pPr>
-            <a:r>
-              <a:rPr lang="en-US" dirty="0"/>
-              <a:t>function </a:t>
+              <a:rPr lang="en-US" dirty="0"/>
+              <a:t>DevChat.tv – Adventures in Angular </a:t>
+            </a:r>
+          </a:p>
+          <a:p>
+            <a:r>
+              <a:rPr lang="en-US" dirty="0"/>
+              <a:t>YouTube</a:t>
+            </a:r>
+          </a:p>
+          <a:p>
+            <a:r>
+              <a:rPr lang="en-US" dirty="0">
+                <a:hlinkClick r:id="rId2"/>
+              </a:rPr>
+              <a:t>https://www.typescriptlang.org/</a:t>
+            </a:r>
+            <a:endParaRPr lang="en-US" dirty="0"/>
+          </a:p>
+          <a:p>
+            <a:r>
+              <a:rPr lang="en-US" dirty="0">
+                <a:hlinkClick r:id="rId3"/>
+              </a:rPr>
+              <a:t>https://angular.io/docs</a:t>
+            </a:r>
+            <a:endParaRPr lang="en-US" dirty="0"/>
+          </a:p>
+          <a:p>
+            <a:r>
+              <a:rPr lang="en-US" dirty="0"/>
+              <a:t>Manning Book: Angular 2 </a:t>
+            </a:r>
+            <a:r>
+              <a:rPr lang="en-US" u="sng" dirty="0"/>
+              <a:t>Development with Typescript</a:t>
+            </a:r>
+            <a:r>
+              <a:rPr lang="en-US" dirty="0"/>
+              <a:t>; </a:t>
             </a:r>
             <a:r>
               <a:rPr lang="en-US" dirty="0" err="1"/>
-              <a:t>CustomerController</a:t>
-            </a:r>
-            <a:r>
-              <a:rPr lang="en-US" dirty="0"/>
-              <a:t>() {</a:t>
-            </a:r>
-          </a:p>
-          <a:p>
-            <a:pPr marL="0" indent="0">
-              <a:buNone/>
-            </a:pPr>
-            <a:r>
-              <a:rPr lang="en-US" dirty="0"/>
-              <a:t>    this.name = {};</a:t>
-            </a:r>
-          </a:p>
-          <a:p>
-            <a:pPr marL="0" indent="0">
-              <a:buNone/>
-            </a:pPr>
-            <a:r>
-              <a:rPr lang="en-US" dirty="0"/>
-              <a:t>    </a:t>
+              <a:t>Yakov</a:t>
+            </a:r>
+            <a:r>
+              <a:rPr lang="en-US" dirty="0"/>
+              <a:t> Fain and Anton </a:t>
             </a:r>
             <a:r>
               <a:rPr lang="en-US" dirty="0" err="1"/>
-              <a:t>this.sendMessage</a:t>
-            </a:r>
-            <a:r>
-              <a:rPr lang="en-US" dirty="0"/>
-              <a:t> = function() { };</a:t>
-            </a:r>
-          </a:p>
-          <a:p>
-            <a:pPr marL="0" indent="0">
-              <a:buNone/>
-            </a:pPr>
-            <a:r>
-              <a:rPr lang="en-US" dirty="0"/>
-              <a:t>}</a:t>
-            </a:r>
-          </a:p>
-        </p:txBody>
-      </p:sp>
-      <p:sp>
-        <p:nvSpPr>
-          <p:cNvPr id="4" name="Content Placeholder 3"/>
-          <p:cNvSpPr>
-            <a:spLocks noGrp="1"/>
-          </p:cNvSpPr>
-          <p:nvPr>
-            <p:ph sz="half" idx="2"/>
-          </p:nvPr>
-        </p:nvSpPr>
-        <p:spPr/>
-        <p:txBody>
-          <a:bodyPr/>
-          <a:lstStyle/>
-          <a:p>
-            <a:pPr marL="0" indent="0">
-              <a:buNone/>
-            </a:pPr>
-            <a:r>
-              <a:rPr lang="en-US" dirty="0"/>
-              <a:t>/* recommended */</a:t>
-            </a:r>
-          </a:p>
-          <a:p>
-            <a:pPr marL="0" indent="0">
-              <a:buNone/>
-            </a:pPr>
-            <a:r>
-              <a:rPr lang="en-US" dirty="0"/>
-              <a:t>function </a:t>
-            </a:r>
-            <a:r>
-              <a:rPr lang="en-US" dirty="0" err="1"/>
-              <a:t>CustomerController</a:t>
-            </a:r>
-            <a:r>
-              <a:rPr lang="en-US" dirty="0"/>
-              <a:t>() {</a:t>
-            </a:r>
-          </a:p>
-          <a:p>
-            <a:pPr marL="0" indent="0">
-              <a:buNone/>
-            </a:pPr>
-            <a:r>
-              <a:rPr lang="en-US" dirty="0"/>
-              <a:t>    </a:t>
-            </a:r>
-            <a:r>
-              <a:rPr lang="en-US" dirty="0" err="1"/>
-              <a:t>var</a:t>
-            </a:r>
-            <a:r>
-              <a:rPr lang="en-US" dirty="0"/>
-              <a:t> </a:t>
-            </a:r>
-            <a:r>
-              <a:rPr lang="en-US" dirty="0" err="1"/>
-              <a:t>vm</a:t>
-            </a:r>
-            <a:r>
-              <a:rPr lang="en-US" dirty="0"/>
-              <a:t> = this;</a:t>
-            </a:r>
-          </a:p>
-          <a:p>
-            <a:pPr marL="0" indent="0">
-              <a:buNone/>
-            </a:pPr>
-            <a:r>
-              <a:rPr lang="en-US" dirty="0"/>
-              <a:t>    vm.name = {};</a:t>
-            </a:r>
-          </a:p>
-          <a:p>
-            <a:pPr marL="0" indent="0">
-              <a:buNone/>
-            </a:pPr>
-            <a:r>
-              <a:rPr lang="en-US" dirty="0"/>
-              <a:t>    </a:t>
-            </a:r>
-            <a:r>
-              <a:rPr lang="en-US" dirty="0" err="1"/>
-              <a:t>vm.sendMessage</a:t>
-            </a:r>
-            <a:r>
-              <a:rPr lang="en-US" dirty="0"/>
-              <a:t> = function() { };</a:t>
-            </a:r>
-          </a:p>
-          <a:p>
-            <a:pPr marL="0" indent="0">
-              <a:buNone/>
-            </a:pPr>
-            <a:r>
-              <a:rPr lang="en-US" dirty="0"/>
-              <a:t>}</a:t>
-            </a:r>
+              <a:t>Moiseev</a:t>
+            </a:r>
+            <a:r>
+              <a:rPr lang="en-US" dirty="0"/>
+              <a:t>.</a:t>
+            </a:r>
+          </a:p>
+          <a:p>
+            <a:r>
+              <a:rPr lang="en-US" dirty="0"/>
+              <a:t>Tod Motto Angular style guide </a:t>
+            </a:r>
+            <a:r>
+              <a:rPr lang="en-US" dirty="0">
+                <a:hlinkClick r:id="rId4"/>
+              </a:rPr>
+              <a:t>https://github.com/toddmotto/angular-styleguide</a:t>
+            </a:r>
+            <a:endParaRPr lang="en-US" dirty="0"/>
+          </a:p>
+          <a:p>
+            <a:endParaRPr lang="en-US" dirty="0"/>
           </a:p>
         </p:txBody>
       </p:sp>
     </p:spTree>
     <p:extLst>
       <p:ext uri="{BB962C8B-B14F-4D97-AF65-F5344CB8AC3E}">
-        <p14:creationId xmlns:p14="http://schemas.microsoft.com/office/powerpoint/2010/main" val="3961637091"/>
-      </p:ext>
-    </p:extLst>
-  </p:cSld>
-  <p:clrMapOvr>
-    <a:masterClrMapping/>
-  </p:clrMapOvr>
-</p:sld>
-</file>
-
-<file path=ppt/slides/slide17.xml><?xml version="1.0" encoding="utf-8"?>
-<p:sld xmlns:a="http://schemas.openxmlformats.org/drawingml/2006/main" xmlns:r="http://schemas.openxmlformats.org/officeDocument/2006/relationships" xmlns:p="http://schemas.openxmlformats.org/presentationml/2006/main">
-  <p:cSld>
-    <p:spTree>
-      <p:nvGrpSpPr>
-        <p:cNvPr id="1" name=""/>
-        <p:cNvGrpSpPr/>
-        <p:nvPr/>
-      </p:nvGrpSpPr>
-      <p:grpSpPr>
-        <a:xfrm>
-          <a:off x="0" y="0"/>
-          <a:ext cx="0" cy="0"/>
-          <a:chOff x="0" y="0"/>
-          <a:chExt cx="0" cy="0"/>
-        </a:xfrm>
-      </p:grpSpPr>
-      <p:sp>
-        <p:nvSpPr>
-          <p:cNvPr id="2" name="Title 1"/>
-          <p:cNvSpPr>
-            <a:spLocks noGrp="1"/>
-          </p:cNvSpPr>
-          <p:nvPr>
-            <p:ph type="title"/>
-          </p:nvPr>
-        </p:nvSpPr>
-        <p:spPr/>
-        <p:txBody>
-          <a:bodyPr>
-            <a:normAutofit fontScale="90000"/>
-          </a:bodyPr>
-          <a:lstStyle/>
-          <a:p>
-            <a:r>
-              <a:rPr lang="en-US" b="1" dirty="0" err="1"/>
-              <a:t>Bindable</a:t>
-            </a:r>
-            <a:r>
-              <a:rPr lang="en-US" b="1" dirty="0"/>
-              <a:t> Members Up Top</a:t>
-            </a:r>
-            <a:br>
-              <a:rPr lang="en-US" b="1" dirty="0"/>
-            </a:br>
-            <a:br>
-              <a:rPr lang="en-US" dirty="0"/>
-            </a:br>
-            <a:endParaRPr lang="en-US" dirty="0"/>
-          </a:p>
-        </p:txBody>
-      </p:sp>
-      <p:sp>
-        <p:nvSpPr>
-          <p:cNvPr id="3" name="Content Placeholder 2"/>
-          <p:cNvSpPr>
-            <a:spLocks noGrp="1"/>
-          </p:cNvSpPr>
-          <p:nvPr>
-            <p:ph sz="half" idx="1"/>
-          </p:nvPr>
-        </p:nvSpPr>
-        <p:spPr>
-          <a:xfrm>
-            <a:off x="677334" y="1167618"/>
-            <a:ext cx="4184035" cy="5690382"/>
-          </a:xfrm>
-        </p:spPr>
-        <p:txBody>
-          <a:bodyPr>
-            <a:noAutofit/>
-          </a:bodyPr>
-          <a:lstStyle/>
-          <a:p>
-            <a:pPr marL="0" indent="0">
-              <a:buNone/>
-            </a:pPr>
-            <a:r>
-              <a:rPr lang="en-US" sz="1200" dirty="0"/>
-              <a:t>/* avoid */</a:t>
-            </a:r>
-          </a:p>
-          <a:p>
-            <a:pPr marL="0" indent="0">
-              <a:buNone/>
-            </a:pPr>
-            <a:r>
-              <a:rPr lang="en-US" sz="1200" dirty="0"/>
-              <a:t>function </a:t>
-            </a:r>
-            <a:r>
-              <a:rPr lang="en-US" sz="1200" dirty="0" err="1"/>
-              <a:t>SessionsController</a:t>
-            </a:r>
-            <a:r>
-              <a:rPr lang="en-US" sz="1200" dirty="0"/>
-              <a:t>() {</a:t>
-            </a:r>
-          </a:p>
-          <a:p>
-            <a:pPr marL="0" indent="0">
-              <a:buNone/>
-            </a:pPr>
-            <a:r>
-              <a:rPr lang="en-US" sz="1200" dirty="0"/>
-              <a:t>    </a:t>
-            </a:r>
-            <a:r>
-              <a:rPr lang="en-US" sz="1200" dirty="0" err="1"/>
-              <a:t>var</a:t>
-            </a:r>
-            <a:r>
-              <a:rPr lang="en-US" sz="1200" dirty="0"/>
-              <a:t> </a:t>
-            </a:r>
-            <a:r>
-              <a:rPr lang="en-US" sz="1200" dirty="0" err="1"/>
-              <a:t>vm</a:t>
-            </a:r>
-            <a:r>
-              <a:rPr lang="en-US" sz="1200" dirty="0"/>
-              <a:t> = this;</a:t>
-            </a:r>
-          </a:p>
-          <a:p>
-            <a:pPr marL="0" indent="0">
-              <a:buNone/>
-            </a:pPr>
-            <a:endParaRPr lang="en-US" sz="1200" dirty="0"/>
-          </a:p>
-          <a:p>
-            <a:pPr marL="0" indent="0">
-              <a:buNone/>
-            </a:pPr>
-            <a:r>
-              <a:rPr lang="en-US" sz="1200" dirty="0"/>
-              <a:t>    </a:t>
-            </a:r>
-            <a:r>
-              <a:rPr lang="en-US" sz="1200" dirty="0" err="1"/>
-              <a:t>vm.gotoSession</a:t>
-            </a:r>
-            <a:r>
-              <a:rPr lang="en-US" sz="1200" dirty="0"/>
-              <a:t> = function() {</a:t>
-            </a:r>
-          </a:p>
-          <a:p>
-            <a:pPr marL="0" indent="0">
-              <a:buNone/>
-            </a:pPr>
-            <a:r>
-              <a:rPr lang="en-US" sz="1200" dirty="0"/>
-              <a:t>      /* ... */</a:t>
-            </a:r>
-          </a:p>
-          <a:p>
-            <a:pPr marL="0" indent="0">
-              <a:buNone/>
-            </a:pPr>
-            <a:r>
-              <a:rPr lang="en-US" sz="1200" dirty="0"/>
-              <a:t>    };</a:t>
-            </a:r>
-          </a:p>
-          <a:p>
-            <a:pPr marL="0" indent="0">
-              <a:buNone/>
-            </a:pPr>
-            <a:r>
-              <a:rPr lang="en-US" sz="1200" dirty="0"/>
-              <a:t>    </a:t>
-            </a:r>
-            <a:r>
-              <a:rPr lang="en-US" sz="1200" dirty="0" err="1"/>
-              <a:t>vm.refresh</a:t>
-            </a:r>
-            <a:r>
-              <a:rPr lang="en-US" sz="1200" dirty="0"/>
-              <a:t> = function() {</a:t>
-            </a:r>
-          </a:p>
-          <a:p>
-            <a:pPr marL="0" indent="0">
-              <a:buNone/>
-            </a:pPr>
-            <a:r>
-              <a:rPr lang="en-US" sz="1200" dirty="0"/>
-              <a:t>      /* ... */</a:t>
-            </a:r>
-          </a:p>
-          <a:p>
-            <a:pPr marL="0" indent="0">
-              <a:buNone/>
-            </a:pPr>
-            <a:r>
-              <a:rPr lang="en-US" sz="1200" dirty="0"/>
-              <a:t>    };</a:t>
-            </a:r>
-          </a:p>
-          <a:p>
-            <a:pPr marL="0" indent="0">
-              <a:buNone/>
-            </a:pPr>
-            <a:r>
-              <a:rPr lang="en-US" sz="1200" dirty="0"/>
-              <a:t>    </a:t>
-            </a:r>
-            <a:r>
-              <a:rPr lang="en-US" sz="1200" dirty="0" err="1"/>
-              <a:t>vm.search</a:t>
-            </a:r>
-            <a:r>
-              <a:rPr lang="en-US" sz="1200" dirty="0"/>
-              <a:t> = function() {</a:t>
-            </a:r>
-          </a:p>
-          <a:p>
-            <a:pPr marL="0" indent="0">
-              <a:buNone/>
-            </a:pPr>
-            <a:r>
-              <a:rPr lang="en-US" sz="1200" dirty="0"/>
-              <a:t>      /* ... */</a:t>
-            </a:r>
-          </a:p>
-          <a:p>
-            <a:pPr marL="0" indent="0">
-              <a:buNone/>
-            </a:pPr>
-            <a:r>
-              <a:rPr lang="en-US" sz="1200" dirty="0"/>
-              <a:t>    };</a:t>
-            </a:r>
-          </a:p>
-          <a:p>
-            <a:pPr marL="0" indent="0">
-              <a:buNone/>
-            </a:pPr>
-            <a:r>
-              <a:rPr lang="en-US" sz="1200" dirty="0"/>
-              <a:t>    </a:t>
-            </a:r>
-            <a:r>
-              <a:rPr lang="en-US" sz="1200" dirty="0" err="1"/>
-              <a:t>vm.sessions</a:t>
-            </a:r>
-            <a:r>
-              <a:rPr lang="en-US" sz="1200" dirty="0"/>
-              <a:t> = [];</a:t>
-            </a:r>
-          </a:p>
-          <a:p>
-            <a:pPr marL="0" indent="0">
-              <a:buNone/>
-            </a:pPr>
-            <a:r>
-              <a:rPr lang="en-US" sz="1200" dirty="0"/>
-              <a:t>    </a:t>
-            </a:r>
-            <a:r>
-              <a:rPr lang="en-US" sz="1200" dirty="0" err="1"/>
-              <a:t>vm.title</a:t>
-            </a:r>
-            <a:r>
-              <a:rPr lang="en-US" sz="1200" dirty="0"/>
-              <a:t> = 'Sessions';</a:t>
-            </a:r>
-          </a:p>
-          <a:p>
-            <a:pPr marL="0" indent="0">
-              <a:buNone/>
-            </a:pPr>
-            <a:r>
-              <a:rPr lang="en-US" sz="1200" dirty="0"/>
-              <a:t>}</a:t>
-            </a:r>
-          </a:p>
-        </p:txBody>
-      </p:sp>
-      <p:sp>
-        <p:nvSpPr>
-          <p:cNvPr id="4" name="Content Placeholder 3"/>
-          <p:cNvSpPr>
-            <a:spLocks noGrp="1"/>
-          </p:cNvSpPr>
-          <p:nvPr>
-            <p:ph sz="half" idx="2"/>
-          </p:nvPr>
-        </p:nvSpPr>
-        <p:spPr>
-          <a:xfrm>
-            <a:off x="5089970" y="1167618"/>
-            <a:ext cx="4184034" cy="5690381"/>
-          </a:xfrm>
-        </p:spPr>
-        <p:txBody>
-          <a:bodyPr>
-            <a:normAutofit fontScale="32500" lnSpcReduction="20000"/>
-          </a:bodyPr>
-          <a:lstStyle/>
-          <a:p>
-            <a:pPr marL="0" indent="0">
-              <a:buNone/>
-            </a:pPr>
-            <a:r>
-              <a:rPr lang="en-US" dirty="0"/>
-              <a:t>/*</a:t>
-            </a:r>
-            <a:r>
-              <a:rPr lang="en-US" sz="3700" dirty="0"/>
-              <a:t>recommended */</a:t>
-            </a:r>
-          </a:p>
-          <a:p>
-            <a:pPr marL="0" indent="0">
-              <a:buNone/>
-            </a:pPr>
-            <a:r>
-              <a:rPr lang="en-US" sz="3700" dirty="0"/>
-              <a:t>function </a:t>
-            </a:r>
-            <a:r>
-              <a:rPr lang="en-US" sz="3700" dirty="0" err="1"/>
-              <a:t>SessionsController</a:t>
-            </a:r>
-            <a:r>
-              <a:rPr lang="en-US" sz="3700" dirty="0"/>
-              <a:t>() {</a:t>
-            </a:r>
-          </a:p>
-          <a:p>
-            <a:pPr marL="0" indent="0">
-              <a:buNone/>
-            </a:pPr>
-            <a:r>
-              <a:rPr lang="en-US" sz="3700" dirty="0"/>
-              <a:t>    </a:t>
-            </a:r>
-            <a:r>
-              <a:rPr lang="en-US" sz="3700" dirty="0" err="1"/>
-              <a:t>var</a:t>
-            </a:r>
-            <a:r>
-              <a:rPr lang="en-US" sz="3700" dirty="0"/>
-              <a:t> </a:t>
-            </a:r>
-            <a:r>
-              <a:rPr lang="en-US" sz="3700" dirty="0" err="1"/>
-              <a:t>vm</a:t>
-            </a:r>
-            <a:r>
-              <a:rPr lang="en-US" sz="3700" dirty="0"/>
-              <a:t> = this;</a:t>
-            </a:r>
-          </a:p>
-          <a:p>
-            <a:pPr marL="0" indent="0">
-              <a:buNone/>
-            </a:pPr>
-            <a:endParaRPr lang="en-US" sz="3700" dirty="0"/>
-          </a:p>
-          <a:p>
-            <a:pPr marL="0" indent="0">
-              <a:buNone/>
-            </a:pPr>
-            <a:r>
-              <a:rPr lang="en-US" sz="3700" dirty="0"/>
-              <a:t>    </a:t>
-            </a:r>
-            <a:r>
-              <a:rPr lang="en-US" sz="3700" dirty="0" err="1"/>
-              <a:t>vm.gotoSession</a:t>
-            </a:r>
-            <a:r>
-              <a:rPr lang="en-US" sz="3700" dirty="0"/>
-              <a:t> = </a:t>
-            </a:r>
-            <a:r>
-              <a:rPr lang="en-US" sz="3700" dirty="0" err="1"/>
-              <a:t>gotoSession</a:t>
-            </a:r>
-            <a:r>
-              <a:rPr lang="en-US" sz="3700" dirty="0"/>
-              <a:t>;</a:t>
-            </a:r>
-          </a:p>
-          <a:p>
-            <a:pPr marL="0" indent="0">
-              <a:buNone/>
-            </a:pPr>
-            <a:r>
-              <a:rPr lang="en-US" sz="3700" dirty="0"/>
-              <a:t>    </a:t>
-            </a:r>
-            <a:r>
-              <a:rPr lang="en-US" sz="3700" dirty="0" err="1"/>
-              <a:t>vm.refresh</a:t>
-            </a:r>
-            <a:r>
-              <a:rPr lang="en-US" sz="3700" dirty="0"/>
-              <a:t> = refresh;</a:t>
-            </a:r>
-          </a:p>
-          <a:p>
-            <a:pPr marL="0" indent="0">
-              <a:buNone/>
-            </a:pPr>
-            <a:r>
-              <a:rPr lang="en-US" sz="3700" dirty="0"/>
-              <a:t>    </a:t>
-            </a:r>
-            <a:r>
-              <a:rPr lang="en-US" sz="3700" dirty="0" err="1"/>
-              <a:t>vm.search</a:t>
-            </a:r>
-            <a:r>
-              <a:rPr lang="en-US" sz="3700" dirty="0"/>
-              <a:t> = search;</a:t>
-            </a:r>
-          </a:p>
-          <a:p>
-            <a:pPr marL="0" indent="0">
-              <a:buNone/>
-            </a:pPr>
-            <a:r>
-              <a:rPr lang="en-US" sz="3700" dirty="0"/>
-              <a:t>    </a:t>
-            </a:r>
-            <a:r>
-              <a:rPr lang="en-US" sz="3700" dirty="0" err="1"/>
-              <a:t>vm.sessions</a:t>
-            </a:r>
-            <a:r>
-              <a:rPr lang="en-US" sz="3700" dirty="0"/>
-              <a:t> = [];</a:t>
-            </a:r>
-          </a:p>
-          <a:p>
-            <a:pPr marL="0" indent="0">
-              <a:buNone/>
-            </a:pPr>
-            <a:r>
-              <a:rPr lang="en-US" sz="3700" dirty="0"/>
-              <a:t>    </a:t>
-            </a:r>
-            <a:r>
-              <a:rPr lang="en-US" sz="3700" dirty="0" err="1"/>
-              <a:t>vm.title</a:t>
-            </a:r>
-            <a:r>
-              <a:rPr lang="en-US" sz="3700" dirty="0"/>
-              <a:t> = 'Sessions';</a:t>
-            </a:r>
-          </a:p>
-          <a:p>
-            <a:pPr marL="0" indent="0">
-              <a:buNone/>
-            </a:pPr>
-            <a:r>
-              <a:rPr lang="en-US" sz="3700" dirty="0"/>
-              <a:t>    /////////</a:t>
-            </a:r>
-          </a:p>
-          <a:p>
-            <a:pPr marL="0" indent="0">
-              <a:buNone/>
-            </a:pPr>
-            <a:r>
-              <a:rPr lang="en-US" sz="3700" dirty="0"/>
-              <a:t>    function </a:t>
-            </a:r>
-            <a:r>
-              <a:rPr lang="en-US" sz="3700" dirty="0" err="1"/>
-              <a:t>gotoSession</a:t>
-            </a:r>
-            <a:r>
-              <a:rPr lang="en-US" sz="3700" dirty="0"/>
-              <a:t>() {</a:t>
-            </a:r>
-          </a:p>
-          <a:p>
-            <a:pPr marL="0" indent="0">
-              <a:buNone/>
-            </a:pPr>
-            <a:r>
-              <a:rPr lang="en-US" sz="3700" dirty="0"/>
-              <a:t>      /* */</a:t>
-            </a:r>
-          </a:p>
-          <a:p>
-            <a:pPr marL="0" indent="0">
-              <a:buNone/>
-            </a:pPr>
-            <a:r>
-              <a:rPr lang="en-US" sz="3700" dirty="0"/>
-              <a:t>    }</a:t>
-            </a:r>
-          </a:p>
-          <a:p>
-            <a:pPr marL="0" indent="0">
-              <a:buNone/>
-            </a:pPr>
-            <a:r>
-              <a:rPr lang="en-US" sz="3700" dirty="0"/>
-              <a:t>    function refresh() {</a:t>
-            </a:r>
-          </a:p>
-          <a:p>
-            <a:pPr marL="0" indent="0">
-              <a:buNone/>
-            </a:pPr>
-            <a:r>
-              <a:rPr lang="en-US" sz="3700" dirty="0"/>
-              <a:t>      /* */</a:t>
-            </a:r>
-          </a:p>
-          <a:p>
-            <a:pPr marL="0" indent="0">
-              <a:buNone/>
-            </a:pPr>
-            <a:r>
-              <a:rPr lang="en-US" sz="3700" dirty="0"/>
-              <a:t>    }</a:t>
-            </a:r>
-          </a:p>
-          <a:p>
-            <a:pPr marL="0" indent="0">
-              <a:buNone/>
-            </a:pPr>
-            <a:r>
-              <a:rPr lang="en-US" sz="3700" dirty="0"/>
-              <a:t>    function search() {</a:t>
-            </a:r>
-          </a:p>
-          <a:p>
-            <a:pPr marL="0" indent="0">
-              <a:buNone/>
-            </a:pPr>
-            <a:r>
-              <a:rPr lang="en-US" sz="3700" dirty="0"/>
-              <a:t>      /* */</a:t>
-            </a:r>
-          </a:p>
-          <a:p>
-            <a:pPr marL="0" indent="0">
-              <a:buNone/>
-            </a:pPr>
-            <a:r>
-              <a:rPr lang="en-US" sz="3700" dirty="0"/>
-              <a:t>    }</a:t>
-            </a:r>
-          </a:p>
-          <a:p>
-            <a:pPr marL="0" indent="0">
-              <a:buNone/>
-            </a:pPr>
-            <a:r>
-              <a:rPr lang="en-US" sz="3700" dirty="0"/>
-              <a:t>}</a:t>
-            </a:r>
-          </a:p>
-          <a:p>
-            <a:pPr marL="0" indent="0">
-              <a:buNone/>
-            </a:pPr>
-            <a:endParaRPr lang="en-US" dirty="0"/>
-          </a:p>
-        </p:txBody>
-      </p:sp>
-    </p:spTree>
-    <p:extLst>
-      <p:ext uri="{BB962C8B-B14F-4D97-AF65-F5344CB8AC3E}">
-        <p14:creationId xmlns:p14="http://schemas.microsoft.com/office/powerpoint/2010/main" val="2126058879"/>
-      </p:ext>
-    </p:extLst>
-  </p:cSld>
-  <p:clrMapOvr>
-    <a:masterClrMapping/>
-  </p:clrMapOvr>
-</p:sld>
-</file>
-
-<file path=ppt/slides/slide18.xml><?xml version="1.0" encoding="utf-8"?>
-<p:sld xmlns:a="http://schemas.openxmlformats.org/drawingml/2006/main" xmlns:r="http://schemas.openxmlformats.org/officeDocument/2006/relationships" xmlns:p="http://schemas.openxmlformats.org/presentationml/2006/main">
-  <p:cSld>
-    <p:spTree>
-      <p:nvGrpSpPr>
-        <p:cNvPr id="1" name=""/>
-        <p:cNvGrpSpPr/>
-        <p:nvPr/>
-      </p:nvGrpSpPr>
-      <p:grpSpPr>
-        <a:xfrm>
-          <a:off x="0" y="0"/>
-          <a:ext cx="0" cy="0"/>
-          <a:chOff x="0" y="0"/>
-          <a:chExt cx="0" cy="0"/>
-        </a:xfrm>
-      </p:grpSpPr>
-      <p:sp>
-        <p:nvSpPr>
-          <p:cNvPr id="5" name="Title 4"/>
-          <p:cNvSpPr>
-            <a:spLocks noGrp="1"/>
-          </p:cNvSpPr>
-          <p:nvPr>
-            <p:ph type="title"/>
-          </p:nvPr>
-        </p:nvSpPr>
-        <p:spPr/>
-        <p:txBody>
-          <a:bodyPr>
-            <a:normAutofit fontScale="90000"/>
-          </a:bodyPr>
-          <a:lstStyle/>
-          <a:p>
-            <a:r>
-              <a:rPr lang="en-US" b="1" dirty="0"/>
-              <a:t>Function Declarations to Hide Implementation Details</a:t>
-            </a:r>
-            <a:br>
-              <a:rPr lang="en-US" b="1" dirty="0"/>
-            </a:br>
-            <a:br>
-              <a:rPr lang="en-US" dirty="0"/>
-            </a:br>
-            <a:endParaRPr lang="en-US" dirty="0"/>
-          </a:p>
-        </p:txBody>
-      </p:sp>
-      <p:sp>
-        <p:nvSpPr>
-          <p:cNvPr id="6" name="Content Placeholder 5"/>
-          <p:cNvSpPr>
-            <a:spLocks noGrp="1"/>
-          </p:cNvSpPr>
-          <p:nvPr>
-            <p:ph idx="1"/>
-          </p:nvPr>
-        </p:nvSpPr>
-        <p:spPr/>
-        <p:txBody>
-          <a:bodyPr>
-            <a:normAutofit/>
-          </a:bodyPr>
-          <a:lstStyle/>
-          <a:p>
-            <a:r>
-              <a:rPr lang="en-US" dirty="0"/>
-              <a:t>Use function declarations to hide implementation details. Keep your </a:t>
-            </a:r>
-            <a:r>
-              <a:rPr lang="en-US" dirty="0" err="1"/>
-              <a:t>bindable</a:t>
-            </a:r>
-            <a:r>
-              <a:rPr lang="en-US" dirty="0"/>
-              <a:t> members up top. </a:t>
-            </a:r>
-          </a:p>
-          <a:p>
-            <a:r>
-              <a:rPr lang="en-US" dirty="0"/>
-              <a:t>Placing </a:t>
-            </a:r>
-            <a:r>
-              <a:rPr lang="en-US" dirty="0" err="1"/>
-              <a:t>bindable</a:t>
-            </a:r>
-            <a:r>
-              <a:rPr lang="en-US" dirty="0"/>
-              <a:t> members at the top makes it easy to read and helps you instantly identify which members of the controller can be bound and used in the View. </a:t>
-            </a:r>
-          </a:p>
-          <a:p>
-            <a:r>
-              <a:rPr lang="en-US" dirty="0"/>
-              <a:t>Placing the implementation details of a function later in the file moves that complexity out of view so you can see the important stuff up top.</a:t>
-            </a:r>
-          </a:p>
-          <a:p>
-            <a:r>
-              <a:rPr lang="en-US" dirty="0"/>
-              <a:t>Function declaration are hoisted so there are no concerns over using a function before it is defined (as there would be with function expressions).</a:t>
-            </a:r>
-          </a:p>
-          <a:p>
-            <a:r>
-              <a:rPr lang="en-US" dirty="0"/>
-              <a:t> You never have to worry with function declarations that moving </a:t>
-            </a:r>
-            <a:r>
-              <a:rPr lang="en-US" dirty="0" err="1"/>
-              <a:t>var</a:t>
-            </a:r>
-            <a:r>
-              <a:rPr lang="en-US" dirty="0"/>
-              <a:t> a before </a:t>
-            </a:r>
-            <a:r>
-              <a:rPr lang="en-US" dirty="0" err="1"/>
-              <a:t>var</a:t>
-            </a:r>
-            <a:r>
-              <a:rPr lang="en-US" dirty="0"/>
-              <a:t> b will break your code because a depends on b.</a:t>
-            </a:r>
-          </a:p>
-          <a:p>
-            <a:endParaRPr lang="en-US" dirty="0"/>
-          </a:p>
-          <a:p>
-            <a:endParaRPr lang="en-US" dirty="0"/>
-          </a:p>
-          <a:p>
-            <a:endParaRPr lang="en-US" dirty="0"/>
-          </a:p>
-          <a:p>
-            <a:endParaRPr lang="en-US" dirty="0"/>
-          </a:p>
-          <a:p>
-            <a:endParaRPr lang="en-US" dirty="0"/>
-          </a:p>
-        </p:txBody>
-      </p:sp>
-    </p:spTree>
-    <p:extLst>
-      <p:ext uri="{BB962C8B-B14F-4D97-AF65-F5344CB8AC3E}">
-        <p14:creationId xmlns:p14="http://schemas.microsoft.com/office/powerpoint/2010/main" val="2951941160"/>
-      </p:ext>
-    </p:extLst>
-  </p:cSld>
-  <p:clrMapOvr>
-    <a:masterClrMapping/>
-  </p:clrMapOvr>
-</p:sld>
-</file>
-
-<file path=ppt/slides/slide19.xml><?xml version="1.0" encoding="utf-8"?>
-<p:sld xmlns:a="http://schemas.openxmlformats.org/drawingml/2006/main" xmlns:r="http://schemas.openxmlformats.org/officeDocument/2006/relationships" xmlns:p="http://schemas.openxmlformats.org/presentationml/2006/main">
-  <p:cSld>
-    <p:spTree>
-      <p:nvGrpSpPr>
-        <p:cNvPr id="1" name=""/>
-        <p:cNvGrpSpPr/>
-        <p:nvPr/>
-      </p:nvGrpSpPr>
-      <p:grpSpPr>
-        <a:xfrm>
-          <a:off x="0" y="0"/>
-          <a:ext cx="0" cy="0"/>
-          <a:chOff x="0" y="0"/>
-          <a:chExt cx="0" cy="0"/>
-        </a:xfrm>
-      </p:grpSpPr>
-      <p:sp>
-        <p:nvSpPr>
-          <p:cNvPr id="2" name="Title 1"/>
-          <p:cNvSpPr>
-            <a:spLocks noGrp="1"/>
-          </p:cNvSpPr>
-          <p:nvPr>
-            <p:ph type="title"/>
-          </p:nvPr>
-        </p:nvSpPr>
-        <p:spPr/>
-        <p:txBody>
-          <a:bodyPr/>
-          <a:lstStyle/>
-          <a:p>
-            <a:r>
-              <a:rPr lang="en-US" dirty="0"/>
-              <a:t>Components</a:t>
-            </a:r>
-          </a:p>
-        </p:txBody>
-      </p:sp>
-      <p:sp>
-        <p:nvSpPr>
-          <p:cNvPr id="3" name="Content Placeholder 2"/>
-          <p:cNvSpPr>
-            <a:spLocks noGrp="1"/>
-          </p:cNvSpPr>
-          <p:nvPr>
-            <p:ph idx="1"/>
-          </p:nvPr>
-        </p:nvSpPr>
-        <p:spPr/>
-        <p:txBody>
-          <a:bodyPr/>
-          <a:lstStyle/>
-          <a:p>
-            <a:endParaRPr lang="en-US"/>
-          </a:p>
-        </p:txBody>
-      </p:sp>
-    </p:spTree>
-    <p:extLst>
-      <p:ext uri="{BB962C8B-B14F-4D97-AF65-F5344CB8AC3E}">
-        <p14:creationId xmlns:p14="http://schemas.microsoft.com/office/powerpoint/2010/main" val="199657330"/>
+        <p14:creationId xmlns:p14="http://schemas.microsoft.com/office/powerpoint/2010/main" val="4173360686"/>
       </p:ext>
     </p:extLst>
   </p:cSld>
@@ -9197,8 +7076,17 @@
           <a:p>
             <a:r>
               <a:rPr lang="en-US" dirty="0"/>
-              <a:t>Same Concepts</a:t>
-            </a:r>
+              <a:t>Typescript</a:t>
+            </a:r>
+            <a:r>
+              <a:rPr lang="en-US" sz="1200" dirty="0"/>
+              <a:t> (selling points) ref Fain and </a:t>
+            </a:r>
+            <a:r>
+              <a:rPr lang="en-US" sz="1200" dirty="0" err="1"/>
+              <a:t>Moiseev</a:t>
+            </a:r>
+            <a:endParaRPr lang="en-US" sz="1200" dirty="0"/>
           </a:p>
         </p:txBody>
       </p:sp>
@@ -9214,921 +7102,115 @@
         </p:nvSpPr>
         <p:spPr/>
         <p:txBody>
-          <a:bodyPr/>
-          <a:lstStyle/>
-          <a:p>
-            <a:pPr marL="0" indent="0">
-              <a:buNone/>
-            </a:pPr>
-            <a:endParaRPr lang="en-US" dirty="0"/>
-          </a:p>
-          <a:p>
-            <a:r>
-              <a:rPr lang="en-US" dirty="0"/>
-              <a:t>Dependency Injection</a:t>
-            </a:r>
-          </a:p>
-          <a:p>
-            <a:r>
-              <a:rPr lang="en-US" dirty="0"/>
-              <a:t>Services</a:t>
-            </a:r>
-          </a:p>
-          <a:p>
-            <a:r>
-              <a:rPr lang="en-US" dirty="0"/>
-              <a:t>JavaScript still as live as ever, just being hardened </a:t>
-            </a:r>
+          <a:bodyPr>
+            <a:normAutofit fontScale="62500" lnSpcReduction="20000"/>
+          </a:bodyPr>
+          <a:lstStyle/>
+          <a:p>
+            <a:endParaRPr lang="en-US" dirty="0"/>
+          </a:p>
+          <a:p>
             <a:r>
               <a:rPr lang="en-US" dirty="0" err="1"/>
-              <a:t>alittle</a:t>
-            </a:r>
-            <a:r>
-              <a:rPr lang="en-US" dirty="0"/>
-              <a:t>.</a:t>
-            </a:r>
-          </a:p>
-          <a:p>
-            <a:r>
-              <a:rPr lang="en-US" dirty="0"/>
-              <a:t>TDD out-of-box Unit Testing </a:t>
-            </a:r>
-          </a:p>
-          <a:p>
-            <a:endParaRPr lang="en-US" dirty="0"/>
+              <a:t>TypeScript</a:t>
+            </a:r>
+            <a:r>
+              <a:rPr lang="en-US" dirty="0"/>
+              <a:t> supports types. This allows the </a:t>
+            </a:r>
+            <a:r>
+              <a:rPr lang="en-US" dirty="0" err="1"/>
+              <a:t>TypeScript</a:t>
+            </a:r>
+            <a:r>
+              <a:rPr lang="en-US" dirty="0"/>
+              <a:t> compiler to help developers by finding and fixing lots of errors during development before even running the app. </a:t>
+            </a:r>
+          </a:p>
+          <a:p>
+            <a:r>
+              <a:rPr lang="en-US" dirty="0"/>
+              <a:t>Great IDE support is one of </a:t>
+            </a:r>
+            <a:r>
+              <a:rPr lang="en-US" dirty="0" err="1"/>
+              <a:t>TypeScript’s</a:t>
+            </a:r>
+            <a:r>
+              <a:rPr lang="en-US" dirty="0"/>
+              <a:t> main advantages. If you make a mistake in a function or a variable name, it’s displayed in red. If you pass the wrong number of parameters (or wrong types) to a function, the wrong ones show in red. IDEs also offer great context-sensitive help. </a:t>
+            </a:r>
+            <a:r>
+              <a:rPr lang="en-US" dirty="0" err="1"/>
+              <a:t>TypeScript</a:t>
+            </a:r>
+            <a:r>
+              <a:rPr lang="en-US" dirty="0"/>
+              <a:t> code can be refactored by IDEs, whereas JavaScript has to be refactored manually. If you need to explore a new library, just install its type definitions file, and the IDE will prompt you with available APIs, so you don’t need to read its documentation elsewhere. </a:t>
+            </a:r>
+          </a:p>
+          <a:p>
+            <a:r>
+              <a:rPr lang="en-US" dirty="0"/>
+              <a:t>Angular is bundled with type definitions files, so IDEs perform type checking while using the Angular API and they offer context-sensitive help right out of the box. </a:t>
+            </a:r>
+          </a:p>
+          <a:p>
+            <a:r>
+              <a:rPr lang="en-US" dirty="0" err="1"/>
+              <a:t>TypeScript</a:t>
+            </a:r>
+            <a:r>
+              <a:rPr lang="en-US" dirty="0"/>
+              <a:t> follows the ECMAScript 6 standard and adds to it types, interfaces, decorators, class member variables (fields), generics, and the keywords public and private. Future releases of </a:t>
+            </a:r>
+            <a:r>
+              <a:rPr lang="en-US" dirty="0" err="1"/>
+              <a:t>TypeScript</a:t>
+            </a:r>
+            <a:r>
+              <a:rPr lang="en-US" dirty="0"/>
+              <a:t> will support the missing ES6 features and implement the features of ES7 (see the </a:t>
+            </a:r>
+            <a:r>
+              <a:rPr lang="en-US" dirty="0" err="1"/>
+              <a:t>TypeScript</a:t>
+            </a:r>
+            <a:r>
+              <a:rPr lang="en-US" dirty="0"/>
+              <a:t> “Roadmap” on GitHub at http://mng.bz/Ri29). </a:t>
+            </a:r>
+          </a:p>
+          <a:p>
+            <a:r>
+              <a:rPr lang="en-US" dirty="0" err="1"/>
+              <a:t>TypeScript</a:t>
+            </a:r>
+            <a:r>
+              <a:rPr lang="en-US" dirty="0"/>
+              <a:t> interfaces allow you to declare custom types that will be used in your application. Interfaces help in preventing compile-time errors caused by using objects of the wrong types in your application. The generated JavaScript code is easy to read, and it looks like hand-written code. </a:t>
+            </a:r>
+          </a:p>
+          <a:p>
+            <a:r>
+              <a:rPr lang="en-US" dirty="0"/>
+              <a:t>Most of the code samples in code samples in the Angular documentation are given in </a:t>
+            </a:r>
+            <a:r>
+              <a:rPr lang="en-US" dirty="0" err="1"/>
+              <a:t>TypeScript</a:t>
+            </a:r>
+            <a:r>
+              <a:rPr lang="en-US" dirty="0"/>
+              <a:t> (see https://angular.io/docs).</a:t>
+            </a:r>
           </a:p>
         </p:txBody>
       </p:sp>
     </p:spTree>
     <p:extLst>
       <p:ext uri="{BB962C8B-B14F-4D97-AF65-F5344CB8AC3E}">
-        <p14:creationId xmlns:p14="http://schemas.microsoft.com/office/powerpoint/2010/main" val="192988692"/>
-      </p:ext>
-    </p:extLst>
-  </p:cSld>
-  <p:clrMapOvr>
-    <a:masterClrMapping/>
-  </p:clrMapOvr>
-</p:sld>
-</file>
-
-<file path=ppt/slides/slide20.xml><?xml version="1.0" encoding="utf-8"?>
-<p:sld xmlns:a="http://schemas.openxmlformats.org/drawingml/2006/main" xmlns:r="http://schemas.openxmlformats.org/officeDocument/2006/relationships" xmlns:p="http://schemas.openxmlformats.org/presentationml/2006/main">
-  <p:cSld>
-    <p:spTree>
-      <p:nvGrpSpPr>
-        <p:cNvPr id="1" name=""/>
-        <p:cNvGrpSpPr/>
-        <p:nvPr/>
-      </p:nvGrpSpPr>
-      <p:grpSpPr>
-        <a:xfrm>
-          <a:off x="0" y="0"/>
-          <a:ext cx="0" cy="0"/>
-          <a:chOff x="0" y="0"/>
-          <a:chExt cx="0" cy="0"/>
-        </a:xfrm>
-      </p:grpSpPr>
-      <p:sp>
-        <p:nvSpPr>
-          <p:cNvPr id="2" name="Title 1"/>
-          <p:cNvSpPr>
-            <a:spLocks noGrp="1"/>
-          </p:cNvSpPr>
-          <p:nvPr>
-            <p:ph type="title"/>
-          </p:nvPr>
-        </p:nvSpPr>
-        <p:spPr/>
-        <p:txBody>
-          <a:bodyPr/>
-          <a:lstStyle/>
-          <a:p>
-            <a:r>
-              <a:rPr lang="en-US" dirty="0"/>
-              <a:t>Services</a:t>
-            </a:r>
-          </a:p>
-        </p:txBody>
-      </p:sp>
-      <p:sp>
-        <p:nvSpPr>
-          <p:cNvPr id="3" name="Content Placeholder 2"/>
-          <p:cNvSpPr>
-            <a:spLocks noGrp="1"/>
-          </p:cNvSpPr>
-          <p:nvPr>
-            <p:ph idx="1"/>
-          </p:nvPr>
-        </p:nvSpPr>
-        <p:spPr/>
-        <p:txBody>
-          <a:bodyPr>
-            <a:normAutofit fontScale="85000" lnSpcReduction="20000"/>
-          </a:bodyPr>
-          <a:lstStyle/>
-          <a:p>
-            <a:r>
-              <a:rPr lang="en-US" dirty="0"/>
-              <a:t>All angular services are singletons</a:t>
-            </a:r>
-          </a:p>
-          <a:p>
-            <a:r>
-              <a:rPr lang="en-US" dirty="0"/>
-              <a:t>Services are similar to factories, so use always use factories for consistency</a:t>
-            </a:r>
-          </a:p>
-          <a:p>
-            <a:pPr marL="0" indent="0">
-              <a:buNone/>
-            </a:pPr>
-            <a:r>
-              <a:rPr lang="en-US" dirty="0"/>
-              <a:t> // service</a:t>
-            </a:r>
-          </a:p>
-          <a:p>
-            <a:pPr marL="0" indent="0">
-              <a:buNone/>
-            </a:pPr>
-            <a:r>
-              <a:rPr lang="en-US" dirty="0"/>
-              <a:t>angular</a:t>
-            </a:r>
-          </a:p>
-          <a:p>
-            <a:pPr marL="0" indent="0">
-              <a:buNone/>
-            </a:pPr>
-            <a:r>
-              <a:rPr lang="en-US" dirty="0"/>
-              <a:t>    .module('app')</a:t>
-            </a:r>
-          </a:p>
-          <a:p>
-            <a:pPr marL="0" indent="0">
-              <a:buNone/>
-            </a:pPr>
-            <a:r>
-              <a:rPr lang="en-US" dirty="0"/>
-              <a:t>    .service('logger', logger);</a:t>
-            </a:r>
-          </a:p>
-          <a:p>
-            <a:pPr marL="0" indent="0">
-              <a:buNone/>
-            </a:pPr>
-            <a:endParaRPr lang="en-US" dirty="0"/>
-          </a:p>
-          <a:p>
-            <a:pPr marL="0" indent="0">
-              <a:buNone/>
-            </a:pPr>
-            <a:r>
-              <a:rPr lang="en-US" dirty="0"/>
-              <a:t>function logger() {</a:t>
-            </a:r>
-          </a:p>
-          <a:p>
-            <a:pPr marL="0" indent="0">
-              <a:buNone/>
-            </a:pPr>
-            <a:r>
-              <a:rPr lang="en-US" dirty="0"/>
-              <a:t>  </a:t>
-            </a:r>
-            <a:r>
-              <a:rPr lang="en-US" dirty="0" err="1"/>
-              <a:t>this.logError</a:t>
-            </a:r>
-            <a:r>
-              <a:rPr lang="en-US" dirty="0"/>
-              <a:t> = function(</a:t>
-            </a:r>
-            <a:r>
-              <a:rPr lang="en-US" dirty="0" err="1"/>
-              <a:t>msg</a:t>
-            </a:r>
-            <a:r>
-              <a:rPr lang="en-US" dirty="0"/>
-              <a:t>) {</a:t>
-            </a:r>
-          </a:p>
-          <a:p>
-            <a:pPr marL="0" indent="0">
-              <a:buNone/>
-            </a:pPr>
-            <a:r>
-              <a:rPr lang="en-US" dirty="0"/>
-              <a:t>    /* */</a:t>
-            </a:r>
-          </a:p>
-          <a:p>
-            <a:pPr marL="0" indent="0">
-              <a:buNone/>
-            </a:pPr>
-            <a:r>
-              <a:rPr lang="en-US" dirty="0"/>
-              <a:t>  };</a:t>
-            </a:r>
-          </a:p>
-          <a:p>
-            <a:pPr marL="0" indent="0">
-              <a:buNone/>
-            </a:pPr>
-            <a:r>
-              <a:rPr lang="en-US" dirty="0"/>
-              <a:t>}</a:t>
-            </a:r>
-          </a:p>
-          <a:p>
-            <a:endParaRPr lang="en-US" dirty="0"/>
-          </a:p>
-        </p:txBody>
-      </p:sp>
-    </p:spTree>
-    <p:extLst>
-      <p:ext uri="{BB962C8B-B14F-4D97-AF65-F5344CB8AC3E}">
-        <p14:creationId xmlns:p14="http://schemas.microsoft.com/office/powerpoint/2010/main" val="2325221207"/>
-      </p:ext>
-    </p:extLst>
-  </p:cSld>
-  <p:clrMapOvr>
-    <a:masterClrMapping/>
-  </p:clrMapOvr>
-</p:sld>
-</file>
-
-<file path=ppt/slides/slide21.xml><?xml version="1.0" encoding="utf-8"?>
-<p:sld xmlns:a="http://schemas.openxmlformats.org/drawingml/2006/main" xmlns:r="http://schemas.openxmlformats.org/officeDocument/2006/relationships" xmlns:p="http://schemas.openxmlformats.org/presentationml/2006/main">
-  <p:cSld>
-    <p:spTree>
-      <p:nvGrpSpPr>
-        <p:cNvPr id="1" name=""/>
-        <p:cNvGrpSpPr/>
-        <p:nvPr/>
-      </p:nvGrpSpPr>
-      <p:grpSpPr>
-        <a:xfrm>
-          <a:off x="0" y="0"/>
-          <a:ext cx="0" cy="0"/>
-          <a:chOff x="0" y="0"/>
-          <a:chExt cx="0" cy="0"/>
-        </a:xfrm>
-      </p:grpSpPr>
-      <p:sp>
-        <p:nvSpPr>
-          <p:cNvPr id="2" name="Title 1"/>
-          <p:cNvSpPr>
-            <a:spLocks noGrp="1"/>
-          </p:cNvSpPr>
-          <p:nvPr>
-            <p:ph type="title"/>
-          </p:nvPr>
-        </p:nvSpPr>
-        <p:spPr>
-          <a:xfrm>
-            <a:off x="677334" y="609600"/>
-            <a:ext cx="8596668" cy="828583"/>
-          </a:xfrm>
-        </p:spPr>
-        <p:txBody>
-          <a:bodyPr/>
-          <a:lstStyle/>
-          <a:p>
-            <a:r>
-              <a:rPr lang="en-US" dirty="0"/>
-              <a:t>Data Services </a:t>
-            </a:r>
-            <a:r>
-              <a:rPr lang="en-US" sz="1200" dirty="0"/>
-              <a:t>(still applicable spring demo slide)</a:t>
-            </a:r>
-          </a:p>
-        </p:txBody>
-      </p:sp>
-      <p:sp>
-        <p:nvSpPr>
-          <p:cNvPr id="3" name="Content Placeholder 2"/>
-          <p:cNvSpPr>
-            <a:spLocks noGrp="1"/>
-          </p:cNvSpPr>
-          <p:nvPr>
-            <p:ph idx="1"/>
-          </p:nvPr>
-        </p:nvSpPr>
-        <p:spPr/>
-        <p:txBody>
-          <a:bodyPr/>
-          <a:lstStyle/>
-          <a:p>
-            <a:r>
-              <a:rPr lang="en-US" dirty="0"/>
-              <a:t>Refactor logic for making data operations and interacting with data to a factory</a:t>
-            </a:r>
-          </a:p>
-          <a:p>
-            <a:r>
-              <a:rPr lang="en-US" dirty="0"/>
-              <a:t>Data services are responsible for XHR calls, local storage</a:t>
-            </a:r>
-          </a:p>
-          <a:p>
-            <a:r>
-              <a:rPr lang="en-US" dirty="0"/>
-              <a:t>The controllers responsibility is to collect information for the view, It should not care on how it gets its data.</a:t>
-            </a:r>
-          </a:p>
-          <a:p>
-            <a:r>
-              <a:rPr lang="en-US" dirty="0"/>
-              <a:t>Data services are easier to mock</a:t>
-            </a:r>
-          </a:p>
-          <a:p>
-            <a:r>
-              <a:rPr lang="en-US" dirty="0"/>
-              <a:t>The handling of headers and $http related code is moved to data services</a:t>
-            </a:r>
-          </a:p>
-          <a:p>
-            <a:endParaRPr lang="en-US" dirty="0"/>
-          </a:p>
-          <a:p>
-            <a:endParaRPr lang="en-US" dirty="0"/>
-          </a:p>
-        </p:txBody>
-      </p:sp>
-    </p:spTree>
-    <p:extLst>
-      <p:ext uri="{BB962C8B-B14F-4D97-AF65-F5344CB8AC3E}">
-        <p14:creationId xmlns:p14="http://schemas.microsoft.com/office/powerpoint/2010/main" val="2981485233"/>
-      </p:ext>
-    </p:extLst>
-  </p:cSld>
-  <p:clrMapOvr>
-    <a:masterClrMapping/>
-  </p:clrMapOvr>
-</p:sld>
-</file>
-
-<file path=ppt/slides/slide22.xml><?xml version="1.0" encoding="utf-8"?>
-<p:sld xmlns:a="http://schemas.openxmlformats.org/drawingml/2006/main" xmlns:r="http://schemas.openxmlformats.org/officeDocument/2006/relationships" xmlns:p="http://schemas.openxmlformats.org/presentationml/2006/main">
-  <p:cSld>
-    <p:spTree>
-      <p:nvGrpSpPr>
-        <p:cNvPr id="1" name=""/>
-        <p:cNvGrpSpPr/>
-        <p:nvPr/>
-      </p:nvGrpSpPr>
-      <p:grpSpPr>
-        <a:xfrm>
-          <a:off x="0" y="0"/>
-          <a:ext cx="0" cy="0"/>
-          <a:chOff x="0" y="0"/>
-          <a:chExt cx="0" cy="0"/>
-        </a:xfrm>
-      </p:grpSpPr>
-      <p:sp>
-        <p:nvSpPr>
-          <p:cNvPr id="2" name="Title 1"/>
-          <p:cNvSpPr>
-            <a:spLocks noGrp="1"/>
-          </p:cNvSpPr>
-          <p:nvPr>
-            <p:ph type="title"/>
-          </p:nvPr>
-        </p:nvSpPr>
-        <p:spPr/>
-        <p:txBody>
-          <a:bodyPr/>
-          <a:lstStyle/>
-          <a:p>
-            <a:r>
-              <a:rPr lang="en-US" dirty="0"/>
-              <a:t>Starting Challenge</a:t>
-            </a:r>
-          </a:p>
-        </p:txBody>
-      </p:sp>
-      <p:sp>
-        <p:nvSpPr>
-          <p:cNvPr id="3" name="Content Placeholder 2"/>
-          <p:cNvSpPr>
-            <a:spLocks noGrp="1"/>
-          </p:cNvSpPr>
-          <p:nvPr>
-            <p:ph idx="1"/>
-          </p:nvPr>
-        </p:nvSpPr>
-        <p:spPr/>
-        <p:txBody>
-          <a:bodyPr/>
-          <a:lstStyle/>
-          <a:p>
-            <a:r>
-              <a:rPr lang="en-US" dirty="0"/>
-              <a:t>Google grease may be misleading, barking up wrong tree.  Lots of past things unrelated to Angular 2, mixed with new Angular 2.</a:t>
-            </a:r>
-          </a:p>
-          <a:p>
-            <a:r>
-              <a:rPr lang="en-US" dirty="0"/>
-              <a:t>Can start with NPM and Node most straightforward.</a:t>
-            </a:r>
-          </a:p>
-          <a:p>
-            <a:pPr lvl="1"/>
-            <a:r>
-              <a:rPr lang="en-US" dirty="0"/>
-              <a:t>Senior and new developers seem to love the terminal…</a:t>
-            </a:r>
-          </a:p>
-          <a:p>
-            <a:pPr lvl="2"/>
-            <a:r>
-              <a:rPr lang="en-US" dirty="0"/>
-              <a:t>Throw back for experienced, and “cutting edge” for new developers</a:t>
-            </a:r>
-          </a:p>
-          <a:p>
-            <a:pPr lvl="1"/>
-            <a:endParaRPr lang="en-US" dirty="0"/>
-          </a:p>
-          <a:p>
-            <a:pPr marL="0" indent="0">
-              <a:buNone/>
-            </a:pPr>
-            <a:endParaRPr lang="en-US" dirty="0"/>
-          </a:p>
-          <a:p>
-            <a:endParaRPr lang="en-US" dirty="0"/>
-          </a:p>
-          <a:p>
-            <a:endParaRPr lang="en-US" dirty="0"/>
-          </a:p>
-        </p:txBody>
-      </p:sp>
-    </p:spTree>
-    <p:extLst>
-      <p:ext uri="{BB962C8B-B14F-4D97-AF65-F5344CB8AC3E}">
-        <p14:creationId xmlns:p14="http://schemas.microsoft.com/office/powerpoint/2010/main" val="2058621558"/>
-      </p:ext>
-    </p:extLst>
-  </p:cSld>
-  <p:clrMapOvr>
-    <a:masterClrMapping/>
-  </p:clrMapOvr>
-</p:sld>
-</file>
-
-<file path=ppt/slides/slide23.xml><?xml version="1.0" encoding="utf-8"?>
-<p:sld xmlns:a="http://schemas.openxmlformats.org/drawingml/2006/main" xmlns:r="http://schemas.openxmlformats.org/officeDocument/2006/relationships" xmlns:p="http://schemas.openxmlformats.org/presentationml/2006/main">
-  <p:cSld>
-    <p:spTree>
-      <p:nvGrpSpPr>
-        <p:cNvPr id="1" name=""/>
-        <p:cNvGrpSpPr/>
-        <p:nvPr/>
-      </p:nvGrpSpPr>
-      <p:grpSpPr>
-        <a:xfrm>
-          <a:off x="0" y="0"/>
-          <a:ext cx="0" cy="0"/>
-          <a:chOff x="0" y="0"/>
-          <a:chExt cx="0" cy="0"/>
-        </a:xfrm>
-      </p:grpSpPr>
-      <p:sp>
-        <p:nvSpPr>
-          <p:cNvPr id="2" name="Title 1"/>
-          <p:cNvSpPr>
-            <a:spLocks noGrp="1"/>
-          </p:cNvSpPr>
-          <p:nvPr>
-            <p:ph type="title"/>
-          </p:nvPr>
-        </p:nvSpPr>
-        <p:spPr/>
-        <p:txBody>
-          <a:bodyPr/>
-          <a:lstStyle/>
-          <a:p>
-            <a:r>
-              <a:rPr lang="en-US" dirty="0"/>
-              <a:t>Sales points</a:t>
-            </a:r>
-          </a:p>
-        </p:txBody>
-      </p:sp>
-      <p:sp>
-        <p:nvSpPr>
-          <p:cNvPr id="3" name="Content Placeholder 2"/>
-          <p:cNvSpPr>
-            <a:spLocks noGrp="1"/>
-          </p:cNvSpPr>
-          <p:nvPr>
-            <p:ph idx="1"/>
-          </p:nvPr>
-        </p:nvSpPr>
-        <p:spPr/>
-        <p:txBody>
-          <a:bodyPr/>
-          <a:lstStyle/>
-          <a:p>
-            <a:r>
-              <a:rPr lang="en-US" dirty="0"/>
-              <a:t>Performance</a:t>
-            </a:r>
-          </a:p>
-          <a:p>
-            <a:r>
-              <a:rPr lang="en-US" dirty="0"/>
-              <a:t>Security</a:t>
-            </a:r>
-          </a:p>
-          <a:p>
-            <a:r>
-              <a:rPr lang="en-US" dirty="0" err="1"/>
-              <a:t>Opensource</a:t>
-            </a:r>
-            <a:endParaRPr lang="en-US" dirty="0"/>
-          </a:p>
-          <a:p>
-            <a:r>
-              <a:rPr lang="en-US" dirty="0"/>
-              <a:t>Embraced by tech companies </a:t>
-            </a:r>
-          </a:p>
-          <a:p>
-            <a:r>
-              <a:rPr lang="en-US" dirty="0"/>
-              <a:t>ECMA 6 and </a:t>
-            </a:r>
-            <a:r>
-              <a:rPr lang="en-US" dirty="0" err="1"/>
-              <a:t>transpilation</a:t>
-            </a:r>
-            <a:r>
-              <a:rPr lang="en-US" dirty="0"/>
-              <a:t> allows to </a:t>
-            </a:r>
-            <a:r>
-              <a:rPr lang="en-US" dirty="0" err="1"/>
-              <a:t>transpile</a:t>
-            </a:r>
-            <a:r>
-              <a:rPr lang="en-US" dirty="0"/>
-              <a:t> to ECMA 5 and 4 (I think)</a:t>
-            </a:r>
-          </a:p>
-          <a:p>
-            <a:endParaRPr lang="en-US" dirty="0"/>
-          </a:p>
-        </p:txBody>
-      </p:sp>
-    </p:spTree>
-    <p:extLst>
-      <p:ext uri="{BB962C8B-B14F-4D97-AF65-F5344CB8AC3E}">
-        <p14:creationId xmlns:p14="http://schemas.microsoft.com/office/powerpoint/2010/main" val="1671649988"/>
-      </p:ext>
-    </p:extLst>
-  </p:cSld>
-  <p:clrMapOvr>
-    <a:masterClrMapping/>
-  </p:clrMapOvr>
-</p:sld>
-</file>
-
-<file path=ppt/slides/slide24.xml><?xml version="1.0" encoding="utf-8"?>
-<p:sld xmlns:a="http://schemas.openxmlformats.org/drawingml/2006/main" xmlns:r="http://schemas.openxmlformats.org/officeDocument/2006/relationships" xmlns:p="http://schemas.openxmlformats.org/presentationml/2006/main">
-  <p:cSld>
-    <p:spTree>
-      <p:nvGrpSpPr>
-        <p:cNvPr id="1" name=""/>
-        <p:cNvGrpSpPr/>
-        <p:nvPr/>
-      </p:nvGrpSpPr>
-      <p:grpSpPr>
-        <a:xfrm>
-          <a:off x="0" y="0"/>
-          <a:ext cx="0" cy="0"/>
-          <a:chOff x="0" y="0"/>
-          <a:chExt cx="0" cy="0"/>
-        </a:xfrm>
-      </p:grpSpPr>
-      <p:sp>
-        <p:nvSpPr>
-          <p:cNvPr id="2" name="Title 1"/>
-          <p:cNvSpPr>
-            <a:spLocks noGrp="1"/>
-          </p:cNvSpPr>
-          <p:nvPr>
-            <p:ph type="title"/>
-          </p:nvPr>
-        </p:nvSpPr>
-        <p:spPr/>
-        <p:txBody>
-          <a:bodyPr/>
-          <a:lstStyle/>
-          <a:p>
-            <a:r>
-              <a:rPr lang="en-US" dirty="0"/>
-              <a:t>At HUD </a:t>
-            </a:r>
-            <a:r>
-              <a:rPr lang="en-US" sz="1200" dirty="0"/>
-              <a:t>(example)</a:t>
-            </a:r>
-          </a:p>
-        </p:txBody>
-      </p:sp>
-      <p:sp>
-        <p:nvSpPr>
-          <p:cNvPr id="3" name="Content Placeholder 2"/>
-          <p:cNvSpPr>
-            <a:spLocks noGrp="1"/>
-          </p:cNvSpPr>
-          <p:nvPr>
-            <p:ph idx="1"/>
-          </p:nvPr>
-        </p:nvSpPr>
-        <p:spPr/>
-        <p:txBody>
-          <a:bodyPr/>
-          <a:lstStyle/>
-          <a:p>
-            <a:r>
-              <a:rPr lang="en-US" dirty="0"/>
-              <a:t>At HUD we are using on Greenfield with new team developers.</a:t>
-            </a:r>
-          </a:p>
-          <a:p>
-            <a:r>
-              <a:rPr lang="en-US" dirty="0"/>
-              <a:t>Very enthusiastic response from developers.</a:t>
-            </a:r>
-          </a:p>
-          <a:p>
-            <a:endParaRPr lang="en-US" dirty="0"/>
-          </a:p>
-        </p:txBody>
-      </p:sp>
-    </p:spTree>
-    <p:extLst>
-      <p:ext uri="{BB962C8B-B14F-4D97-AF65-F5344CB8AC3E}">
-        <p14:creationId xmlns:p14="http://schemas.microsoft.com/office/powerpoint/2010/main" val="2067008177"/>
-      </p:ext>
-    </p:extLst>
-  </p:cSld>
-  <p:clrMapOvr>
-    <a:masterClrMapping/>
-  </p:clrMapOvr>
-</p:sld>
-</file>
-
-<file path=ppt/slides/slide25.xml><?xml version="1.0" encoding="utf-8"?>
-<p:sld xmlns:a="http://schemas.openxmlformats.org/drawingml/2006/main" xmlns:r="http://schemas.openxmlformats.org/officeDocument/2006/relationships" xmlns:p="http://schemas.openxmlformats.org/presentationml/2006/main">
-  <p:cSld>
-    <p:spTree>
-      <p:nvGrpSpPr>
-        <p:cNvPr id="1" name=""/>
-        <p:cNvGrpSpPr/>
-        <p:nvPr/>
-      </p:nvGrpSpPr>
-      <p:grpSpPr>
-        <a:xfrm>
-          <a:off x="0" y="0"/>
-          <a:ext cx="0" cy="0"/>
-          <a:chOff x="0" y="0"/>
-          <a:chExt cx="0" cy="0"/>
-        </a:xfrm>
-      </p:grpSpPr>
-      <p:sp>
-        <p:nvSpPr>
-          <p:cNvPr id="2" name="Title 1"/>
-          <p:cNvSpPr>
-            <a:spLocks noGrp="1"/>
-          </p:cNvSpPr>
-          <p:nvPr>
-            <p:ph type="title"/>
-          </p:nvPr>
-        </p:nvSpPr>
-        <p:spPr/>
-        <p:txBody>
-          <a:bodyPr/>
-          <a:lstStyle/>
-          <a:p>
-            <a:r>
-              <a:rPr lang="en-US" dirty="0"/>
-              <a:t>Possible Business Opportunities</a:t>
-            </a:r>
-          </a:p>
-        </p:txBody>
-      </p:sp>
-      <p:sp>
-        <p:nvSpPr>
-          <p:cNvPr id="3" name="Content Placeholder 2"/>
-          <p:cNvSpPr>
-            <a:spLocks noGrp="1"/>
-          </p:cNvSpPr>
-          <p:nvPr>
-            <p:ph idx="1"/>
-          </p:nvPr>
-        </p:nvSpPr>
-        <p:spPr/>
-        <p:txBody>
-          <a:bodyPr/>
-          <a:lstStyle/>
-          <a:p>
-            <a:r>
-              <a:rPr lang="en-US" dirty="0"/>
-              <a:t>Silverlight apps becoming out of service (deprecated technology).</a:t>
-            </a:r>
-          </a:p>
-          <a:p>
-            <a:r>
-              <a:rPr lang="en-US" dirty="0"/>
-              <a:t>Greenfield project</a:t>
-            </a:r>
-          </a:p>
-          <a:p>
-            <a:r>
-              <a:rPr lang="en-US" dirty="0"/>
-              <a:t>Project with new developers</a:t>
-            </a:r>
-          </a:p>
-          <a:p>
-            <a:r>
-              <a:rPr lang="en-US" dirty="0"/>
-              <a:t>Move more to browser, from server. </a:t>
-            </a:r>
-          </a:p>
-          <a:p>
-            <a:endParaRPr lang="en-US" dirty="0"/>
-          </a:p>
-          <a:p>
-            <a:endParaRPr lang="en-US" dirty="0"/>
-          </a:p>
-          <a:p>
-            <a:endParaRPr lang="en-US" dirty="0"/>
-          </a:p>
-          <a:p>
-            <a:endParaRPr lang="en-US" dirty="0"/>
-          </a:p>
-        </p:txBody>
-      </p:sp>
-    </p:spTree>
-    <p:extLst>
-      <p:ext uri="{BB962C8B-B14F-4D97-AF65-F5344CB8AC3E}">
-        <p14:creationId xmlns:p14="http://schemas.microsoft.com/office/powerpoint/2010/main" val="1881581854"/>
-      </p:ext>
-    </p:extLst>
-  </p:cSld>
-  <p:clrMapOvr>
-    <a:masterClrMapping/>
-  </p:clrMapOvr>
-</p:sld>
-</file>
-
-<file path=ppt/slides/slide26.xml><?xml version="1.0" encoding="utf-8"?>
-<p:sld xmlns:a="http://schemas.openxmlformats.org/drawingml/2006/main" xmlns:r="http://schemas.openxmlformats.org/officeDocument/2006/relationships" xmlns:p="http://schemas.openxmlformats.org/presentationml/2006/main">
-  <p:cSld>
-    <p:spTree>
-      <p:nvGrpSpPr>
-        <p:cNvPr id="1" name=""/>
-        <p:cNvGrpSpPr/>
-        <p:nvPr/>
-      </p:nvGrpSpPr>
-      <p:grpSpPr>
-        <a:xfrm>
-          <a:off x="0" y="0"/>
-          <a:ext cx="0" cy="0"/>
-          <a:chOff x="0" y="0"/>
-          <a:chExt cx="0" cy="0"/>
-        </a:xfrm>
-      </p:grpSpPr>
-      <p:sp>
-        <p:nvSpPr>
-          <p:cNvPr id="2" name="Title 1"/>
-          <p:cNvSpPr>
-            <a:spLocks noGrp="1"/>
-          </p:cNvSpPr>
-          <p:nvPr>
-            <p:ph type="title"/>
-          </p:nvPr>
-        </p:nvSpPr>
-        <p:spPr/>
-        <p:txBody>
-          <a:bodyPr/>
-          <a:lstStyle/>
-          <a:p>
-            <a:r>
-              <a:rPr lang="en-US" dirty="0"/>
-              <a:t>References</a:t>
-            </a:r>
-          </a:p>
-        </p:txBody>
-      </p:sp>
-      <p:sp>
-        <p:nvSpPr>
-          <p:cNvPr id="3" name="Content Placeholder 2"/>
-          <p:cNvSpPr>
-            <a:spLocks noGrp="1"/>
-          </p:cNvSpPr>
-          <p:nvPr>
-            <p:ph idx="1"/>
-          </p:nvPr>
-        </p:nvSpPr>
-        <p:spPr/>
-        <p:txBody>
-          <a:bodyPr>
-            <a:normAutofit/>
-          </a:bodyPr>
-          <a:lstStyle/>
-          <a:p>
-            <a:r>
-              <a:rPr lang="en-US" dirty="0"/>
-              <a:t>DevChat.tv – Adventures in Angular </a:t>
-            </a:r>
-          </a:p>
-          <a:p>
-            <a:r>
-              <a:rPr lang="en-US" dirty="0"/>
-              <a:t>YouTube</a:t>
-            </a:r>
-          </a:p>
-          <a:p>
-            <a:r>
-              <a:rPr lang="en-US" dirty="0">
-                <a:hlinkClick r:id="rId2"/>
-              </a:rPr>
-              <a:t>https://www.typescriptlang.org/</a:t>
-            </a:r>
-            <a:endParaRPr lang="en-US" dirty="0"/>
-          </a:p>
-          <a:p>
-            <a:r>
-              <a:rPr lang="en-US" dirty="0">
-                <a:hlinkClick r:id="rId3"/>
-              </a:rPr>
-              <a:t>https://angular.io/docs</a:t>
-            </a:r>
-            <a:endParaRPr lang="en-US" dirty="0"/>
-          </a:p>
-          <a:p>
-            <a:r>
-              <a:rPr lang="en-US" dirty="0"/>
-              <a:t>Manning Book: Angular 2 </a:t>
-            </a:r>
-            <a:r>
-              <a:rPr lang="en-US" u="sng" dirty="0"/>
-              <a:t>Development with Typescript</a:t>
-            </a:r>
-            <a:r>
-              <a:rPr lang="en-US" dirty="0"/>
-              <a:t>; </a:t>
-            </a:r>
-            <a:r>
-              <a:rPr lang="en-US" dirty="0" err="1"/>
-              <a:t>Yakov</a:t>
-            </a:r>
-            <a:r>
-              <a:rPr lang="en-US" dirty="0"/>
-              <a:t> Fain and Anton </a:t>
-            </a:r>
-            <a:r>
-              <a:rPr lang="en-US" dirty="0" err="1"/>
-              <a:t>Moiseev</a:t>
-            </a:r>
-            <a:r>
-              <a:rPr lang="en-US" dirty="0"/>
-              <a:t>.</a:t>
-            </a:r>
-          </a:p>
-          <a:p>
-            <a:r>
-              <a:rPr lang="en-US" dirty="0"/>
-              <a:t>Tod Motto Angular style guide </a:t>
-            </a:r>
-            <a:r>
-              <a:rPr lang="en-US" dirty="0">
-                <a:hlinkClick r:id="rId4"/>
-              </a:rPr>
-              <a:t>https://github.com/toddmotto/angular-styleguide</a:t>
-            </a:r>
-            <a:endParaRPr lang="en-US" dirty="0"/>
-          </a:p>
-          <a:p>
-            <a:endParaRPr lang="en-US" dirty="0"/>
-          </a:p>
-        </p:txBody>
-      </p:sp>
-    </p:spTree>
-    <p:extLst>
-      <p:ext uri="{BB962C8B-B14F-4D97-AF65-F5344CB8AC3E}">
-        <p14:creationId xmlns:p14="http://schemas.microsoft.com/office/powerpoint/2010/main" val="4173360686"/>
+        <p14:creationId xmlns:p14="http://schemas.microsoft.com/office/powerpoint/2010/main" val="2623397709"/>
       </p:ext>
     </p:extLst>
   </p:cSld>
@@ -10172,7 +7254,7 @@
           <a:p>
             <a:r>
               <a:rPr lang="en-US" dirty="0"/>
-              <a:t>New Concepts</a:t>
+              <a:t>IDEs</a:t>
             </a:r>
           </a:p>
         </p:txBody>
@@ -10187,92 +7269,147 @@
             <p:ph idx="1"/>
           </p:nvPr>
         </p:nvSpPr>
-        <p:spPr/>
-        <p:txBody>
-          <a:bodyPr/>
-          <a:lstStyle/>
-          <a:p>
-            <a:r>
-              <a:rPr lang="en-US" dirty="0"/>
-              <a:t>Components </a:t>
+        <p:spPr>
+          <a:xfrm>
+            <a:off x="677334" y="2160588"/>
+            <a:ext cx="8596668" cy="4249089"/>
+          </a:xfrm>
+        </p:spPr>
+        <p:txBody>
+          <a:bodyPr>
+            <a:normAutofit fontScale="92500" lnSpcReduction="20000"/>
+          </a:bodyPr>
+          <a:lstStyle/>
+          <a:p>
+            <a:r>
+              <a:rPr lang="en-US" dirty="0"/>
+              <a:t>Atoms with plugins works well.</a:t>
             </a:r>
           </a:p>
           <a:p>
             <a:pPr lvl="1"/>
             <a:r>
-              <a:rPr lang="en-US" dirty="0"/>
-              <a:t>Templates</a:t>
-            </a:r>
-          </a:p>
-          <a:p>
-            <a:r>
-              <a:rPr lang="en-US" dirty="0"/>
-              <a:t>More coupling of UI (HTML) with JS (Typescript </a:t>
+              <a:rPr lang="en-US" dirty="0">
+                <a:hlinkClick r:id="rId2"/>
+              </a:rPr>
+              <a:t>https://denisvuyka.github.io/2016/05/29/angular2-atom-quickstart.html</a:t>
+            </a:r>
+            <a:endParaRPr lang="en-US" dirty="0"/>
+          </a:p>
+          <a:p>
+            <a:r>
+              <a:rPr lang="en-US" dirty="0"/>
+              <a:t>Visual Studio, if doing MS and </a:t>
             </a:r>
             <a:r>
               <a:rPr lang="en-US" dirty="0" err="1"/>
-              <a:t>transpiler</a:t>
-            </a:r>
-            <a:r>
-              <a:rPr lang="en-US" dirty="0"/>
-              <a:t> created </a:t>
+              <a:t>.Net</a:t>
+            </a:r>
+            <a:r>
+              <a:rPr lang="en-US" dirty="0"/>
+              <a:t> is terrific.  </a:t>
             </a:r>
             <a:r>
               <a:rPr lang="en-US" dirty="0" err="1"/>
-              <a:t>js</a:t>
-            </a:r>
-            <a:r>
-              <a:rPr lang="en-US" dirty="0"/>
-              <a:t>) for </a:t>
+              <a:t>Kinda</a:t>
+            </a:r>
+            <a:r>
+              <a:rPr lang="en-US" dirty="0"/>
+              <a:t> pricey, used to be.</a:t>
+            </a:r>
+          </a:p>
+          <a:p>
+            <a:r>
+              <a:rPr lang="en-US" dirty="0"/>
+              <a:t>Eclipse, </a:t>
             </a:r>
             <a:r>
               <a:rPr lang="en-US" dirty="0" err="1"/>
-              <a:t>performace</a:t>
-            </a:r>
-            <a:endParaRPr lang="en-US" dirty="0"/>
-          </a:p>
-          <a:p>
-            <a:r>
-              <a:rPr lang="en-US" dirty="0"/>
-              <a:t>Typescript – </a:t>
+              <a:t>Netbeans</a:t>
+            </a:r>
+            <a:r>
+              <a:rPr lang="en-US" dirty="0"/>
+              <a:t> will do job if want everything in one place.  Also having everything in one place – really start to bonk heads. Eclipse </a:t>
             </a:r>
             <a:r>
               <a:rPr lang="en-US" dirty="0" err="1"/>
-              <a:t>transpiling</a:t>
-            </a:r>
-            <a:endParaRPr lang="en-US" dirty="0"/>
-          </a:p>
-          <a:p>
-            <a:r>
-              <a:rPr lang="en-US" dirty="0"/>
-              <a:t>One way binding</a:t>
-            </a:r>
-          </a:p>
-          <a:p>
-            <a:r>
-              <a:rPr lang="en-US" dirty="0"/>
-              <a:t>MS is now your friend</a:t>
-            </a:r>
-          </a:p>
-          <a:p>
-            <a:r>
-              <a:rPr lang="en-US" dirty="0"/>
-              <a:t>Material Design (the </a:t>
+              <a:t>Che</a:t>
+            </a:r>
+            <a:r>
+              <a:rPr lang="en-US" dirty="0"/>
+              <a:t> little different for the better.</a:t>
+            </a:r>
+          </a:p>
+          <a:p>
+            <a:r>
+              <a:rPr lang="en-US" dirty="0"/>
+              <a:t>Client side work like DB in that, fit for purpose, </a:t>
             </a:r>
             <a:r>
               <a:rPr lang="en-US" dirty="0" err="1"/>
-              <a:t>Angulars</a:t>
-            </a:r>
-            <a:r>
-              <a:rPr lang="en-US" dirty="0"/>
-              <a:t> team Bootstrap alternative!!!)</a:t>
-            </a:r>
-          </a:p>
-          <a:p>
-            <a:r>
-              <a:rPr lang="en-US" dirty="0"/>
-              <a:t>Scaffolding with CLI (new for Angular) lets see CLI! </a:t>
-            </a:r>
+              <a:t>SQLDeveloper</a:t>
+            </a:r>
+            <a:r>
+              <a:rPr lang="en-US" dirty="0"/>
+              <a:t> for </a:t>
+            </a:r>
+            <a:r>
+              <a:rPr lang="en-US" dirty="0" err="1"/>
+              <a:t>Oralce</a:t>
+            </a:r>
+            <a:r>
+              <a:rPr lang="en-US" dirty="0"/>
+              <a:t> DB work</a:t>
+            </a:r>
+          </a:p>
+          <a:p>
+            <a:r>
+              <a:rPr lang="en-US" dirty="0" err="1"/>
+              <a:t>WebStorm</a:t>
+            </a:r>
+            <a:r>
+              <a:rPr lang="en-US" dirty="0"/>
+              <a:t> ( personal favorite, really geared towards job) </a:t>
+            </a:r>
+          </a:p>
+          <a:p>
+            <a:pPr lvl="1"/>
+            <a:r>
+              <a:rPr lang="en-US" dirty="0"/>
+              <a:t>Probably best one to use for starting out (so 30 day trial worth it)</a:t>
+            </a:r>
+          </a:p>
+          <a:p>
+            <a:pPr lvl="1"/>
+            <a:r>
+              <a:rPr lang="en-US" dirty="0"/>
+              <a:t>“the </a:t>
+            </a:r>
+            <a:r>
+              <a:rPr lang="en-US" dirty="0" err="1"/>
+              <a:t>intelliJ</a:t>
+            </a:r>
+            <a:r>
+              <a:rPr lang="en-US" dirty="0"/>
+              <a:t> People” </a:t>
+            </a:r>
+          </a:p>
+          <a:p>
+            <a:pPr lvl="1"/>
+            <a:r>
+              <a:rPr lang="en-US" dirty="0"/>
+              <a:t>And honestly their business is looking a free IDEs and making them better so to merit paying for. </a:t>
+            </a:r>
+          </a:p>
+          <a:p>
+            <a:pPr lvl="1"/>
+            <a:r>
+              <a:rPr lang="en-US" dirty="0"/>
+              <a:t>Node baked in</a:t>
+            </a:r>
+          </a:p>
+          <a:p>
+            <a:pPr lvl="1"/>
             <a:r>
               <a:rPr lang="en-US" i="1" dirty="0">
                 <a:solidFill>
@@ -10297,6 +7434,21 @@
               </a:rPr>
               <a:t>)</a:t>
             </a:r>
+          </a:p>
+          <a:p>
+            <a:pPr lvl="1"/>
+            <a:endParaRPr lang="en-US" dirty="0"/>
+          </a:p>
+          <a:p>
+            <a:pPr lvl="1"/>
+            <a:endParaRPr lang="en-US" dirty="0"/>
+          </a:p>
+          <a:p>
+            <a:pPr lvl="1"/>
+            <a:endParaRPr lang="en-US" dirty="0"/>
+          </a:p>
+          <a:p>
+            <a:endParaRPr lang="en-US" dirty="0"/>
           </a:p>
           <a:p>
             <a:endParaRPr lang="en-US" dirty="0"/>
@@ -10306,7 +7458,7 @@
     </p:spTree>
     <p:extLst>
       <p:ext uri="{BB962C8B-B14F-4D97-AF65-F5344CB8AC3E}">
-        <p14:creationId xmlns:p14="http://schemas.microsoft.com/office/powerpoint/2010/main" val="1684461874"/>
+        <p14:creationId xmlns:p14="http://schemas.microsoft.com/office/powerpoint/2010/main" val="2383723106"/>
       </p:ext>
     </p:extLst>
   </p:cSld>
@@ -10350,17 +7502,8 @@
           <a:p>
             <a:r>
               <a:rPr lang="en-US" dirty="0"/>
-              <a:t>Typescript</a:t>
-            </a:r>
-            <a:r>
-              <a:rPr lang="en-US" sz="1200" dirty="0"/>
-              <a:t> (selling points) ref Fain and </a:t>
-            </a:r>
-            <a:r>
-              <a:rPr lang="en-US" sz="1200" dirty="0" err="1"/>
-              <a:t>Moiseev</a:t>
-            </a:r>
-            <a:endParaRPr lang="en-US" sz="1200" dirty="0"/>
+              <a:t>Same Concepts</a:t>
+            </a:r>
           </a:p>
         </p:txBody>
       </p:sp>
@@ -10376,115 +7519,53 @@
         </p:nvSpPr>
         <p:spPr/>
         <p:txBody>
-          <a:bodyPr>
-            <a:normAutofit fontScale="62500" lnSpcReduction="20000"/>
-          </a:bodyPr>
-          <a:lstStyle/>
-          <a:p>
-            <a:endParaRPr lang="en-US" dirty="0"/>
-          </a:p>
-          <a:p>
-            <a:r>
-              <a:rPr lang="en-US" dirty="0" err="1"/>
-              <a:t>TypeScript</a:t>
-            </a:r>
-            <a:r>
-              <a:rPr lang="en-US" dirty="0"/>
-              <a:t> supports types. This allows the </a:t>
-            </a:r>
-            <a:r>
-              <a:rPr lang="en-US" dirty="0" err="1"/>
-              <a:t>TypeScript</a:t>
-            </a:r>
-            <a:r>
-              <a:rPr lang="en-US" dirty="0"/>
-              <a:t> compiler to help developers by finding and fixing lots of errors during development before even running the app. </a:t>
-            </a:r>
-          </a:p>
-          <a:p>
-            <a:r>
-              <a:rPr lang="en-US" dirty="0"/>
-              <a:t>Great IDE support is one of </a:t>
-            </a:r>
-            <a:r>
-              <a:rPr lang="en-US" dirty="0" err="1"/>
-              <a:t>TypeScript’s</a:t>
-            </a:r>
-            <a:r>
-              <a:rPr lang="en-US" dirty="0"/>
-              <a:t> main advantages. If you make a mistake in a function or a variable name, it’s displayed in red. If you pass the wrong number of parameters (or wrong types) to a function, the wrong ones show in red. IDEs also offer great context-sensitive help. </a:t>
-            </a:r>
-            <a:r>
-              <a:rPr lang="en-US" dirty="0" err="1"/>
-              <a:t>TypeScript</a:t>
-            </a:r>
-            <a:r>
-              <a:rPr lang="en-US" dirty="0"/>
-              <a:t> code can be refactored by IDEs, whereas JavaScript has to be refactored manually. If you need to explore a new library, just install its type definitions file, and the IDE will prompt you with available APIs, so you don’t need to read its documentation elsewhere. </a:t>
-            </a:r>
-          </a:p>
-          <a:p>
-            <a:r>
-              <a:rPr lang="en-US" dirty="0"/>
-              <a:t>Angular is bundled with type definitions files, so IDEs perform type checking while using the Angular API and they offer context-sensitive help right out of the box. </a:t>
-            </a:r>
-          </a:p>
-          <a:p>
-            <a:r>
-              <a:rPr lang="en-US" dirty="0" err="1"/>
-              <a:t>TypeScript</a:t>
-            </a:r>
-            <a:r>
-              <a:rPr lang="en-US" dirty="0"/>
-              <a:t> follows the ECMAScript 6 standard and adds to it types, interfaces, decorators, class member variables (fields), generics, and the keywords public and private. Future releases of </a:t>
-            </a:r>
-            <a:r>
-              <a:rPr lang="en-US" dirty="0" err="1"/>
-              <a:t>TypeScript</a:t>
-            </a:r>
-            <a:r>
-              <a:rPr lang="en-US" dirty="0"/>
-              <a:t> will support the missing ES6 features and implement the features of ES7 (see the </a:t>
-            </a:r>
-            <a:r>
-              <a:rPr lang="en-US" dirty="0" err="1"/>
-              <a:t>TypeScript</a:t>
-            </a:r>
-            <a:r>
-              <a:rPr lang="en-US" dirty="0"/>
-              <a:t> “Roadmap” on GitHub at http://mng.bz/Ri29). </a:t>
-            </a:r>
-          </a:p>
-          <a:p>
-            <a:r>
-              <a:rPr lang="en-US" dirty="0" err="1"/>
-              <a:t>TypeScript</a:t>
-            </a:r>
-            <a:r>
-              <a:rPr lang="en-US" dirty="0"/>
-              <a:t> interfaces allow you to declare custom types that will be used in your application. Interfaces help in preventing compile-time errors caused by using objects of the wrong types in your application. The generated JavaScript code is easy to read, and it looks like hand-written code. </a:t>
-            </a:r>
-          </a:p>
-          <a:p>
-            <a:r>
-              <a:rPr lang="en-US" dirty="0"/>
-              <a:t>Most of the code samples in code samples in the Angular documentation are given in </a:t>
-            </a:r>
-            <a:r>
-              <a:rPr lang="en-US" dirty="0" err="1"/>
-              <a:t>TypeScript</a:t>
-            </a:r>
-            <a:r>
-              <a:rPr lang="en-US" dirty="0"/>
-              <a:t> (see https://angular.io/docs).</a:t>
-            </a:r>
+          <a:bodyPr/>
+          <a:lstStyle/>
+          <a:p>
+            <a:pPr marL="0" indent="0">
+              <a:buNone/>
+            </a:pPr>
+            <a:endParaRPr lang="en-US" dirty="0"/>
+          </a:p>
+          <a:p>
+            <a:r>
+              <a:rPr lang="en-US" dirty="0"/>
+              <a:t>Dependency Injection</a:t>
+            </a:r>
+          </a:p>
+          <a:p>
+            <a:r>
+              <a:rPr lang="en-US" dirty="0"/>
+              <a:t>Services</a:t>
+            </a:r>
+          </a:p>
+          <a:p>
+            <a:r>
+              <a:rPr lang="en-US" dirty="0"/>
+              <a:t>JavaScript still as live as ever, just being hardened a little a lot.</a:t>
+            </a:r>
+          </a:p>
+          <a:p>
+            <a:r>
+              <a:rPr lang="en-US" dirty="0"/>
+              <a:t>TDD out-of-box Unit Testing </a:t>
+            </a:r>
+          </a:p>
+          <a:p>
+            <a:r>
+              <a:rPr lang="en-US" dirty="0"/>
+              <a:t>Node</a:t>
+            </a:r>
+          </a:p>
+          <a:p>
+            <a:endParaRPr lang="en-US" dirty="0"/>
           </a:p>
         </p:txBody>
       </p:sp>
     </p:spTree>
     <p:extLst>
       <p:ext uri="{BB962C8B-B14F-4D97-AF65-F5344CB8AC3E}">
-        <p14:creationId xmlns:p14="http://schemas.microsoft.com/office/powerpoint/2010/main" val="2623397709"/>
+        <p14:creationId xmlns:p14="http://schemas.microsoft.com/office/powerpoint/2010/main" val="192988692"/>
       </p:ext>
     </p:extLst>
   </p:cSld>
@@ -10528,7 +7609,7 @@
           <a:p>
             <a:r>
               <a:rPr lang="en-US" dirty="0"/>
-              <a:t>IDEs</a:t>
+              <a:t>New Concepts</a:t>
             </a:r>
           </a:p>
         </p:txBody>
@@ -10545,36 +7626,121 @@
         </p:nvSpPr>
         <p:spPr/>
         <p:txBody>
-          <a:bodyPr/>
-          <a:lstStyle/>
-          <a:p>
+          <a:bodyPr>
+            <a:normAutofit lnSpcReduction="10000"/>
+          </a:bodyPr>
+          <a:lstStyle/>
+          <a:p>
+            <a:r>
+              <a:rPr lang="en-US" dirty="0"/>
+              <a:t>Components </a:t>
+            </a:r>
+          </a:p>
+          <a:p>
+            <a:pPr lvl="1"/>
+            <a:r>
+              <a:rPr lang="en-US" dirty="0"/>
+              <a:t>Templates</a:t>
+            </a:r>
+          </a:p>
+          <a:p>
+            <a:r>
+              <a:rPr lang="en-US" dirty="0"/>
+              <a:t>More coupling, not less, of UI (HTML) with JS (Typescript </a:t>
+            </a:r>
             <a:r>
               <a:rPr lang="en-US" dirty="0" err="1"/>
+              <a:t>transpiler</a:t>
+            </a:r>
+            <a:r>
+              <a:rPr lang="en-US" dirty="0"/>
+              <a:t> created </a:t>
+            </a:r>
+            <a:r>
+              <a:rPr lang="en-US" dirty="0" err="1"/>
+              <a:t>js</a:t>
+            </a:r>
+            <a:r>
+              <a:rPr lang="en-US" dirty="0"/>
+              <a:t>) for performance</a:t>
+            </a:r>
+          </a:p>
+          <a:p>
+            <a:r>
+              <a:rPr lang="en-US" dirty="0"/>
+              <a:t>Typescript – </a:t>
+            </a:r>
+            <a:r>
+              <a:rPr lang="en-US" dirty="0" err="1"/>
+              <a:t>transpiling</a:t>
+            </a:r>
+            <a:endParaRPr lang="en-US" dirty="0"/>
+          </a:p>
+          <a:p>
+            <a:pPr lvl="1"/>
+            <a:r>
+              <a:rPr lang="en-US" dirty="0"/>
+              <a:t>Angular Team choose typescript for guest of honor</a:t>
+            </a:r>
+          </a:p>
+          <a:p>
+            <a:r>
+              <a:rPr lang="en-US" dirty="0"/>
+              <a:t>One way binding, getting rid of Angular 1, two-way data binding</a:t>
+            </a:r>
+          </a:p>
+          <a:p>
+            <a:r>
+              <a:rPr lang="en-US" dirty="0" err="1"/>
+              <a:t>MicroSoft</a:t>
+            </a:r>
+            <a:r>
+              <a:rPr lang="en-US" dirty="0"/>
+              <a:t> is now your friend</a:t>
+            </a:r>
+          </a:p>
+          <a:p>
+            <a:r>
+              <a:rPr lang="en-US" dirty="0"/>
+              <a:t>Material Design (the </a:t>
+            </a:r>
+            <a:r>
+              <a:rPr lang="en-US" dirty="0" err="1"/>
+              <a:t>Angulars</a:t>
+            </a:r>
+            <a:r>
+              <a:rPr lang="en-US" dirty="0"/>
+              <a:t> team Bootstrap alternative!!!)</a:t>
+            </a:r>
+          </a:p>
+          <a:p>
+            <a:r>
+              <a:rPr lang="en-US" dirty="0"/>
+              <a:t>Scaffolding with CLI (new for Angular) lets see CLI! </a:t>
+            </a:r>
+            <a:r>
+              <a:rPr lang="en-US" i="1" dirty="0">
+                <a:solidFill>
+                  <a:srgbClr val="FFC000"/>
+                </a:solidFill>
+              </a:rPr>
+              <a:t>(interactive go to </a:t>
+            </a:r>
+            <a:r>
+              <a:rPr lang="en-US" i="1" dirty="0" err="1">
+                <a:solidFill>
+                  <a:srgbClr val="FFC000"/>
+                </a:solidFill>
+              </a:rPr>
               <a:t>WebStorm</a:t>
             </a:r>
             <a:r>
-              <a:rPr lang="en-US" dirty="0"/>
-              <a:t> ( personal favorite, really geared towards job) </a:t>
-            </a:r>
-          </a:p>
-          <a:p>
-            <a:pPr lvl="1"/>
-            <a:r>
-              <a:rPr lang="en-US" dirty="0"/>
-              <a:t>Probably best one to use for starting out (so 30 day trial worth it)</a:t>
-            </a:r>
-          </a:p>
-          <a:p>
-            <a:r>
-              <a:rPr lang="en-US" dirty="0"/>
-              <a:t>Atoms with plugins works well.</a:t>
-            </a:r>
-          </a:p>
-          <a:p>
-            <a:pPr lvl="1"/>
-            <a:r>
-              <a:rPr lang="en-US" dirty="0"/>
-              <a:t>https://denisvuyka.github.io/2016/05/29/angular2-atom-quickstart.html</a:t>
+              <a:rPr lang="en-US" i="1" dirty="0">
+                <a:solidFill>
+                  <a:srgbClr val="FFC000"/>
+                </a:solidFill>
+              </a:rPr>
+              <a:t>)</a:t>
             </a:r>
           </a:p>
           <a:p>
@@ -10585,7 +7751,7 @@
     </p:spTree>
     <p:extLst>
       <p:ext uri="{BB962C8B-B14F-4D97-AF65-F5344CB8AC3E}">
-        <p14:creationId xmlns:p14="http://schemas.microsoft.com/office/powerpoint/2010/main" val="2383723106"/>
+        <p14:creationId xmlns:p14="http://schemas.microsoft.com/office/powerpoint/2010/main" val="1684461874"/>
       </p:ext>
     </p:extLst>
   </p:cSld>
@@ -10686,6 +7852,88 @@
               <a:rPr lang="en-US" dirty="0"/>
               <a:t>Standard Mocha, Jasmine</a:t>
             </a:r>
+          </a:p>
+          <a:p>
+            <a:r>
+              <a:rPr lang="en-US" dirty="0"/>
+              <a:t>E2E – its (selenium underneath!) but written in JS</a:t>
+            </a:r>
+            <a:endParaRPr lang="en-US" i="1" dirty="0">
+              <a:solidFill>
+                <a:srgbClr val="FFC000"/>
+              </a:solidFill>
+            </a:endParaRPr>
+          </a:p>
+          <a:p>
+            <a:r>
+              <a:rPr lang="en-US" i="1" dirty="0">
+                <a:solidFill>
+                  <a:schemeClr val="tx1"/>
+                </a:solidFill>
+              </a:rPr>
+              <a:t>Note: start with ready made (auction/tour of </a:t>
+            </a:r>
+            <a:r>
+              <a:rPr lang="en-US" i="1" dirty="0" err="1">
+                <a:solidFill>
+                  <a:schemeClr val="tx1"/>
+                </a:solidFill>
+              </a:rPr>
+              <a:t>heros</a:t>
+            </a:r>
+            <a:r>
+              <a:rPr lang="en-US" i="1" dirty="0">
+                <a:solidFill>
+                  <a:schemeClr val="tx1"/>
+                </a:solidFill>
+              </a:rPr>
+              <a:t>) and work from back point to demo points and back to original point</a:t>
+            </a:r>
+          </a:p>
+          <a:p>
+            <a:r>
+              <a:rPr lang="en-US" i="1" dirty="0">
+                <a:solidFill>
+                  <a:srgbClr val="FFC000"/>
+                </a:solidFill>
+              </a:rPr>
+              <a:t>(interactive go to </a:t>
+            </a:r>
+            <a:r>
+              <a:rPr lang="en-US" i="1" dirty="0" err="1">
+                <a:solidFill>
+                  <a:srgbClr val="FFC000"/>
+                </a:solidFill>
+              </a:rPr>
+              <a:t>WebStorm</a:t>
+            </a:r>
+            <a:r>
+              <a:rPr lang="en-US" i="1" dirty="0">
+                <a:solidFill>
+                  <a:srgbClr val="FFC000"/>
+                </a:solidFill>
+              </a:rPr>
+              <a:t> – show </a:t>
+            </a:r>
+            <a:r>
+              <a:rPr lang="en-US" i="1" dirty="0" err="1">
+                <a:solidFill>
+                  <a:srgbClr val="FFC000"/>
+                </a:solidFill>
+              </a:rPr>
+              <a:t>ut</a:t>
+            </a:r>
+            <a:r>
+              <a:rPr lang="en-US" i="1" dirty="0">
+                <a:solidFill>
+                  <a:srgbClr val="FFC000"/>
+                </a:solidFill>
+              </a:rPr>
+              <a:t>, e2e)</a:t>
+            </a:r>
+          </a:p>
+          <a:p>
+            <a:endParaRPr lang="en-US" dirty="0"/>
           </a:p>
           <a:p>
             <a:endParaRPr lang="en-US" dirty="0"/>
@@ -10739,11 +7987,7 @@
           <a:p>
             <a:r>
               <a:rPr lang="en-US" dirty="0"/>
-              <a:t>Directory Structure </a:t>
-            </a:r>
-            <a:r>
-              <a:rPr lang="en-US" sz="1200" dirty="0"/>
-              <a:t>(still applicable spring demo slide)</a:t>
+              <a:t>Components</a:t>
             </a:r>
           </a:p>
         </p:txBody>
@@ -10764,62 +8008,75 @@
           <a:lstStyle/>
           <a:p>
             <a:r>
-              <a:rPr lang="en-US" dirty="0"/>
-              <a:t>How you organize your structure is up to you. There are many </a:t>
-            </a:r>
-            <a:r>
-              <a:rPr lang="en-US" b="1" dirty="0"/>
-              <a:t>right </a:t>
-            </a:r>
-            <a:r>
-              <a:rPr lang="en-US" b="1" dirty="0" err="1"/>
-              <a:t>ways</a:t>
-            </a:r>
-            <a:r>
-              <a:rPr lang="en-US" dirty="0" err="1"/>
-              <a:t>of</a:t>
-            </a:r>
-            <a:r>
-              <a:rPr lang="en-US" dirty="0"/>
-              <a:t> doing this, and consistency in your project is key.</a:t>
-            </a:r>
-          </a:p>
-          <a:p>
-            <a:r>
-              <a:rPr lang="en-US" dirty="0"/>
-              <a:t>The LIFT Guidelines</a:t>
-            </a:r>
-          </a:p>
-          <a:p>
-            <a:pPr lvl="1"/>
-            <a:r>
-              <a:rPr lang="en-US" dirty="0"/>
-              <a:t>Locating our code is easy</a:t>
-            </a:r>
-          </a:p>
-          <a:p>
-            <a:pPr lvl="1"/>
-            <a:r>
-              <a:rPr lang="en-US" dirty="0"/>
-              <a:t>Identify code at a glance</a:t>
-            </a:r>
-          </a:p>
-          <a:p>
-            <a:pPr lvl="1"/>
-            <a:r>
-              <a:rPr lang="en-US" dirty="0"/>
-              <a:t>Flat structure as long as we can</a:t>
-            </a:r>
-          </a:p>
-          <a:p>
-            <a:pPr lvl="1"/>
-            <a:r>
-              <a:rPr lang="en-US" dirty="0"/>
-              <a:t>Try to stay DRY (Don't Repeat Yourself) or T-DRY</a:t>
-            </a:r>
-          </a:p>
-          <a:p>
-            <a:endParaRPr lang="en-US" dirty="0"/>
+              <a:rPr lang="en-US" i="1" dirty="0">
+                <a:solidFill>
+                  <a:schemeClr val="tx1"/>
+                </a:solidFill>
+              </a:rPr>
+              <a:t>Lets scaffold our component with CLI.</a:t>
+            </a:r>
+          </a:p>
+          <a:p>
+            <a:r>
+              <a:rPr lang="en-US" i="1" dirty="0">
+                <a:solidFill>
+                  <a:schemeClr val="tx1"/>
+                </a:solidFill>
+              </a:rPr>
+              <a:t>Lets unit test.</a:t>
+            </a:r>
+          </a:p>
+          <a:p>
+            <a:r>
+              <a:rPr lang="en-US" i="1" dirty="0">
+                <a:solidFill>
+                  <a:schemeClr val="tx1"/>
+                </a:solidFill>
+              </a:rPr>
+              <a:t>Lets write the component.</a:t>
+            </a:r>
+          </a:p>
+          <a:p>
+            <a:r>
+              <a:rPr lang="en-US" i="1" dirty="0">
+                <a:solidFill>
+                  <a:srgbClr val="FFC000"/>
+                </a:solidFill>
+              </a:rPr>
+              <a:t>(interactive go to </a:t>
+            </a:r>
+            <a:r>
+              <a:rPr lang="en-US" i="1" dirty="0" err="1">
+                <a:solidFill>
+                  <a:srgbClr val="FFC000"/>
+                </a:solidFill>
+              </a:rPr>
+              <a:t>WebStorm</a:t>
+            </a:r>
+            <a:r>
+              <a:rPr lang="en-US" i="1" dirty="0">
+                <a:solidFill>
+                  <a:srgbClr val="FFC000"/>
+                </a:solidFill>
+              </a:rPr>
+              <a:t> – show </a:t>
+            </a:r>
+            <a:r>
+              <a:rPr lang="en-US" i="1" dirty="0" err="1">
+                <a:solidFill>
+                  <a:srgbClr val="FFC000"/>
+                </a:solidFill>
+              </a:rPr>
+              <a:t>ut</a:t>
+            </a:r>
+            <a:r>
+              <a:rPr lang="en-US" i="1" dirty="0">
+                <a:solidFill>
+                  <a:srgbClr val="FFC000"/>
+                </a:solidFill>
+              </a:rPr>
+              <a:t>, e2e)</a:t>
+            </a:r>
           </a:p>
           <a:p>
             <a:endParaRPr lang="en-US" dirty="0"/>
@@ -10829,7 +8086,7 @@
     </p:spTree>
     <p:extLst>
       <p:ext uri="{BB962C8B-B14F-4D97-AF65-F5344CB8AC3E}">
-        <p14:creationId xmlns:p14="http://schemas.microsoft.com/office/powerpoint/2010/main" val="2867017322"/>
+        <p14:creationId xmlns:p14="http://schemas.microsoft.com/office/powerpoint/2010/main" val="199657330"/>
       </p:ext>
     </p:extLst>
   </p:cSld>
@@ -10858,7 +8115,7 @@
       </p:grpSpPr>
       <p:sp>
         <p:nvSpPr>
-          <p:cNvPr id="5" name="Title 4"/>
+          <p:cNvPr id="2" name="Title 1"/>
           <p:cNvSpPr>
             <a:spLocks noGrp="1"/>
           </p:cNvSpPr>
@@ -10873,18 +8130,14 @@
           <a:p>
             <a:r>
               <a:rPr lang="en-US" dirty="0"/>
-              <a:t>Single Responsibility </a:t>
-            </a:r>
-            <a:r>
-              <a:rPr lang="en-US" sz="1200" dirty="0"/>
-              <a:t>(still applicable spring demo slide – can breeze)</a:t>
-            </a:r>
-          </a:p>
-        </p:txBody>
-      </p:sp>
-      <p:sp>
-        <p:nvSpPr>
-          <p:cNvPr id="6" name="Content Placeholder 5"/>
+              <a:t>Services</a:t>
+            </a:r>
+          </a:p>
+        </p:txBody>
+      </p:sp>
+      <p:sp>
+        <p:nvSpPr>
+          <p:cNvPr id="3" name="Content Placeholder 2"/>
           <p:cNvSpPr>
             <a:spLocks noGrp="1"/>
           </p:cNvSpPr>
@@ -10895,55 +8148,125 @@
         <p:spPr/>
         <p:txBody>
           <a:bodyPr>
-            <a:normAutofit lnSpcReduction="10000"/>
+            <a:normAutofit fontScale="85000" lnSpcReduction="20000"/>
           </a:bodyPr>
           <a:lstStyle/>
           <a:p>
             <a:r>
-              <a:rPr lang="en-US" sz="2000" dirty="0"/>
-              <a:t>Define 1 component per file, recommended to be less than 400 lines of code.</a:t>
-            </a:r>
-          </a:p>
-          <a:p>
-            <a:pPr lvl="1"/>
-            <a:r>
-              <a:rPr lang="en-US" sz="2000" i="1" dirty="0"/>
-              <a:t>Why?</a:t>
-            </a:r>
-            <a:r>
-              <a:rPr lang="en-US" sz="2000" dirty="0"/>
-              <a:t>: One component per file promotes easier unit testing and mocking.</a:t>
-            </a:r>
-          </a:p>
-          <a:p>
-            <a:pPr lvl="1"/>
-            <a:r>
-              <a:rPr lang="en-US" sz="2000" i="1" dirty="0"/>
-              <a:t>Why?</a:t>
-            </a:r>
-            <a:r>
-              <a:rPr lang="en-US" sz="2000" dirty="0"/>
-              <a:t>: One component per file makes it far easier to read, maintain, and avoid collisions with teams in source control.</a:t>
-            </a:r>
-          </a:p>
-          <a:p>
-            <a:pPr lvl="1"/>
-            <a:r>
-              <a:rPr lang="en-US" sz="2000" i="1" dirty="0"/>
-              <a:t>Why?</a:t>
-            </a:r>
-            <a:r>
-              <a:rPr lang="en-US" sz="2000" dirty="0"/>
-              <a:t>: One component per file avoids hidden bugs that often arise when combining components in a file where they may share variables, create unwanted closures, or unwanted coupling with dependencies.</a:t>
+              <a:rPr lang="en-US" dirty="0"/>
+              <a:t>All angular services are singletons</a:t>
+            </a:r>
+          </a:p>
+          <a:p>
+            <a:r>
+              <a:rPr lang="en-US" dirty="0"/>
+              <a:t>Services are similar to factories, so use always use factories for consistency</a:t>
             </a:r>
           </a:p>
           <a:p>
             <a:pPr marL="0" indent="0">
               <a:buNone/>
             </a:pPr>
-            <a:br>
-              <a:rPr lang="en-US" dirty="0"/>
-            </a:br>
+            <a:r>
+              <a:rPr lang="en-US" dirty="0"/>
+              <a:t> // service</a:t>
+            </a:r>
+          </a:p>
+          <a:p>
+            <a:pPr marL="0" indent="0">
+              <a:buNone/>
+            </a:pPr>
+            <a:r>
+              <a:rPr lang="en-US" dirty="0"/>
+              <a:t>angular</a:t>
+            </a:r>
+          </a:p>
+          <a:p>
+            <a:pPr marL="0" indent="0">
+              <a:buNone/>
+            </a:pPr>
+            <a:r>
+              <a:rPr lang="en-US" dirty="0"/>
+              <a:t>    .module('app')</a:t>
+            </a:r>
+          </a:p>
+          <a:p>
+            <a:pPr marL="0" indent="0">
+              <a:buNone/>
+            </a:pPr>
+            <a:r>
+              <a:rPr lang="en-US" dirty="0"/>
+              <a:t>    .service('logger', logger);</a:t>
+            </a:r>
+          </a:p>
+          <a:p>
+            <a:pPr marL="0" indent="0">
+              <a:buNone/>
+            </a:pPr>
+            <a:endParaRPr lang="en-US" dirty="0"/>
+          </a:p>
+          <a:p>
+            <a:pPr marL="0" indent="0">
+              <a:buNone/>
+            </a:pPr>
+            <a:r>
+              <a:rPr lang="en-US" dirty="0"/>
+              <a:t>function logger() {</a:t>
+            </a:r>
+          </a:p>
+          <a:p>
+            <a:pPr marL="0" indent="0">
+              <a:buNone/>
+            </a:pPr>
+            <a:r>
+              <a:rPr lang="en-US" dirty="0"/>
+              <a:t>  </a:t>
+            </a:r>
+            <a:r>
+              <a:rPr lang="en-US" dirty="0" err="1"/>
+              <a:t>this.logError</a:t>
+            </a:r>
+            <a:r>
+              <a:rPr lang="en-US" dirty="0"/>
+              <a:t> = function(</a:t>
+            </a:r>
+            <a:r>
+              <a:rPr lang="en-US" dirty="0" err="1"/>
+              <a:t>msg</a:t>
+            </a:r>
+            <a:r>
+              <a:rPr lang="en-US" dirty="0"/>
+              <a:t>) {</a:t>
+            </a:r>
+          </a:p>
+          <a:p>
+            <a:pPr marL="0" indent="0">
+              <a:buNone/>
+            </a:pPr>
+            <a:r>
+              <a:rPr lang="en-US" dirty="0"/>
+              <a:t>    /* */</a:t>
+            </a:r>
+          </a:p>
+          <a:p>
+            <a:pPr marL="0" indent="0">
+              <a:buNone/>
+            </a:pPr>
+            <a:r>
+              <a:rPr lang="en-US" dirty="0"/>
+              <a:t>  };</a:t>
+            </a:r>
+          </a:p>
+          <a:p>
+            <a:pPr marL="0" indent="0">
+              <a:buNone/>
+            </a:pPr>
+            <a:r>
+              <a:rPr lang="en-US" dirty="0"/>
+              <a:t>}</a:t>
+            </a:r>
+          </a:p>
+          <a:p>
             <a:endParaRPr lang="en-US" dirty="0"/>
           </a:p>
         </p:txBody>
@@ -10951,7 +8274,7 @@
     </p:spTree>
     <p:extLst>
       <p:ext uri="{BB962C8B-B14F-4D97-AF65-F5344CB8AC3E}">
-        <p14:creationId xmlns:p14="http://schemas.microsoft.com/office/powerpoint/2010/main" val="2969502034"/>
+        <p14:creationId xmlns:p14="http://schemas.microsoft.com/office/powerpoint/2010/main" val="2325221207"/>
       </p:ext>
     </p:extLst>
   </p:cSld>
@@ -10988,6 +8311,37 @@
             <p:ph type="title"/>
           </p:nvPr>
         </p:nvSpPr>
+        <p:spPr>
+          <a:xfrm>
+            <a:off x="677334" y="609600"/>
+            <a:ext cx="8596668" cy="828583"/>
+          </a:xfrm>
+        </p:spPr>
+        <p:txBody>
+          <a:bodyPr/>
+          <a:lstStyle/>
+          <a:p>
+            <a:r>
+              <a:rPr lang="en-US" dirty="0"/>
+              <a:t>Data Services </a:t>
+            </a:r>
+            <a:r>
+              <a:rPr lang="en-US" sz="1200" dirty="0"/>
+              <a:t>(still applicable spring demo slide)</a:t>
+            </a:r>
+          </a:p>
+        </p:txBody>
+      </p:sp>
+      <p:sp>
+        <p:nvSpPr>
+          <p:cNvPr id="3" name="Content Placeholder 2"/>
+          <p:cNvSpPr>
+            <a:spLocks noGrp="1"/>
+          </p:cNvSpPr>
+          <p:nvPr>
+            <p:ph idx="1"/>
+          </p:nvPr>
+        </p:nvSpPr>
         <p:spPr/>
         <p:txBody>
           <a:bodyPr/>
@@ -10995,116 +8349,35 @@
           <a:p>
             <a:r>
               <a:rPr lang="en-US" dirty="0"/>
-              <a:t>IIFE – Immediately Invoked function expression</a:t>
-            </a:r>
-          </a:p>
-        </p:txBody>
-      </p:sp>
-      <p:sp>
-        <p:nvSpPr>
-          <p:cNvPr id="3" name="Content Placeholder 2"/>
-          <p:cNvSpPr>
-            <a:spLocks noGrp="1"/>
-          </p:cNvSpPr>
-          <p:nvPr>
-            <p:ph idx="1"/>
-          </p:nvPr>
-        </p:nvSpPr>
-        <p:spPr/>
-        <p:txBody>
-          <a:bodyPr>
-            <a:normAutofit fontScale="92500" lnSpcReduction="10000"/>
-          </a:bodyPr>
-          <a:lstStyle/>
-          <a:p>
-            <a:r>
-              <a:rPr lang="en-US" dirty="0"/>
-              <a:t>Wrap each files content in a function</a:t>
-            </a:r>
-          </a:p>
-          <a:p>
-            <a:pPr marL="400050" lvl="1" indent="0">
-              <a:buNone/>
-            </a:pPr>
-            <a:r>
-              <a:rPr lang="en-US" dirty="0"/>
-              <a:t>// logger.js</a:t>
-            </a:r>
-          </a:p>
-          <a:p>
-            <a:pPr marL="400050" lvl="1" indent="0">
-              <a:buNone/>
-            </a:pPr>
-            <a:r>
-              <a:rPr lang="en-US" dirty="0"/>
-              <a:t>(function() {</a:t>
-            </a:r>
-          </a:p>
-          <a:p>
-            <a:pPr marL="400050" lvl="1" indent="0">
-              <a:buNone/>
-            </a:pPr>
-            <a:r>
-              <a:rPr lang="en-US" dirty="0"/>
-              <a:t>    'use strict';</a:t>
-            </a:r>
-          </a:p>
-          <a:p>
-            <a:pPr marL="400050" lvl="1" indent="0">
-              <a:buNone/>
-            </a:pPr>
-            <a:endParaRPr lang="en-US" dirty="0"/>
-          </a:p>
-          <a:p>
-            <a:pPr marL="400050" lvl="1" indent="0">
-              <a:buNone/>
-            </a:pPr>
-            <a:r>
-              <a:rPr lang="en-US" dirty="0"/>
-              <a:t>    angular</a:t>
-            </a:r>
-          </a:p>
-          <a:p>
-            <a:pPr marL="400050" lvl="1" indent="0">
-              <a:buNone/>
-            </a:pPr>
-            <a:r>
-              <a:rPr lang="en-US" dirty="0"/>
-              <a:t>        .module('app')</a:t>
-            </a:r>
-          </a:p>
-          <a:p>
-            <a:pPr marL="400050" lvl="1" indent="0">
-              <a:buNone/>
-            </a:pPr>
-            <a:r>
-              <a:rPr lang="en-US" dirty="0"/>
-              <a:t>        .factory('logger', logger);</a:t>
-            </a:r>
-          </a:p>
-          <a:p>
-            <a:pPr marL="400050" lvl="1" indent="0">
-              <a:buNone/>
-            </a:pPr>
-            <a:endParaRPr lang="en-US" dirty="0"/>
-          </a:p>
-          <a:p>
-            <a:pPr marL="400050" lvl="1" indent="0">
-              <a:buNone/>
-            </a:pPr>
-            <a:r>
-              <a:rPr lang="en-US" dirty="0"/>
-              <a:t>    function logger() { }</a:t>
-            </a:r>
-          </a:p>
-          <a:p>
-            <a:pPr marL="400050" lvl="1" indent="0">
-              <a:buNone/>
-            </a:pPr>
-            <a:r>
-              <a:rPr lang="en-US" dirty="0"/>
-              <a:t>})();</a:t>
-            </a:r>
+              <a:t>Refactor logic for making data operations and interacting with data to a factory</a:t>
+            </a:r>
+          </a:p>
+          <a:p>
+            <a:r>
+              <a:rPr lang="en-US" dirty="0"/>
+              <a:t>Data services are responsible for XHR calls, local storage</a:t>
+            </a:r>
+          </a:p>
+          <a:p>
+            <a:r>
+              <a:rPr lang="en-US" dirty="0"/>
+              <a:t>The controllers responsibility is to collect information for the view, It should not care on how it gets its data.</a:t>
+            </a:r>
+          </a:p>
+          <a:p>
+            <a:r>
+              <a:rPr lang="en-US" dirty="0"/>
+              <a:t>Data services are easier to mock</a:t>
+            </a:r>
+          </a:p>
+          <a:p>
+            <a:r>
+              <a:rPr lang="en-US" dirty="0"/>
+              <a:t>The handling of headers and $http related code is moved to data services</a:t>
+            </a:r>
+          </a:p>
+          <a:p>
+            <a:endParaRPr lang="en-US" dirty="0"/>
           </a:p>
           <a:p>
             <a:endParaRPr lang="en-US" dirty="0"/>
@@ -11114,7 +8387,7 @@
     </p:spTree>
     <p:extLst>
       <p:ext uri="{BB962C8B-B14F-4D97-AF65-F5344CB8AC3E}">
-        <p14:creationId xmlns:p14="http://schemas.microsoft.com/office/powerpoint/2010/main" val="3121423022"/>
+        <p14:creationId xmlns:p14="http://schemas.microsoft.com/office/powerpoint/2010/main" val="2981485233"/>
       </p:ext>
     </p:extLst>
   </p:cSld>
@@ -11127,42 +8400,42 @@
 <file path=ppt/theme/theme1.xml><?xml version="1.0" encoding="utf-8"?>
 <a:theme xmlns:a="http://schemas.openxmlformats.org/drawingml/2006/main" name="Facet">
   <a:themeElements>
-    <a:clrScheme name="Facet">
+    <a:clrScheme name="Orange">
       <a:dk1>
-        <a:sysClr val="windowText" lastClr="000000"/>
+        <a:srgbClr val="000000"/>
       </a:dk1>
       <a:lt1>
         <a:sysClr val="window" lastClr="FFFFFF"/>
       </a:lt1>
       <a:dk2>
-        <a:srgbClr val="2C3C43"/>
+        <a:srgbClr val="637052"/>
       </a:dk2>
       <a:lt2>
-        <a:srgbClr val="EBEBEB"/>
+        <a:srgbClr val="CCDDEA"/>
       </a:lt2>
       <a:accent1>
-        <a:srgbClr val="90C226"/>
+        <a:srgbClr val="E48312"/>
       </a:accent1>
       <a:accent2>
-        <a:srgbClr val="54A021"/>
+        <a:srgbClr val="BD582C"/>
       </a:accent2>
       <a:accent3>
-        <a:srgbClr val="E6B91E"/>
+        <a:srgbClr val="865640"/>
       </a:accent3>
       <a:accent4>
-        <a:srgbClr val="E76618"/>
+        <a:srgbClr val="9B8357"/>
       </a:accent4>
       <a:accent5>
-        <a:srgbClr val="C42F1A"/>
+        <a:srgbClr val="C2BC80"/>
       </a:accent5>
       <a:accent6>
-        <a:srgbClr val="918655"/>
+        <a:srgbClr val="94A088"/>
       </a:accent6>
       <a:hlink>
-        <a:srgbClr val="99CA3C"/>
+        <a:srgbClr val="2998E3"/>
       </a:hlink>
       <a:folHlink>
-        <a:srgbClr val="B9D181"/>
+        <a:srgbClr val="8C8C8C"/>
       </a:folHlink>
     </a:clrScheme>
     <a:fontScheme name="Facet">

--- a/Angular 2 with TypeScript cont of MontJUG Spring Demo.pptx
+++ b/Angular 2 with TypeScript cont of MontJUG Spring Demo.pptx
@@ -5,7 +5,7 @@
     <p:sldMasterId id="2147483648" r:id="rId1"/>
   </p:sldMasterIdLst>
   <p:notesMasterIdLst>
-    <p:notesMasterId r:id="rId18"/>
+    <p:notesMasterId r:id="rId20"/>
   </p:notesMasterIdLst>
   <p:sldIdLst>
     <p:sldId id="256" r:id="rId2"/>
@@ -13,17 +13,19 @@
     <p:sldId id="292" r:id="rId4"/>
     <p:sldId id="287" r:id="rId5"/>
     <p:sldId id="285" r:id="rId6"/>
-    <p:sldId id="290" r:id="rId7"/>
-    <p:sldId id="289" r:id="rId8"/>
-    <p:sldId id="272" r:id="rId9"/>
-    <p:sldId id="273" r:id="rId10"/>
-    <p:sldId id="259" r:id="rId11"/>
-    <p:sldId id="261" r:id="rId12"/>
-    <p:sldId id="281" r:id="rId13"/>
-    <p:sldId id="286" r:id="rId14"/>
-    <p:sldId id="288" r:id="rId15"/>
-    <p:sldId id="282" r:id="rId16"/>
-    <p:sldId id="283" r:id="rId17"/>
+    <p:sldId id="294" r:id="rId7"/>
+    <p:sldId id="293" r:id="rId8"/>
+    <p:sldId id="290" r:id="rId9"/>
+    <p:sldId id="289" r:id="rId10"/>
+    <p:sldId id="272" r:id="rId11"/>
+    <p:sldId id="273" r:id="rId12"/>
+    <p:sldId id="259" r:id="rId13"/>
+    <p:sldId id="261" r:id="rId14"/>
+    <p:sldId id="281" r:id="rId15"/>
+    <p:sldId id="288" r:id="rId16"/>
+    <p:sldId id="286" r:id="rId17"/>
+    <p:sldId id="282" r:id="rId18"/>
+    <p:sldId id="283" r:id="rId19"/>
   </p:sldIdLst>
   <p:sldSz cx="12192000" cy="6858000"/>
   <p:notesSz cx="6858000" cy="9144000"/>
@@ -6255,11 +6257,7 @@
           <a:p>
             <a:r>
               <a:rPr lang="en-US" dirty="0"/>
-              <a:t>Directory Structure </a:t>
-            </a:r>
-            <a:r>
-              <a:rPr lang="en-US" sz="1200" dirty="0"/>
-              <a:t>(still applicable spring demo slide – can breeze)</a:t>
+              <a:t>Services</a:t>
             </a:r>
           </a:p>
         </p:txBody>
@@ -6276,66 +6274,124 @@
         </p:nvSpPr>
         <p:spPr/>
         <p:txBody>
-          <a:bodyPr/>
-          <a:lstStyle/>
-          <a:p>
-            <a:r>
-              <a:rPr lang="en-US" dirty="0"/>
-              <a:t>How you organize your structure is up to you. There are many </a:t>
-            </a:r>
-            <a:r>
-              <a:rPr lang="en-US" b="1" dirty="0"/>
-              <a:t>right </a:t>
-            </a:r>
-            <a:r>
-              <a:rPr lang="en-US" b="1" dirty="0" err="1"/>
-              <a:t>ways</a:t>
+          <a:bodyPr>
+            <a:normAutofit fontScale="85000" lnSpcReduction="20000"/>
+          </a:bodyPr>
+          <a:lstStyle/>
+          <a:p>
+            <a:r>
+              <a:rPr lang="en-US" dirty="0"/>
+              <a:t>All angular services are singletons</a:t>
+            </a:r>
+          </a:p>
+          <a:p>
+            <a:r>
+              <a:rPr lang="en-US" dirty="0"/>
+              <a:t>Services are similar to factories, so use always use factories for consistency</a:t>
+            </a:r>
+          </a:p>
+          <a:p>
+            <a:pPr marL="0" indent="0">
+              <a:buNone/>
+            </a:pPr>
+            <a:r>
+              <a:rPr lang="en-US" dirty="0"/>
+              <a:t> // service</a:t>
+            </a:r>
+          </a:p>
+          <a:p>
+            <a:pPr marL="0" indent="0">
+              <a:buNone/>
+            </a:pPr>
+            <a:r>
+              <a:rPr lang="en-US" dirty="0"/>
+              <a:t>angular</a:t>
+            </a:r>
+          </a:p>
+          <a:p>
+            <a:pPr marL="0" indent="0">
+              <a:buNone/>
+            </a:pPr>
+            <a:r>
+              <a:rPr lang="en-US" dirty="0"/>
+              <a:t>    .module('app')</a:t>
+            </a:r>
+          </a:p>
+          <a:p>
+            <a:pPr marL="0" indent="0">
+              <a:buNone/>
+            </a:pPr>
+            <a:r>
+              <a:rPr lang="en-US" dirty="0"/>
+              <a:t>    .service('logger', logger);</a:t>
+            </a:r>
+          </a:p>
+          <a:p>
+            <a:pPr marL="0" indent="0">
+              <a:buNone/>
+            </a:pPr>
+            <a:endParaRPr lang="en-US" dirty="0"/>
+          </a:p>
+          <a:p>
+            <a:pPr marL="0" indent="0">
+              <a:buNone/>
+            </a:pPr>
+            <a:r>
+              <a:rPr lang="en-US" dirty="0"/>
+              <a:t>function logger() {</a:t>
+            </a:r>
+          </a:p>
+          <a:p>
+            <a:pPr marL="0" indent="0">
+              <a:buNone/>
+            </a:pPr>
+            <a:r>
+              <a:rPr lang="en-US" dirty="0"/>
+              <a:t>  </a:t>
             </a:r>
             <a:r>
               <a:rPr lang="en-US" dirty="0" err="1"/>
-              <a:t>of</a:t>
-            </a:r>
-            <a:r>
-              <a:rPr lang="en-US" dirty="0"/>
-              <a:t> doing this, and consistency in your project is key.</a:t>
-            </a:r>
-          </a:p>
-          <a:p>
-            <a:r>
-              <a:rPr lang="en-US" dirty="0"/>
-              <a:t>The LIFT Guidelines</a:t>
-            </a:r>
-          </a:p>
-          <a:p>
-            <a:pPr lvl="1"/>
-            <a:r>
-              <a:rPr lang="en-US" dirty="0"/>
-              <a:t>Locating our code is easy</a:t>
-            </a:r>
-          </a:p>
-          <a:p>
-            <a:pPr lvl="1"/>
-            <a:r>
-              <a:rPr lang="en-US" dirty="0"/>
-              <a:t>Identify code at a glance</a:t>
-            </a:r>
-          </a:p>
-          <a:p>
-            <a:pPr lvl="1"/>
-            <a:r>
-              <a:rPr lang="en-US" dirty="0"/>
-              <a:t>Flat structure as long as we can</a:t>
-            </a:r>
-          </a:p>
-          <a:p>
-            <a:pPr lvl="1"/>
-            <a:r>
-              <a:rPr lang="en-US" dirty="0"/>
-              <a:t>Try to stay DRY (Don't Repeat Yourself) or T-DRY</a:t>
-            </a:r>
-          </a:p>
-          <a:p>
-            <a:endParaRPr lang="en-US" dirty="0"/>
+              <a:t>this.logError</a:t>
+            </a:r>
+            <a:r>
+              <a:rPr lang="en-US" dirty="0"/>
+              <a:t> = function(</a:t>
+            </a:r>
+            <a:r>
+              <a:rPr lang="en-US" dirty="0" err="1"/>
+              <a:t>msg</a:t>
+            </a:r>
+            <a:r>
+              <a:rPr lang="en-US" dirty="0"/>
+              <a:t>) {</a:t>
+            </a:r>
+          </a:p>
+          <a:p>
+            <a:pPr marL="0" indent="0">
+              <a:buNone/>
+            </a:pPr>
+            <a:r>
+              <a:rPr lang="en-US" dirty="0"/>
+              <a:t>    /* */</a:t>
+            </a:r>
+          </a:p>
+          <a:p>
+            <a:pPr marL="0" indent="0">
+              <a:buNone/>
+            </a:pPr>
+            <a:r>
+              <a:rPr lang="en-US" dirty="0"/>
+              <a:t>  };</a:t>
+            </a:r>
+          </a:p>
+          <a:p>
+            <a:pPr marL="0" indent="0">
+              <a:buNone/>
+            </a:pPr>
+            <a:r>
+              <a:rPr lang="en-US" dirty="0"/>
+              <a:t>}</a:t>
+            </a:r>
           </a:p>
           <a:p>
             <a:endParaRPr lang="en-US" dirty="0"/>
@@ -6345,7 +6401,7 @@
     </p:spTree>
     <p:extLst>
       <p:ext uri="{BB962C8B-B14F-4D97-AF65-F5344CB8AC3E}">
-        <p14:creationId xmlns:p14="http://schemas.microsoft.com/office/powerpoint/2010/main" val="2867017322"/>
+        <p14:creationId xmlns:p14="http://schemas.microsoft.com/office/powerpoint/2010/main" val="2325221207"/>
       </p:ext>
     </p:extLst>
   </p:cSld>
@@ -6374,7 +6430,7 @@
       </p:grpSpPr>
       <p:sp>
         <p:nvSpPr>
-          <p:cNvPr id="5" name="Title 4"/>
+          <p:cNvPr id="2" name="Title 1"/>
           <p:cNvSpPr>
             <a:spLocks noGrp="1"/>
           </p:cNvSpPr>
@@ -6382,6 +6438,37 @@
             <p:ph type="title"/>
           </p:nvPr>
         </p:nvSpPr>
+        <p:spPr>
+          <a:xfrm>
+            <a:off x="677334" y="609600"/>
+            <a:ext cx="8596668" cy="828583"/>
+          </a:xfrm>
+        </p:spPr>
+        <p:txBody>
+          <a:bodyPr/>
+          <a:lstStyle/>
+          <a:p>
+            <a:r>
+              <a:rPr lang="en-US" dirty="0"/>
+              <a:t>Data Services </a:t>
+            </a:r>
+            <a:r>
+              <a:rPr lang="en-US" sz="1200" dirty="0"/>
+              <a:t>(still applicable spring demo slide)</a:t>
+            </a:r>
+          </a:p>
+        </p:txBody>
+      </p:sp>
+      <p:sp>
+        <p:nvSpPr>
+          <p:cNvPr id="3" name="Content Placeholder 2"/>
+          <p:cNvSpPr>
+            <a:spLocks noGrp="1"/>
+          </p:cNvSpPr>
+          <p:nvPr>
+            <p:ph idx="1"/>
+          </p:nvPr>
+        </p:nvSpPr>
         <p:spPr/>
         <p:txBody>
           <a:bodyPr/>
@@ -6389,77 +6476,37 @@
           <a:p>
             <a:r>
               <a:rPr lang="en-US" dirty="0"/>
-              <a:t>Single Responsibility </a:t>
-            </a:r>
-            <a:r>
-              <a:rPr lang="en-US" sz="1200" dirty="0"/>
-              <a:t>(still applicable spring demo slide – can breeze)</a:t>
-            </a:r>
-          </a:p>
-        </p:txBody>
-      </p:sp>
-      <p:sp>
-        <p:nvSpPr>
-          <p:cNvPr id="6" name="Content Placeholder 5"/>
-          <p:cNvSpPr>
-            <a:spLocks noGrp="1"/>
-          </p:cNvSpPr>
-          <p:nvPr>
-            <p:ph idx="1"/>
-          </p:nvPr>
-        </p:nvSpPr>
-        <p:spPr/>
-        <p:txBody>
-          <a:bodyPr>
-            <a:normAutofit lnSpcReduction="10000"/>
-          </a:bodyPr>
-          <a:lstStyle/>
-          <a:p>
-            <a:r>
-              <a:rPr lang="en-US" sz="2000" dirty="0"/>
-              <a:t>Define 1 component per file, recommended to be less than 400 lines of code.</a:t>
-            </a:r>
-          </a:p>
-          <a:p>
-            <a:pPr lvl="1"/>
-            <a:r>
-              <a:rPr lang="en-US" sz="2000" i="1" dirty="0"/>
-              <a:t>Why?</a:t>
-            </a:r>
-            <a:r>
-              <a:rPr lang="en-US" sz="2000" dirty="0"/>
-              <a:t>: One component per file promotes easier unit testing and mocking.</a:t>
-            </a:r>
-          </a:p>
-          <a:p>
-            <a:pPr lvl="1"/>
-            <a:r>
-              <a:rPr lang="en-US" sz="2000" i="1" dirty="0"/>
-              <a:t>Why?</a:t>
-            </a:r>
-            <a:r>
-              <a:rPr lang="en-US" sz="2000" dirty="0"/>
-              <a:t>: One component per file makes it far easier to read, maintain, and avoid collisions with teams in source control.</a:t>
-            </a:r>
-          </a:p>
-          <a:p>
-            <a:pPr lvl="1"/>
-            <a:r>
-              <a:rPr lang="en-US" sz="2000" i="1" dirty="0"/>
-              <a:t>Why?</a:t>
-            </a:r>
-            <a:r>
-              <a:rPr lang="en-US" sz="2000" dirty="0"/>
-              <a:t>: One component per file avoids hidden bugs that often arise when combining components in a file where they may share variables, create unwanted closures, or unwanted coupling with dependencies.</a:t>
-            </a:r>
-          </a:p>
-          <a:p>
-            <a:pPr marL="0" indent="0">
-              <a:buNone/>
-            </a:pPr>
-            <a:br>
-              <a:rPr lang="en-US" dirty="0"/>
-            </a:br>
+              <a:t>Refactor logic for making data operations and interacting with data to a factory</a:t>
+            </a:r>
+          </a:p>
+          <a:p>
+            <a:r>
+              <a:rPr lang="en-US" dirty="0"/>
+              <a:t>Data services are responsible for XHR calls, local storage</a:t>
+            </a:r>
+          </a:p>
+          <a:p>
+            <a:r>
+              <a:rPr lang="en-US" dirty="0"/>
+              <a:t>The controllers responsibility is to collect information for the view, It should not care on how it gets its data.</a:t>
+            </a:r>
+          </a:p>
+          <a:p>
+            <a:r>
+              <a:rPr lang="en-US" dirty="0"/>
+              <a:t>Data services are easier to mock</a:t>
+            </a:r>
+          </a:p>
+          <a:p>
+            <a:r>
+              <a:rPr lang="en-US" dirty="0"/>
+              <a:t>The handling of headers and $http related code is moved to data services</a:t>
+            </a:r>
+          </a:p>
+          <a:p>
+            <a:endParaRPr lang="en-US" dirty="0"/>
+          </a:p>
+          <a:p>
             <a:endParaRPr lang="en-US" dirty="0"/>
           </a:p>
         </p:txBody>
@@ -6467,7 +6514,7 @@
     </p:spTree>
     <p:extLst>
       <p:ext uri="{BB962C8B-B14F-4D97-AF65-F5344CB8AC3E}">
-        <p14:creationId xmlns:p14="http://schemas.microsoft.com/office/powerpoint/2010/main" val="2969502034"/>
+        <p14:creationId xmlns:p14="http://schemas.microsoft.com/office/powerpoint/2010/main" val="2981485233"/>
       </p:ext>
     </p:extLst>
   </p:cSld>
@@ -6511,7 +6558,11 @@
           <a:p>
             <a:r>
               <a:rPr lang="en-US" dirty="0"/>
-              <a:t>Starting Challenge</a:t>
+              <a:t>Directory Structure </a:t>
+            </a:r>
+            <a:r>
+              <a:rPr lang="en-US" sz="1200" dirty="0"/>
+              <a:t>(still applicable spring demo slide – can breeze)</a:t>
             </a:r>
           </a:p>
         </p:txBody>
@@ -6533,38 +6584,58 @@
           <a:p>
             <a:r>
               <a:rPr lang="en-US" dirty="0"/>
-              <a:t>Google grease may be misleading, barking up wrong tree.  Lots of past things unrelated to Angular 2, mixed with new Angular 2.</a:t>
-            </a:r>
-          </a:p>
-          <a:p>
-            <a:r>
-              <a:rPr lang="en-US" dirty="0"/>
-              <a:t>Can start with NPM and Node most straightforward.</a:t>
+              <a:t>How you organize your structure is up to you. There are many </a:t>
+            </a:r>
+            <a:r>
+              <a:rPr lang="en-US" b="1" dirty="0"/>
+              <a:t>right </a:t>
+            </a:r>
+            <a:r>
+              <a:rPr lang="en-US" b="1" dirty="0" err="1"/>
+              <a:t>ways</a:t>
+            </a:r>
+            <a:r>
+              <a:rPr lang="en-US" dirty="0" err="1"/>
+              <a:t>of</a:t>
+            </a:r>
+            <a:r>
+              <a:rPr lang="en-US" dirty="0"/>
+              <a:t> doing this, and consistency in your project is key.</a:t>
+            </a:r>
+          </a:p>
+          <a:p>
+            <a:r>
+              <a:rPr lang="en-US" dirty="0"/>
+              <a:t>The LIFT Guidelines</a:t>
             </a:r>
           </a:p>
           <a:p>
             <a:pPr lvl="1"/>
             <a:r>
               <a:rPr lang="en-US" dirty="0"/>
-              <a:t>Senior and new developers seem to love the terminal…</a:t>
-            </a:r>
-          </a:p>
-          <a:p>
-            <a:pPr lvl="2"/>
-            <a:r>
-              <a:rPr lang="en-US" dirty="0"/>
-              <a:t>Throw back for experienced, and “cutting edge” for new developers</a:t>
+              <a:t>Locating our code is easy</a:t>
             </a:r>
           </a:p>
           <a:p>
             <a:pPr lvl="1"/>
-            <a:endParaRPr lang="en-US" dirty="0"/>
-          </a:p>
-          <a:p>
-            <a:pPr marL="0" indent="0">
-              <a:buNone/>
-            </a:pPr>
-            <a:endParaRPr lang="en-US" dirty="0"/>
+            <a:r>
+              <a:rPr lang="en-US" dirty="0"/>
+              <a:t>Identify code at a glance</a:t>
+            </a:r>
+          </a:p>
+          <a:p>
+            <a:pPr lvl="1"/>
+            <a:r>
+              <a:rPr lang="en-US" dirty="0"/>
+              <a:t>Flat structure as long as we can</a:t>
+            </a:r>
+          </a:p>
+          <a:p>
+            <a:pPr lvl="1"/>
+            <a:r>
+              <a:rPr lang="en-US" dirty="0"/>
+              <a:t>Try to stay DRY (Don't Repeat Yourself) or T-DRY</a:t>
+            </a:r>
           </a:p>
           <a:p>
             <a:endParaRPr lang="en-US" dirty="0"/>
@@ -6577,7 +6648,7 @@
     </p:spTree>
     <p:extLst>
       <p:ext uri="{BB962C8B-B14F-4D97-AF65-F5344CB8AC3E}">
-        <p14:creationId xmlns:p14="http://schemas.microsoft.com/office/powerpoint/2010/main" val="2058621558"/>
+        <p14:creationId xmlns:p14="http://schemas.microsoft.com/office/powerpoint/2010/main" val="2867017322"/>
       </p:ext>
     </p:extLst>
   </p:cSld>
@@ -6606,7 +6677,7 @@
       </p:grpSpPr>
       <p:sp>
         <p:nvSpPr>
-          <p:cNvPr id="2" name="Title 1"/>
+          <p:cNvPr id="5" name="Title 4"/>
           <p:cNvSpPr>
             <a:spLocks noGrp="1"/>
           </p:cNvSpPr>
@@ -6621,14 +6692,18 @@
           <a:p>
             <a:r>
               <a:rPr lang="en-US" dirty="0"/>
-              <a:t>Sales points</a:t>
-            </a:r>
-          </a:p>
-        </p:txBody>
-      </p:sp>
-      <p:sp>
-        <p:nvSpPr>
-          <p:cNvPr id="3" name="Content Placeholder 2"/>
+              <a:t>Single Responsibility </a:t>
+            </a:r>
+            <a:r>
+              <a:rPr lang="en-US" sz="1200" dirty="0"/>
+              <a:t>(still applicable spring demo slide – can breeze)</a:t>
+            </a:r>
+          </a:p>
+        </p:txBody>
+      </p:sp>
+      <p:sp>
+        <p:nvSpPr>
+          <p:cNvPr id="6" name="Content Placeholder 5"/>
           <p:cNvSpPr>
             <a:spLocks noGrp="1"/>
           </p:cNvSpPr>
@@ -6638,56 +6713,56 @@
         </p:nvSpPr>
         <p:spPr/>
         <p:txBody>
-          <a:bodyPr/>
-          <a:lstStyle/>
-          <a:p>
-            <a:r>
-              <a:rPr lang="en-US" dirty="0"/>
-              <a:t>Performance</a:t>
-            </a:r>
-          </a:p>
-          <a:p>
-            <a:r>
-              <a:rPr lang="en-US" dirty="0"/>
-              <a:t>Security</a:t>
-            </a:r>
-          </a:p>
-          <a:p>
-            <a:r>
-              <a:rPr lang="en-US" dirty="0" err="1"/>
-              <a:t>Opensource</a:t>
-            </a:r>
-            <a:endParaRPr lang="en-US" dirty="0"/>
-          </a:p>
-          <a:p>
-            <a:r>
-              <a:rPr lang="en-US" dirty="0"/>
-              <a:t>Embraced by tech companies </a:t>
-            </a:r>
-          </a:p>
-          <a:p>
-            <a:r>
-              <a:rPr lang="en-US" dirty="0"/>
-              <a:t>ECMA 6 and </a:t>
-            </a:r>
-            <a:r>
-              <a:rPr lang="en-US" dirty="0" err="1"/>
-              <a:t>transpilation</a:t>
-            </a:r>
-            <a:r>
-              <a:rPr lang="en-US" dirty="0"/>
-              <a:t> allows to </a:t>
-            </a:r>
-            <a:r>
-              <a:rPr lang="en-US" dirty="0" err="1"/>
-              <a:t>transpile</a:t>
-            </a:r>
-            <a:r>
-              <a:rPr lang="en-US" dirty="0"/>
-              <a:t> to ECMA 5 and 4 (I think)</a:t>
-            </a:r>
-          </a:p>
-          <a:p>
+          <a:bodyPr>
+            <a:normAutofit lnSpcReduction="10000"/>
+          </a:bodyPr>
+          <a:lstStyle/>
+          <a:p>
+            <a:r>
+              <a:rPr lang="en-US" sz="2000" dirty="0"/>
+              <a:t>Define 1 component per file, recommended to be less than 400 lines of code.</a:t>
+            </a:r>
+          </a:p>
+          <a:p>
+            <a:pPr lvl="1"/>
+            <a:r>
+              <a:rPr lang="en-US" sz="2000" i="1" dirty="0"/>
+              <a:t>Why?</a:t>
+            </a:r>
+            <a:r>
+              <a:rPr lang="en-US" sz="2000" dirty="0"/>
+              <a:t>: One component per file promotes easier unit testing and mocking.</a:t>
+            </a:r>
+          </a:p>
+          <a:p>
+            <a:pPr lvl="1"/>
+            <a:r>
+              <a:rPr lang="en-US" sz="2000" i="1" dirty="0"/>
+              <a:t>Why?</a:t>
+            </a:r>
+            <a:r>
+              <a:rPr lang="en-US" sz="2000" dirty="0"/>
+              <a:t>: One component per file makes it far easier to read, maintain, and avoid collisions with teams in source control.</a:t>
+            </a:r>
+          </a:p>
+          <a:p>
+            <a:pPr lvl="1"/>
+            <a:r>
+              <a:rPr lang="en-US" sz="2000" i="1" dirty="0"/>
+              <a:t>Why?</a:t>
+            </a:r>
+            <a:r>
+              <a:rPr lang="en-US" sz="2000" dirty="0"/>
+              <a:t>: One component per file avoids hidden bugs that often arise when combining components in a file where they may share variables, create unwanted closures, or unwanted coupling with dependencies.</a:t>
+            </a:r>
+          </a:p>
+          <a:p>
+            <a:pPr marL="0" indent="0">
+              <a:buNone/>
+            </a:pPr>
+            <a:br>
+              <a:rPr lang="en-US" dirty="0"/>
+            </a:br>
             <a:endParaRPr lang="en-US" dirty="0"/>
           </a:p>
         </p:txBody>
@@ -6695,7 +6770,7 @@
     </p:spTree>
     <p:extLst>
       <p:ext uri="{BB962C8B-B14F-4D97-AF65-F5344CB8AC3E}">
-        <p14:creationId xmlns:p14="http://schemas.microsoft.com/office/powerpoint/2010/main" val="1671649988"/>
+        <p14:creationId xmlns:p14="http://schemas.microsoft.com/office/powerpoint/2010/main" val="2969502034"/>
       </p:ext>
     </p:extLst>
   </p:cSld>
@@ -6739,11 +6814,7 @@
           <a:p>
             <a:r>
               <a:rPr lang="en-US" dirty="0"/>
-              <a:t>At HUD </a:t>
-            </a:r>
-            <a:r>
-              <a:rPr lang="en-US" sz="1200" dirty="0"/>
-              <a:t>(example)</a:t>
+              <a:t>Starting Challenge</a:t>
             </a:r>
           </a:p>
         </p:txBody>
@@ -6765,14 +6836,68 @@
           <a:p>
             <a:r>
               <a:rPr lang="en-US" dirty="0"/>
-              <a:t>At HUD we are using on Greenfield with new team developers.</a:t>
-            </a:r>
-          </a:p>
-          <a:p>
-            <a:r>
-              <a:rPr lang="en-US" dirty="0"/>
-              <a:t>Very enthusiastic response from developers.</a:t>
-            </a:r>
+              <a:t>Google searching may be misleading, barking up wrong tree.  Lots of past things unrelated to Angular 2, mixed with new Angular 2.</a:t>
+            </a:r>
+          </a:p>
+          <a:p>
+            <a:r>
+              <a:rPr lang="en-US" dirty="0"/>
+              <a:t>Package dependencies and updating</a:t>
+            </a:r>
+          </a:p>
+          <a:p>
+            <a:pPr lvl="1"/>
+            <a:r>
+              <a:rPr lang="en-US" dirty="0"/>
+              <a:t>NPM starting, Gulp if needed after NPM </a:t>
+            </a:r>
+          </a:p>
+          <a:p>
+            <a:r>
+              <a:rPr lang="en-US" dirty="0"/>
+              <a:t>Can keep </a:t>
+            </a:r>
+            <a:r>
+              <a:rPr lang="en-US" dirty="0" err="1"/>
+              <a:t>npm</a:t>
+            </a:r>
+            <a:r>
+              <a:rPr lang="en-US" dirty="0"/>
+              <a:t> install by in project</a:t>
+            </a:r>
+          </a:p>
+          <a:p>
+            <a:r>
+              <a:rPr lang="en-US" dirty="0"/>
+              <a:t>Can start with NPM and Node most straightforward.</a:t>
+            </a:r>
+          </a:p>
+          <a:p>
+            <a:pPr lvl="1"/>
+            <a:r>
+              <a:rPr lang="en-US" dirty="0"/>
+              <a:t>Senior and new developers seem to love the terminal…</a:t>
+            </a:r>
+          </a:p>
+          <a:p>
+            <a:pPr lvl="2"/>
+            <a:r>
+              <a:rPr lang="en-US" dirty="0"/>
+              <a:t>Throw back for experienced, and “cutting edge” for new developers</a:t>
+            </a:r>
+          </a:p>
+          <a:p>
+            <a:pPr lvl="1"/>
+            <a:endParaRPr lang="en-US" dirty="0"/>
+          </a:p>
+          <a:p>
+            <a:pPr marL="0" indent="0">
+              <a:buNone/>
+            </a:pPr>
+            <a:endParaRPr lang="en-US" dirty="0"/>
+          </a:p>
+          <a:p>
+            <a:endParaRPr lang="en-US" dirty="0"/>
           </a:p>
           <a:p>
             <a:endParaRPr lang="en-US" dirty="0"/>
@@ -6782,7 +6907,7 @@
     </p:spTree>
     <p:extLst>
       <p:ext uri="{BB962C8B-B14F-4D97-AF65-F5344CB8AC3E}">
-        <p14:creationId xmlns:p14="http://schemas.microsoft.com/office/powerpoint/2010/main" val="2067008177"/>
+        <p14:creationId xmlns:p14="http://schemas.microsoft.com/office/powerpoint/2010/main" val="2058621558"/>
       </p:ext>
     </p:extLst>
   </p:cSld>
@@ -6826,7 +6951,11 @@
           <a:p>
             <a:r>
               <a:rPr lang="en-US" dirty="0"/>
-              <a:t>Possible Business Opportunities</a:t>
+              <a:t>At HUD </a:t>
+            </a:r>
+            <a:r>
+              <a:rPr lang="en-US" sz="1200" dirty="0"/>
+              <a:t>(example)</a:t>
             </a:r>
           </a:p>
         </p:txBody>
@@ -6848,35 +6977,14 @@
           <a:p>
             <a:r>
               <a:rPr lang="en-US" dirty="0"/>
-              <a:t>Silverlight apps becoming out of service (deprecated technology).</a:t>
-            </a:r>
-          </a:p>
-          <a:p>
-            <a:r>
-              <a:rPr lang="en-US" dirty="0"/>
-              <a:t>Greenfield project</a:t>
-            </a:r>
-          </a:p>
-          <a:p>
-            <a:r>
-              <a:rPr lang="en-US" dirty="0"/>
-              <a:t>Project with new developers</a:t>
-            </a:r>
-          </a:p>
-          <a:p>
-            <a:r>
-              <a:rPr lang="en-US" dirty="0"/>
-              <a:t>Move more to browser, from server. </a:t>
-            </a:r>
-          </a:p>
-          <a:p>
-            <a:endParaRPr lang="en-US" dirty="0"/>
-          </a:p>
-          <a:p>
-            <a:endParaRPr lang="en-US" dirty="0"/>
-          </a:p>
-          <a:p>
-            <a:endParaRPr lang="en-US" dirty="0"/>
+              <a:t>At HUD we are using on Greenfield with new team developers.</a:t>
+            </a:r>
+          </a:p>
+          <a:p>
+            <a:r>
+              <a:rPr lang="en-US" dirty="0"/>
+              <a:t>Very enthusiastic response from developers.</a:t>
+            </a:r>
           </a:p>
           <a:p>
             <a:endParaRPr lang="en-US" dirty="0"/>
@@ -6886,7 +6994,7 @@
     </p:spTree>
     <p:extLst>
       <p:ext uri="{BB962C8B-B14F-4D97-AF65-F5344CB8AC3E}">
-        <p14:creationId xmlns:p14="http://schemas.microsoft.com/office/powerpoint/2010/main" val="1881581854"/>
+        <p14:creationId xmlns:p14="http://schemas.microsoft.com/office/powerpoint/2010/main" val="2067008177"/>
       </p:ext>
     </p:extLst>
   </p:cSld>
@@ -6930,6 +7038,236 @@
           <a:p>
             <a:r>
               <a:rPr lang="en-US" dirty="0"/>
+              <a:t>Sales points</a:t>
+            </a:r>
+          </a:p>
+        </p:txBody>
+      </p:sp>
+      <p:sp>
+        <p:nvSpPr>
+          <p:cNvPr id="3" name="Content Placeholder 2"/>
+          <p:cNvSpPr>
+            <a:spLocks noGrp="1"/>
+          </p:cNvSpPr>
+          <p:nvPr>
+            <p:ph idx="1"/>
+          </p:nvPr>
+        </p:nvSpPr>
+        <p:spPr/>
+        <p:txBody>
+          <a:bodyPr/>
+          <a:lstStyle/>
+          <a:p>
+            <a:r>
+              <a:rPr lang="en-US" dirty="0"/>
+              <a:t>Performance</a:t>
+            </a:r>
+          </a:p>
+          <a:p>
+            <a:r>
+              <a:rPr lang="en-US" dirty="0"/>
+              <a:t>Security</a:t>
+            </a:r>
+          </a:p>
+          <a:p>
+            <a:r>
+              <a:rPr lang="en-US" dirty="0" err="1"/>
+              <a:t>Opensource</a:t>
+            </a:r>
+            <a:endParaRPr lang="en-US" dirty="0"/>
+          </a:p>
+          <a:p>
+            <a:r>
+              <a:rPr lang="en-US" dirty="0"/>
+              <a:t>Embraced by tech companies </a:t>
+            </a:r>
+          </a:p>
+          <a:p>
+            <a:r>
+              <a:rPr lang="en-US" dirty="0"/>
+              <a:t>ECMA 6 and </a:t>
+            </a:r>
+            <a:r>
+              <a:rPr lang="en-US" dirty="0" err="1"/>
+              <a:t>transpilation</a:t>
+            </a:r>
+            <a:r>
+              <a:rPr lang="en-US" dirty="0"/>
+              <a:t> allows to </a:t>
+            </a:r>
+            <a:r>
+              <a:rPr lang="en-US" dirty="0" err="1"/>
+              <a:t>transpile</a:t>
+            </a:r>
+            <a:r>
+              <a:rPr lang="en-US" dirty="0"/>
+              <a:t> to ECMA 5 and 4 (I think)</a:t>
+            </a:r>
+          </a:p>
+          <a:p>
+            <a:endParaRPr lang="en-US" dirty="0"/>
+          </a:p>
+        </p:txBody>
+      </p:sp>
+    </p:spTree>
+    <p:extLst>
+      <p:ext uri="{BB962C8B-B14F-4D97-AF65-F5344CB8AC3E}">
+        <p14:creationId xmlns:p14="http://schemas.microsoft.com/office/powerpoint/2010/main" val="1671649988"/>
+      </p:ext>
+    </p:extLst>
+  </p:cSld>
+  <p:clrMapOvr>
+    <a:masterClrMapping/>
+  </p:clrMapOvr>
+</p:sld>
+</file>
+
+<file path=ppt/slides/slide17.xml><?xml version="1.0" encoding="utf-8"?>
+<p:sld xmlns:a="http://schemas.openxmlformats.org/drawingml/2006/main" xmlns:r="http://schemas.openxmlformats.org/officeDocument/2006/relationships" xmlns:p="http://schemas.openxmlformats.org/presentationml/2006/main">
+  <p:cSld>
+    <p:spTree>
+      <p:nvGrpSpPr>
+        <p:cNvPr id="1" name=""/>
+        <p:cNvGrpSpPr/>
+        <p:nvPr/>
+      </p:nvGrpSpPr>
+      <p:grpSpPr>
+        <a:xfrm>
+          <a:off x="0" y="0"/>
+          <a:ext cx="0" cy="0"/>
+          <a:chOff x="0" y="0"/>
+          <a:chExt cx="0" cy="0"/>
+        </a:xfrm>
+      </p:grpSpPr>
+      <p:sp>
+        <p:nvSpPr>
+          <p:cNvPr id="2" name="Title 1"/>
+          <p:cNvSpPr>
+            <a:spLocks noGrp="1"/>
+          </p:cNvSpPr>
+          <p:nvPr>
+            <p:ph type="title"/>
+          </p:nvPr>
+        </p:nvSpPr>
+        <p:spPr/>
+        <p:txBody>
+          <a:bodyPr/>
+          <a:lstStyle/>
+          <a:p>
+            <a:r>
+              <a:rPr lang="en-US" dirty="0"/>
+              <a:t>Possible Business Opportunities</a:t>
+            </a:r>
+          </a:p>
+        </p:txBody>
+      </p:sp>
+      <p:sp>
+        <p:nvSpPr>
+          <p:cNvPr id="3" name="Content Placeholder 2"/>
+          <p:cNvSpPr>
+            <a:spLocks noGrp="1"/>
+          </p:cNvSpPr>
+          <p:nvPr>
+            <p:ph idx="1"/>
+          </p:nvPr>
+        </p:nvSpPr>
+        <p:spPr/>
+        <p:txBody>
+          <a:bodyPr/>
+          <a:lstStyle/>
+          <a:p>
+            <a:r>
+              <a:rPr lang="en-US" dirty="0"/>
+              <a:t>Silverlight apps becoming out of service (deprecated technology).</a:t>
+            </a:r>
+          </a:p>
+          <a:p>
+            <a:r>
+              <a:rPr lang="en-US" dirty="0"/>
+              <a:t>Greenfield project, should have 5 – 8 </a:t>
+            </a:r>
+            <a:r>
+              <a:rPr lang="en-US" dirty="0" err="1"/>
+              <a:t>yr</a:t>
+            </a:r>
+            <a:r>
+              <a:rPr lang="en-US" dirty="0"/>
+              <a:t> life expectancy until Angular 3 or no Angular</a:t>
+            </a:r>
+          </a:p>
+          <a:p>
+            <a:r>
+              <a:rPr lang="en-US" dirty="0"/>
+              <a:t>Project with new developers</a:t>
+            </a:r>
+          </a:p>
+          <a:p>
+            <a:r>
+              <a:rPr lang="en-US" dirty="0"/>
+              <a:t>Move more to browser, from server. </a:t>
+            </a:r>
+          </a:p>
+          <a:p>
+            <a:endParaRPr lang="en-US" dirty="0"/>
+          </a:p>
+          <a:p>
+            <a:endParaRPr lang="en-US" dirty="0"/>
+          </a:p>
+          <a:p>
+            <a:endParaRPr lang="en-US" dirty="0"/>
+          </a:p>
+          <a:p>
+            <a:endParaRPr lang="en-US" dirty="0"/>
+          </a:p>
+        </p:txBody>
+      </p:sp>
+    </p:spTree>
+    <p:extLst>
+      <p:ext uri="{BB962C8B-B14F-4D97-AF65-F5344CB8AC3E}">
+        <p14:creationId xmlns:p14="http://schemas.microsoft.com/office/powerpoint/2010/main" val="1881581854"/>
+      </p:ext>
+    </p:extLst>
+  </p:cSld>
+  <p:clrMapOvr>
+    <a:masterClrMapping/>
+  </p:clrMapOvr>
+</p:sld>
+</file>
+
+<file path=ppt/slides/slide18.xml><?xml version="1.0" encoding="utf-8"?>
+<p:sld xmlns:a="http://schemas.openxmlformats.org/drawingml/2006/main" xmlns:r="http://schemas.openxmlformats.org/officeDocument/2006/relationships" xmlns:p="http://schemas.openxmlformats.org/presentationml/2006/main">
+  <p:cSld>
+    <p:spTree>
+      <p:nvGrpSpPr>
+        <p:cNvPr id="1" name=""/>
+        <p:cNvGrpSpPr/>
+        <p:nvPr/>
+      </p:nvGrpSpPr>
+      <p:grpSpPr>
+        <a:xfrm>
+          <a:off x="0" y="0"/>
+          <a:ext cx="0" cy="0"/>
+          <a:chOff x="0" y="0"/>
+          <a:chExt cx="0" cy="0"/>
+        </a:xfrm>
+      </p:grpSpPr>
+      <p:sp>
+        <p:nvSpPr>
+          <p:cNvPr id="2" name="Title 1"/>
+          <p:cNvSpPr>
+            <a:spLocks noGrp="1"/>
+          </p:cNvSpPr>
+          <p:nvPr>
+            <p:ph type="title"/>
+          </p:nvPr>
+        </p:nvSpPr>
+        <p:spPr/>
+        <p:txBody>
+          <a:bodyPr/>
+          <a:lstStyle/>
+          <a:p>
+            <a:r>
+              <a:rPr lang="en-US" dirty="0"/>
               <a:t>References</a:t>
             </a:r>
           </a:p>
@@ -6948,9 +7286,19 @@
         <p:spPr/>
         <p:txBody>
           <a:bodyPr>
-            <a:normAutofit/>
+            <a:normAutofit lnSpcReduction="10000"/>
           </a:bodyPr>
           <a:lstStyle/>
+          <a:p>
+            <a:r>
+              <a:rPr lang="en-US" dirty="0" err="1"/>
+              <a:t>Prereq</a:t>
+            </a:r>
+            <a:r>
+              <a:rPr lang="en-US" dirty="0"/>
+              <a:t>: https://nodejs.org/en/</a:t>
+            </a:r>
+          </a:p>
           <a:p>
             <a:r>
               <a:rPr lang="en-US" dirty="0"/>
@@ -7012,13 +7360,30 @@
             </a:r>
           </a:p>
           <a:p>
-            <a:r>
-              <a:rPr lang="en-US" dirty="0"/>
-              <a:t>Tod Motto Angular style guide </a:t>
-            </a:r>
+            <a:pPr lvl="1"/>
             <a:r>
               <a:rPr lang="en-US" dirty="0">
                 <a:hlinkClick r:id="rId4"/>
+              </a:rPr>
+              <a:t>https://github.com/Farata/angular2typescript</a:t>
+            </a:r>
+            <a:endParaRPr lang="en-US" dirty="0"/>
+          </a:p>
+          <a:p>
+            <a:pPr lvl="1"/>
+            <a:r>
+              <a:rPr lang="en-US" dirty="0"/>
+              <a:t>Terrific book, terrific examples, worth buying for personal use.</a:t>
+            </a:r>
+          </a:p>
+          <a:p>
+            <a:r>
+              <a:rPr lang="en-US" dirty="0"/>
+              <a:t>Tod Motto Angular style guide </a:t>
+            </a:r>
+            <a:r>
+              <a:rPr lang="en-US" dirty="0">
+                <a:hlinkClick r:id="rId5"/>
               </a:rPr>
               <a:t>https://github.com/toddmotto/angular-styleguide</a:t>
             </a:r>
@@ -7530,6 +7895,12 @@
           <a:p>
             <a:r>
               <a:rPr lang="en-US" dirty="0"/>
+              <a:t>Single Page Application (Just Data Please!!!)</a:t>
+            </a:r>
+          </a:p>
+          <a:p>
+            <a:r>
+              <a:rPr lang="en-US" dirty="0"/>
               <a:t>Dependency Injection</a:t>
             </a:r>
           </a:p>
@@ -7627,13 +7998,13 @@
         <p:spPr/>
         <p:txBody>
           <a:bodyPr>
-            <a:normAutofit lnSpcReduction="10000"/>
+            <a:normAutofit fontScale="92500" lnSpcReduction="10000"/>
           </a:bodyPr>
           <a:lstStyle/>
           <a:p>
             <a:r>
               <a:rPr lang="en-US" dirty="0"/>
-              <a:t>Components </a:t>
+              <a:t>Components (no controllers now) </a:t>
             </a:r>
           </a:p>
           <a:p>
@@ -7644,9 +8015,10 @@
             </a:r>
           </a:p>
           <a:p>
-            <a:r>
-              <a:rPr lang="en-US" dirty="0"/>
-              <a:t>More coupling, not less, of UI (HTML) with JS (Typescript </a:t>
+            <a:pPr lvl="1"/>
+            <a:r>
+              <a:rPr lang="en-US" dirty="0"/>
+              <a:t>More coupling, yes more/not less, of UI (HTML) with JS (Typescript </a:t>
             </a:r>
             <a:r>
               <a:rPr lang="en-US" dirty="0" err="1"/>
@@ -7668,13 +8040,16 @@
           <a:p>
             <a:r>
               <a:rPr lang="en-US" dirty="0"/>
-              <a:t>Typescript – </a:t>
+              <a:t>Typescript – “</a:t>
             </a:r>
             <a:r>
               <a:rPr lang="en-US" dirty="0" err="1"/>
               <a:t>transpiling</a:t>
             </a:r>
-            <a:endParaRPr lang="en-US" dirty="0"/>
+            <a:r>
+              <a:rPr lang="en-US" dirty="0"/>
+              <a:t>”</a:t>
+            </a:r>
           </a:p>
           <a:p>
             <a:pPr lvl="1"/>
@@ -7686,17 +8061,27 @@
           <a:p>
             <a:r>
               <a:rPr lang="en-US" dirty="0"/>
+              <a:t>AOT Compiling – ahead of time  </a:t>
+            </a:r>
+            <a:r>
+              <a:rPr lang="en-US" i="1" dirty="0">
+                <a:solidFill>
+                  <a:srgbClr val="FFC000"/>
+                </a:solidFill>
+              </a:rPr>
+              <a:t>(next important)</a:t>
+            </a:r>
+          </a:p>
+          <a:p>
+            <a:r>
+              <a:rPr lang="en-US" dirty="0"/>
               <a:t>One way binding, getting rid of Angular 1, two-way data binding</a:t>
             </a:r>
           </a:p>
           <a:p>
             <a:r>
-              <a:rPr lang="en-US" dirty="0" err="1"/>
-              <a:t>MicroSoft</a:t>
-            </a:r>
-            <a:r>
-              <a:rPr lang="en-US" dirty="0"/>
-              <a:t> is now your friend</a:t>
+              <a:rPr lang="en-US" dirty="0"/>
+              <a:t>Microsoft is now your friend</a:t>
             </a:r>
           </a:p>
           <a:p>
@@ -7742,6 +8127,22 @@
               </a:rPr>
               <a:t>)</a:t>
             </a:r>
+          </a:p>
+          <a:p>
+            <a:pPr lvl="1"/>
+            <a:endParaRPr lang="en-US" i="1" dirty="0">
+              <a:solidFill>
+                <a:srgbClr val="FFC000"/>
+              </a:solidFill>
+            </a:endParaRPr>
+          </a:p>
+          <a:p>
+            <a:pPr lvl="1"/>
+            <a:endParaRPr lang="en-US" i="1" dirty="0">
+              <a:solidFill>
+                <a:srgbClr val="FFC000"/>
+              </a:solidFill>
+            </a:endParaRPr>
           </a:p>
           <a:p>
             <a:endParaRPr lang="en-US" dirty="0"/>
@@ -7795,7 +8196,7 @@
           <a:p>
             <a:r>
               <a:rPr lang="en-US" dirty="0"/>
-              <a:t>Testing</a:t>
+              <a:t>CLI</a:t>
             </a:r>
           </a:p>
         </p:txBody>
@@ -7812,138 +8213,76 @@
         </p:nvSpPr>
         <p:spPr/>
         <p:txBody>
-          <a:bodyPr/>
-          <a:lstStyle/>
-          <a:p>
-            <a:r>
-              <a:rPr lang="en-US" dirty="0"/>
-              <a:t>Protractor (testing in actual browser)</a:t>
-            </a:r>
-          </a:p>
-          <a:p>
-            <a:pPr lvl="1"/>
+          <a:bodyPr>
+            <a:normAutofit/>
+          </a:bodyPr>
+          <a:lstStyle/>
+          <a:p>
+            <a:r>
+              <a:rPr lang="en-US" dirty="0"/>
+              <a:t>https://github.com/angular/angular-cli</a:t>
+            </a:r>
+          </a:p>
+          <a:p>
+            <a:r>
+              <a:rPr lang="en-US" dirty="0"/>
+              <a:t>command-line interface for automating an application’s creation, testing, and deployment. </a:t>
+            </a:r>
+          </a:p>
+          <a:p>
+            <a:r>
+              <a:rPr lang="en-US" dirty="0"/>
+              <a:t>Angular CLI uses </a:t>
+            </a:r>
             <a:r>
               <a:rPr lang="en-US" dirty="0" err="1"/>
-              <a:t>PhantomJS</a:t>
-            </a:r>
-            <a:r>
-              <a:rPr lang="en-US" dirty="0"/>
-              <a:t> (super cool, but based on version on </a:t>
-            </a:r>
-            <a:r>
-              <a:rPr lang="en-US" dirty="0" err="1"/>
-              <a:t>Webkit</a:t>
-            </a:r>
-            <a:r>
-              <a:rPr lang="en-US" dirty="0"/>
-              <a:t> that cannot </a:t>
-            </a:r>
-            <a:r>
-              <a:rPr lang="en-US" dirty="0" err="1"/>
-              <a:t>polyfill</a:t>
-            </a:r>
-            <a:r>
-              <a:rPr lang="en-US" dirty="0"/>
-              <a:t> for web components)</a:t>
-            </a:r>
-          </a:p>
-          <a:p>
-            <a:r>
-              <a:rPr lang="en-US" dirty="0"/>
-              <a:t>Standard Mocha, Jasmine</a:t>
-            </a:r>
-          </a:p>
-          <a:p>
-            <a:r>
-              <a:rPr lang="en-US" dirty="0"/>
-              <a:t>E2E – its (selenium underneath!) but written in JS</a:t>
-            </a:r>
-            <a:endParaRPr lang="en-US" i="1" dirty="0">
-              <a:solidFill>
-                <a:srgbClr val="FFC000"/>
-              </a:solidFill>
-            </a:endParaRPr>
-          </a:p>
-          <a:p>
-            <a:r>
-              <a:rPr lang="en-US" i="1" dirty="0">
+              <a:t>Webpack</a:t>
+            </a:r>
+            <a:r>
+              <a:rPr lang="en-US" dirty="0"/>
+              <a:t> bundler.</a:t>
+            </a:r>
+          </a:p>
+          <a:p>
+            <a:r>
+              <a:rPr lang="en-US" dirty="0" err="1">
                 <a:solidFill>
                   <a:schemeClr val="tx1"/>
                 </a:solidFill>
               </a:rPr>
-              <a:t>Note: start with ready made (auction/tour of </a:t>
-            </a:r>
-            <a:r>
-              <a:rPr lang="en-US" i="1" dirty="0" err="1">
+              <a:t>npm</a:t>
+            </a:r>
+            <a:r>
+              <a:rPr lang="en-US" dirty="0">
                 <a:solidFill>
                   <a:schemeClr val="tx1"/>
                 </a:solidFill>
               </a:rPr>
-              <a:t>heros</a:t>
-            </a:r>
-            <a:r>
-              <a:rPr lang="en-US" i="1" dirty="0">
+              <a:t> install -g angular-cli</a:t>
+            </a:r>
+          </a:p>
+          <a:p>
+            <a:r>
+              <a:rPr lang="en-US" dirty="0">
                 <a:solidFill>
                   <a:schemeClr val="tx1"/>
                 </a:solidFill>
               </a:rPr>
-              <a:t>) and work from back point to demo points and back to original point</a:t>
-            </a:r>
-          </a:p>
-          <a:p>
-            <a:r>
-              <a:rPr lang="en-US" i="1" dirty="0">
-                <a:solidFill>
-                  <a:srgbClr val="FFC000"/>
-                </a:solidFill>
-              </a:rPr>
-              <a:t>(interactive go to </a:t>
-            </a:r>
-            <a:r>
-              <a:rPr lang="en-US" i="1" dirty="0" err="1">
-                <a:solidFill>
-                  <a:srgbClr val="FFC000"/>
-                </a:solidFill>
-              </a:rPr>
-              <a:t>WebStorm</a:t>
-            </a:r>
-            <a:r>
-              <a:rPr lang="en-US" i="1" dirty="0">
-                <a:solidFill>
-                  <a:srgbClr val="FFC000"/>
-                </a:solidFill>
-              </a:rPr>
-              <a:t> – show </a:t>
-            </a:r>
-            <a:r>
-              <a:rPr lang="en-US" i="1" dirty="0" err="1">
-                <a:solidFill>
-                  <a:srgbClr val="FFC000"/>
-                </a:solidFill>
-              </a:rPr>
-              <a:t>ut</a:t>
-            </a:r>
-            <a:r>
-              <a:rPr lang="en-US" i="1" dirty="0">
-                <a:solidFill>
-                  <a:srgbClr val="FFC000"/>
-                </a:solidFill>
-              </a:rPr>
-              <a:t>, e2e)</a:t>
-            </a:r>
-          </a:p>
-          <a:p>
-            <a:endParaRPr lang="en-US" dirty="0"/>
-          </a:p>
-          <a:p>
-            <a:endParaRPr lang="en-US" dirty="0"/>
+              <a:t>generate new Angular projects, components, services, and routes, as well as build the application for deployment.</a:t>
+            </a:r>
+          </a:p>
+          <a:p>
+            <a:r>
+              <a:rPr lang="en-US" dirty="0"/>
+              <a:t>scaffolding</a:t>
+            </a:r>
           </a:p>
         </p:txBody>
       </p:sp>
     </p:spTree>
     <p:extLst>
       <p:ext uri="{BB962C8B-B14F-4D97-AF65-F5344CB8AC3E}">
-        <p14:creationId xmlns:p14="http://schemas.microsoft.com/office/powerpoint/2010/main" val="4041484452"/>
+        <p14:creationId xmlns:p14="http://schemas.microsoft.com/office/powerpoint/2010/main" val="3983624792"/>
       </p:ext>
     </p:extLst>
   </p:cSld>
@@ -7987,7 +8326,7 @@
           <a:p>
             <a:r>
               <a:rPr lang="en-US" dirty="0"/>
-              <a:t>Components</a:t>
+              <a:t>New Concepts cont. - with AUT</a:t>
             </a:r>
           </a:p>
         </p:txBody>
@@ -8004,81 +8343,96 @@
         </p:nvSpPr>
         <p:spPr/>
         <p:txBody>
-          <a:bodyPr/>
-          <a:lstStyle/>
-          <a:p>
-            <a:r>
-              <a:rPr lang="en-US" i="1" dirty="0">
-                <a:solidFill>
-                  <a:schemeClr val="tx1"/>
-                </a:solidFill>
-              </a:rPr>
-              <a:t>Lets scaffold our component with CLI.</a:t>
-            </a:r>
-          </a:p>
-          <a:p>
-            <a:r>
-              <a:rPr lang="en-US" i="1" dirty="0">
-                <a:solidFill>
-                  <a:schemeClr val="tx1"/>
-                </a:solidFill>
-              </a:rPr>
-              <a:t>Lets unit test.</a:t>
-            </a:r>
-          </a:p>
-          <a:p>
-            <a:r>
-              <a:rPr lang="en-US" i="1" dirty="0">
-                <a:solidFill>
-                  <a:schemeClr val="tx1"/>
-                </a:solidFill>
-              </a:rPr>
-              <a:t>Lets write the component.</a:t>
-            </a:r>
-          </a:p>
-          <a:p>
-            <a:r>
-              <a:rPr lang="en-US" i="1" dirty="0">
-                <a:solidFill>
-                  <a:srgbClr val="FFC000"/>
-                </a:solidFill>
-              </a:rPr>
-              <a:t>(interactive go to </a:t>
-            </a:r>
-            <a:r>
-              <a:rPr lang="en-US" i="1" dirty="0" err="1">
-                <a:solidFill>
-                  <a:srgbClr val="FFC000"/>
-                </a:solidFill>
-              </a:rPr>
-              <a:t>WebStorm</a:t>
-            </a:r>
-            <a:r>
-              <a:rPr lang="en-US" i="1" dirty="0">
-                <a:solidFill>
-                  <a:srgbClr val="FFC000"/>
-                </a:solidFill>
-              </a:rPr>
-              <a:t> – show </a:t>
-            </a:r>
-            <a:r>
-              <a:rPr lang="en-US" i="1" dirty="0" err="1">
-                <a:solidFill>
-                  <a:srgbClr val="FFC000"/>
-                </a:solidFill>
-              </a:rPr>
-              <a:t>ut</a:t>
-            </a:r>
-            <a:r>
-              <a:rPr lang="en-US" i="1" dirty="0">
-                <a:solidFill>
-                  <a:srgbClr val="FFC000"/>
-                </a:solidFill>
-              </a:rPr>
-              <a:t>, e2e)</a:t>
-            </a:r>
-          </a:p>
-          <a:p>
+          <a:bodyPr>
+            <a:normAutofit fontScale="92500" lnSpcReduction="10000"/>
+          </a:bodyPr>
+          <a:lstStyle/>
+          <a:p>
+            <a:r>
+              <a:rPr lang="en-US" dirty="0"/>
+              <a:t>Ahead of Time Compilation (very important to go prod)</a:t>
+            </a:r>
+          </a:p>
+          <a:p>
+            <a:r>
+              <a:rPr lang="en-US" dirty="0"/>
+              <a:t>w/o it performance worse, security worse</a:t>
+            </a:r>
+          </a:p>
+          <a:p>
+            <a:r>
+              <a:rPr lang="en-US" dirty="0"/>
+              <a:t>compiles to factory (lower level than React and Angular to work together) so that can instantiate your app</a:t>
+            </a:r>
+          </a:p>
+          <a:p>
+            <a:r>
+              <a:rPr lang="en-US" dirty="0"/>
+              <a:t>wanted for  Angular 1 but couldn’t so onto Angular 2</a:t>
+            </a:r>
+          </a:p>
+          <a:p>
+            <a:r>
+              <a:rPr lang="en-US" dirty="0"/>
+              <a:t>will always be being optimized (faster, code produced smaller) by Angular team </a:t>
+            </a:r>
+          </a:p>
+          <a:p>
+            <a:r>
+              <a:rPr lang="en-US" dirty="0"/>
+              <a:t>App bootstrap faster (already compiled component) </a:t>
+            </a:r>
+          </a:p>
+          <a:p>
+            <a:r>
+              <a:rPr lang="en-US" dirty="0"/>
+              <a:t>Bandwidth need  lowered</a:t>
+            </a:r>
+          </a:p>
+          <a:p>
+            <a:r>
+              <a:rPr lang="en-US" dirty="0"/>
+              <a:t>Security increase</a:t>
+            </a:r>
+          </a:p>
+          <a:p>
+            <a:pPr lvl="1"/>
+            <a:r>
+              <a:rPr lang="en-US"/>
+              <a:t>Ex. Eval</a:t>
+            </a:r>
+            <a:r>
+              <a:rPr lang="en-US" dirty="0"/>
+              <a:t> in browser (open to attacks inject, </a:t>
+            </a:r>
+            <a:r>
+              <a:rPr lang="en-US" dirty="0" err="1"/>
+              <a:t>eval</a:t>
+            </a:r>
+            <a:r>
+              <a:rPr lang="en-US" dirty="0"/>
+              <a:t> attackers code)</a:t>
+            </a:r>
+          </a:p>
+          <a:p>
+            <a:pPr lvl="1"/>
+            <a:r>
+              <a:rPr lang="en-US" dirty="0"/>
+              <a:t>With AUT no </a:t>
+            </a:r>
+            <a:r>
+              <a:rPr lang="en-US" dirty="0" err="1"/>
+              <a:t>Eval</a:t>
+            </a:r>
+            <a:r>
+              <a:rPr lang="en-US" dirty="0"/>
+              <a:t> in browser </a:t>
+            </a:r>
+          </a:p>
+          <a:p>
+            <a:pPr marL="0" indent="0">
+              <a:buNone/>
+            </a:pPr>
             <a:endParaRPr lang="en-US" dirty="0"/>
           </a:p>
         </p:txBody>
@@ -8086,7 +8440,7 @@
     </p:spTree>
     <p:extLst>
       <p:ext uri="{BB962C8B-B14F-4D97-AF65-F5344CB8AC3E}">
-        <p14:creationId xmlns:p14="http://schemas.microsoft.com/office/powerpoint/2010/main" val="199657330"/>
+        <p14:creationId xmlns:p14="http://schemas.microsoft.com/office/powerpoint/2010/main" val="484347617"/>
       </p:ext>
     </p:extLst>
   </p:cSld>
@@ -8130,7 +8484,7 @@
           <a:p>
             <a:r>
               <a:rPr lang="en-US" dirty="0"/>
-              <a:t>Services</a:t>
+              <a:t>Testing</a:t>
             </a:r>
           </a:p>
         </p:txBody>
@@ -8147,124 +8501,128 @@
         </p:nvSpPr>
         <p:spPr/>
         <p:txBody>
-          <a:bodyPr>
-            <a:normAutofit fontScale="85000" lnSpcReduction="20000"/>
-          </a:bodyPr>
-          <a:lstStyle/>
-          <a:p>
-            <a:r>
-              <a:rPr lang="en-US" dirty="0"/>
-              <a:t>All angular services are singletons</a:t>
-            </a:r>
-          </a:p>
-          <a:p>
-            <a:r>
-              <a:rPr lang="en-US" dirty="0"/>
-              <a:t>Services are similar to factories, so use always use factories for consistency</a:t>
-            </a:r>
-          </a:p>
-          <a:p>
-            <a:pPr marL="0" indent="0">
-              <a:buNone/>
-            </a:pPr>
-            <a:r>
-              <a:rPr lang="en-US" dirty="0"/>
-              <a:t> // service</a:t>
-            </a:r>
-          </a:p>
-          <a:p>
-            <a:pPr marL="0" indent="0">
-              <a:buNone/>
-            </a:pPr>
-            <a:r>
-              <a:rPr lang="en-US" dirty="0"/>
-              <a:t>angular</a:t>
-            </a:r>
-          </a:p>
-          <a:p>
-            <a:pPr marL="0" indent="0">
-              <a:buNone/>
-            </a:pPr>
-            <a:r>
-              <a:rPr lang="en-US" dirty="0"/>
-              <a:t>    .module('app')</a:t>
-            </a:r>
-          </a:p>
-          <a:p>
-            <a:pPr marL="0" indent="0">
-              <a:buNone/>
-            </a:pPr>
-            <a:r>
-              <a:rPr lang="en-US" dirty="0"/>
-              <a:t>    .service('logger', logger);</a:t>
-            </a:r>
-          </a:p>
-          <a:p>
-            <a:pPr marL="0" indent="0">
-              <a:buNone/>
-            </a:pPr>
-            <a:endParaRPr lang="en-US" dirty="0"/>
-          </a:p>
-          <a:p>
-            <a:pPr marL="0" indent="0">
-              <a:buNone/>
-            </a:pPr>
-            <a:r>
-              <a:rPr lang="en-US" dirty="0"/>
-              <a:t>function logger() {</a:t>
-            </a:r>
-          </a:p>
-          <a:p>
-            <a:pPr marL="0" indent="0">
-              <a:buNone/>
-            </a:pPr>
-            <a:r>
-              <a:rPr lang="en-US" dirty="0"/>
-              <a:t>  </a:t>
-            </a:r>
+          <a:bodyPr/>
+          <a:lstStyle/>
+          <a:p>
+            <a:r>
+              <a:rPr lang="en-US" dirty="0"/>
+              <a:t>Protractor (testing in actual browser)</a:t>
+            </a:r>
+          </a:p>
+          <a:p>
+            <a:pPr lvl="1"/>
             <a:r>
               <a:rPr lang="en-US" dirty="0" err="1"/>
-              <a:t>this.logError</a:t>
-            </a:r>
-            <a:r>
-              <a:rPr lang="en-US" dirty="0"/>
-              <a:t> = function(</a:t>
+              <a:t>PhantomJS</a:t>
+            </a:r>
+            <a:r>
+              <a:rPr lang="en-US" dirty="0"/>
+              <a:t> (super cool, but based on version on </a:t>
             </a:r>
             <a:r>
               <a:rPr lang="en-US" dirty="0" err="1"/>
-              <a:t>msg</a:t>
-            </a:r>
-            <a:r>
-              <a:rPr lang="en-US" dirty="0"/>
-              <a:t>) {</a:t>
-            </a:r>
-          </a:p>
-          <a:p>
-            <a:pPr marL="0" indent="0">
-              <a:buNone/>
-            </a:pPr>
-            <a:r>
-              <a:rPr lang="en-US" dirty="0"/>
-              <a:t>    /* */</a:t>
-            </a:r>
-          </a:p>
-          <a:p>
-            <a:pPr marL="0" indent="0">
-              <a:buNone/>
-            </a:pPr>
-            <a:r>
-              <a:rPr lang="en-US" dirty="0"/>
-              <a:t>  };</a:t>
-            </a:r>
-          </a:p>
-          <a:p>
-            <a:pPr marL="0" indent="0">
-              <a:buNone/>
-            </a:pPr>
-            <a:r>
-              <a:rPr lang="en-US" dirty="0"/>
-              <a:t>}</a:t>
-            </a:r>
+              <a:t>Webkit</a:t>
+            </a:r>
+            <a:r>
+              <a:rPr lang="en-US" dirty="0"/>
+              <a:t> that cannot </a:t>
+            </a:r>
+            <a:r>
+              <a:rPr lang="en-US" dirty="0" err="1"/>
+              <a:t>polyfill</a:t>
+            </a:r>
+            <a:r>
+              <a:rPr lang="en-US" dirty="0"/>
+              <a:t> for web components)</a:t>
+            </a:r>
+          </a:p>
+          <a:p>
+            <a:r>
+              <a:rPr lang="en-US" dirty="0"/>
+              <a:t>Standard Mocha, Jasmine</a:t>
+            </a:r>
+          </a:p>
+          <a:p>
+            <a:r>
+              <a:rPr lang="en-US" dirty="0"/>
+              <a:t>E2E – its (selenium underneath!) but written in JS</a:t>
+            </a:r>
+            <a:endParaRPr lang="en-US" i="1" dirty="0">
+              <a:solidFill>
+                <a:srgbClr val="FFC000"/>
+              </a:solidFill>
+            </a:endParaRPr>
+          </a:p>
+          <a:p>
+            <a:r>
+              <a:rPr lang="en-US" i="1" dirty="0">
+                <a:solidFill>
+                  <a:schemeClr val="tx1"/>
+                </a:solidFill>
+              </a:rPr>
+              <a:t>Note: start with ready made (auction/tour of </a:t>
+            </a:r>
+            <a:r>
+              <a:rPr lang="en-US" i="1" dirty="0" err="1">
+                <a:solidFill>
+                  <a:schemeClr val="tx1"/>
+                </a:solidFill>
+              </a:rPr>
+              <a:t>hereos</a:t>
+            </a:r>
+            <a:r>
+              <a:rPr lang="en-US" i="1" dirty="0">
+                <a:solidFill>
+                  <a:schemeClr val="tx1"/>
+                </a:solidFill>
+              </a:rPr>
+              <a:t>) and work from back point to demo points and back to original point</a:t>
+            </a:r>
+          </a:p>
+          <a:p>
+            <a:r>
+              <a:rPr lang="en-US" i="1" dirty="0">
+                <a:solidFill>
+                  <a:srgbClr val="FFC000"/>
+                </a:solidFill>
+              </a:rPr>
+              <a:t>(interactive go to </a:t>
+            </a:r>
+            <a:r>
+              <a:rPr lang="en-US" i="1" dirty="0" err="1">
+                <a:solidFill>
+                  <a:srgbClr val="FFC000"/>
+                </a:solidFill>
+              </a:rPr>
+              <a:t>WebStorm</a:t>
+            </a:r>
+            <a:r>
+              <a:rPr lang="en-US" i="1" dirty="0">
+                <a:solidFill>
+                  <a:srgbClr val="FFC000"/>
+                </a:solidFill>
+              </a:rPr>
+              <a:t> – show </a:t>
+            </a:r>
+            <a:r>
+              <a:rPr lang="en-US" i="1" dirty="0" err="1">
+                <a:solidFill>
+                  <a:srgbClr val="FFC000"/>
+                </a:solidFill>
+              </a:rPr>
+              <a:t>ut</a:t>
+            </a:r>
+            <a:r>
+              <a:rPr lang="en-US" i="1" dirty="0">
+                <a:solidFill>
+                  <a:srgbClr val="FFC000"/>
+                </a:solidFill>
+              </a:rPr>
+              <a:t>, e2e)</a:t>
+            </a:r>
+          </a:p>
+          <a:p>
+            <a:endParaRPr lang="en-US" dirty="0"/>
           </a:p>
           <a:p>
             <a:endParaRPr lang="en-US" dirty="0"/>
@@ -8274,7 +8632,7 @@
     </p:spTree>
     <p:extLst>
       <p:ext uri="{BB962C8B-B14F-4D97-AF65-F5344CB8AC3E}">
-        <p14:creationId xmlns:p14="http://schemas.microsoft.com/office/powerpoint/2010/main" val="2325221207"/>
+        <p14:creationId xmlns:p14="http://schemas.microsoft.com/office/powerpoint/2010/main" val="4041484452"/>
       </p:ext>
     </p:extLst>
   </p:cSld>
@@ -8311,23 +8669,14 @@
             <p:ph type="title"/>
           </p:nvPr>
         </p:nvSpPr>
-        <p:spPr>
-          <a:xfrm>
-            <a:off x="677334" y="609600"/>
-            <a:ext cx="8596668" cy="828583"/>
-          </a:xfrm>
-        </p:spPr>
+        <p:spPr/>
         <p:txBody>
           <a:bodyPr/>
           <a:lstStyle/>
           <a:p>
             <a:r>
               <a:rPr lang="en-US" dirty="0"/>
-              <a:t>Data Services </a:t>
-            </a:r>
-            <a:r>
-              <a:rPr lang="en-US" sz="1200" dirty="0"/>
-              <a:t>(still applicable spring demo slide)</a:t>
+              <a:t>Components</a:t>
             </a:r>
           </a:p>
         </p:txBody>
@@ -8348,36 +8697,75 @@
           <a:lstStyle/>
           <a:p>
             <a:r>
-              <a:rPr lang="en-US" dirty="0"/>
-              <a:t>Refactor logic for making data operations and interacting with data to a factory</a:t>
-            </a:r>
-          </a:p>
-          <a:p>
-            <a:r>
-              <a:rPr lang="en-US" dirty="0"/>
-              <a:t>Data services are responsible for XHR calls, local storage</a:t>
-            </a:r>
-          </a:p>
-          <a:p>
-            <a:r>
-              <a:rPr lang="en-US" dirty="0"/>
-              <a:t>The controllers responsibility is to collect information for the view, It should not care on how it gets its data.</a:t>
-            </a:r>
-          </a:p>
-          <a:p>
-            <a:r>
-              <a:rPr lang="en-US" dirty="0"/>
-              <a:t>Data services are easier to mock</a:t>
-            </a:r>
-          </a:p>
-          <a:p>
-            <a:r>
-              <a:rPr lang="en-US" dirty="0"/>
-              <a:t>The handling of headers and $http related code is moved to data services</a:t>
-            </a:r>
-          </a:p>
-          <a:p>
-            <a:endParaRPr lang="en-US" dirty="0"/>
+              <a:rPr lang="en-US" i="1" dirty="0">
+                <a:solidFill>
+                  <a:schemeClr val="tx1"/>
+                </a:solidFill>
+              </a:rPr>
+              <a:t>Lets scaffold our component with CLI.</a:t>
+            </a:r>
+          </a:p>
+          <a:p>
+            <a:r>
+              <a:rPr lang="en-US" i="1" dirty="0">
+                <a:solidFill>
+                  <a:schemeClr val="tx1"/>
+                </a:solidFill>
+              </a:rPr>
+              <a:t>Lets unit test.</a:t>
+            </a:r>
+          </a:p>
+          <a:p>
+            <a:r>
+              <a:rPr lang="en-US" i="1" dirty="0">
+                <a:solidFill>
+                  <a:schemeClr val="tx1"/>
+                </a:solidFill>
+              </a:rPr>
+              <a:t>Lets write the component.</a:t>
+            </a:r>
+          </a:p>
+          <a:p>
+            <a:r>
+              <a:rPr lang="en-US" i="1" dirty="0">
+                <a:solidFill>
+                  <a:srgbClr val="FFC000"/>
+                </a:solidFill>
+              </a:rPr>
+              <a:t>(interactive go to </a:t>
+            </a:r>
+            <a:r>
+              <a:rPr lang="en-US" i="1" dirty="0" err="1">
+                <a:solidFill>
+                  <a:srgbClr val="FFC000"/>
+                </a:solidFill>
+              </a:rPr>
+              <a:t>WebStorm</a:t>
+            </a:r>
+            <a:r>
+              <a:rPr lang="en-US" i="1" dirty="0">
+                <a:solidFill>
+                  <a:srgbClr val="FFC000"/>
+                </a:solidFill>
+              </a:rPr>
+              <a:t> – show </a:t>
+            </a:r>
+            <a:r>
+              <a:rPr lang="en-US" i="1" dirty="0" err="1">
+                <a:solidFill>
+                  <a:srgbClr val="FFC000"/>
+                </a:solidFill>
+              </a:rPr>
+              <a:t>ut</a:t>
+            </a:r>
+            <a:r>
+              <a:rPr lang="en-US" i="1" dirty="0">
+                <a:solidFill>
+                  <a:srgbClr val="FFC000"/>
+                </a:solidFill>
+              </a:rPr>
+              <a:t>, e2e)</a:t>
+            </a:r>
           </a:p>
           <a:p>
             <a:endParaRPr lang="en-US" dirty="0"/>
@@ -8387,7 +8775,7 @@
     </p:spTree>
     <p:extLst>
       <p:ext uri="{BB962C8B-B14F-4D97-AF65-F5344CB8AC3E}">
-        <p14:creationId xmlns:p14="http://schemas.microsoft.com/office/powerpoint/2010/main" val="2981485233"/>
+        <p14:creationId xmlns:p14="http://schemas.microsoft.com/office/powerpoint/2010/main" val="199657330"/>
       </p:ext>
     </p:extLst>
   </p:cSld>

--- a/Angular 2 with TypeScript cont of MontJUG Spring Demo.pptx
+++ b/Angular 2 with TypeScript cont of MontJUG Spring Demo.pptx
@@ -5,7 +5,7 @@
     <p:sldMasterId id="2147483648" r:id="rId1"/>
   </p:sldMasterIdLst>
   <p:notesMasterIdLst>
-    <p:notesMasterId r:id="rId20"/>
+    <p:notesMasterId r:id="rId21"/>
   </p:notesMasterIdLst>
   <p:sldIdLst>
     <p:sldId id="256" r:id="rId2"/>
@@ -21,11 +21,12 @@
     <p:sldId id="273" r:id="rId12"/>
     <p:sldId id="259" r:id="rId13"/>
     <p:sldId id="261" r:id="rId14"/>
-    <p:sldId id="281" r:id="rId15"/>
-    <p:sldId id="288" r:id="rId16"/>
-    <p:sldId id="286" r:id="rId17"/>
-    <p:sldId id="282" r:id="rId18"/>
-    <p:sldId id="283" r:id="rId19"/>
+    <p:sldId id="295" r:id="rId15"/>
+    <p:sldId id="281" r:id="rId16"/>
+    <p:sldId id="288" r:id="rId17"/>
+    <p:sldId id="286" r:id="rId18"/>
+    <p:sldId id="282" r:id="rId19"/>
+    <p:sldId id="283" r:id="rId20"/>
   </p:sldIdLst>
   <p:sldSz cx="12192000" cy="6858000"/>
   <p:notesSz cx="6858000" cy="9144000"/>
@@ -214,7 +215,7 @@
           <a:p>
             <a:fld id="{98B30BD4-7B47-4D4E-AB60-DE698FEDA9C7}" type="datetimeFigureOut">
               <a:rPr lang="en-US" smtClean="0"/>
-              <a:t>11/13/2016</a:t>
+              <a:t>11/15/2016</a:t>
             </a:fld>
             <a:endParaRPr lang="en-US"/>
           </a:p>
@@ -1204,7 +1205,7 @@
             <a:fld id="{B61BEF0D-F0BB-DE4B-95CE-6DB70DBA9567}" type="datetimeFigureOut">
               <a:rPr lang="en-US" dirty="0"/>
               <a:pPr/>
-              <a:t>11/13/2016</a:t>
+              <a:t>11/15/2016</a:t>
             </a:fld>
             <a:endParaRPr lang="en-US" dirty="0"/>
           </a:p>
@@ -1452,7 +1453,7 @@
             <a:fld id="{B61BEF0D-F0BB-DE4B-95CE-6DB70DBA9567}" type="datetimeFigureOut">
               <a:rPr lang="en-US" dirty="0"/>
               <a:pPr/>
-              <a:t>11/13/2016</a:t>
+              <a:t>11/15/2016</a:t>
             </a:fld>
             <a:endParaRPr lang="en-US" dirty="0"/>
           </a:p>
@@ -1763,7 +1764,7 @@
             <a:fld id="{B61BEF0D-F0BB-DE4B-95CE-6DB70DBA9567}" type="datetimeFigureOut">
               <a:rPr lang="en-US" dirty="0"/>
               <a:pPr/>
-              <a:t>11/13/2016</a:t>
+              <a:t>11/15/2016</a:t>
             </a:fld>
             <a:endParaRPr lang="en-US" dirty="0"/>
           </a:p>
@@ -2101,7 +2102,7 @@
             <a:fld id="{B61BEF0D-F0BB-DE4B-95CE-6DB70DBA9567}" type="datetimeFigureOut">
               <a:rPr lang="en-US" dirty="0"/>
               <a:pPr/>
-              <a:t>11/13/2016</a:t>
+              <a:t>11/15/2016</a:t>
             </a:fld>
             <a:endParaRPr lang="en-US" dirty="0"/>
           </a:p>
@@ -2412,7 +2413,7 @@
             <a:fld id="{B61BEF0D-F0BB-DE4B-95CE-6DB70DBA9567}" type="datetimeFigureOut">
               <a:rPr lang="en-US" dirty="0"/>
               <a:pPr/>
-              <a:t>11/13/2016</a:t>
+              <a:t>11/15/2016</a:t>
             </a:fld>
             <a:endParaRPr lang="en-US" dirty="0"/>
           </a:p>
@@ -2802,7 +2803,7 @@
             <a:fld id="{B61BEF0D-F0BB-DE4B-95CE-6DB70DBA9567}" type="datetimeFigureOut">
               <a:rPr lang="en-US" dirty="0"/>
               <a:pPr/>
-              <a:t>11/13/2016</a:t>
+              <a:t>11/15/2016</a:t>
             </a:fld>
             <a:endParaRPr lang="en-US" dirty="0"/>
           </a:p>
@@ -2968,7 +2969,7 @@
           <a:p>
             <a:fld id="{55C6B4A9-1611-4792-9094-5F34BCA07E0B}" type="datetimeFigureOut">
               <a:rPr lang="en-US" dirty="0"/>
-              <a:t>11/13/2016</a:t>
+              <a:t>11/15/2016</a:t>
             </a:fld>
             <a:endParaRPr lang="en-US" dirty="0"/>
           </a:p>
@@ -3144,7 +3145,7 @@
             <a:fld id="{B61BEF0D-F0BB-DE4B-95CE-6DB70DBA9567}" type="datetimeFigureOut">
               <a:rPr lang="en-US" dirty="0"/>
               <a:pPr/>
-              <a:t>11/13/2016</a:t>
+              <a:t>11/15/2016</a:t>
             </a:fld>
             <a:endParaRPr lang="en-US" dirty="0"/>
           </a:p>
@@ -3317,7 +3318,7 @@
             <a:fld id="{B61BEF0D-F0BB-DE4B-95CE-6DB70DBA9567}" type="datetimeFigureOut">
               <a:rPr lang="en-US" dirty="0"/>
               <a:pPr/>
-              <a:t>11/13/2016</a:t>
+              <a:t>11/15/2016</a:t>
             </a:fld>
             <a:endParaRPr lang="en-US" dirty="0"/>
           </a:p>
@@ -3561,7 +3562,7 @@
             <a:fld id="{B61BEF0D-F0BB-DE4B-95CE-6DB70DBA9567}" type="datetimeFigureOut">
               <a:rPr lang="en-US" dirty="0"/>
               <a:pPr/>
-              <a:t>11/13/2016</a:t>
+              <a:t>11/15/2016</a:t>
             </a:fld>
             <a:endParaRPr lang="en-US" dirty="0"/>
           </a:p>
@@ -3789,7 +3790,7 @@
           <a:p>
             <a:fld id="{EB712588-04B1-427B-82EE-E8DB90309F08}" type="datetimeFigureOut">
               <a:rPr lang="en-US" dirty="0"/>
-              <a:t>11/13/2016</a:t>
+              <a:t>11/15/2016</a:t>
             </a:fld>
             <a:endParaRPr lang="en-US" dirty="0"/>
           </a:p>
@@ -4159,7 +4160,7 @@
             <a:fld id="{B61BEF0D-F0BB-DE4B-95CE-6DB70DBA9567}" type="datetimeFigureOut">
               <a:rPr lang="en-US" dirty="0"/>
               <a:pPr/>
-              <a:t>11/13/2016</a:t>
+              <a:t>11/15/2016</a:t>
             </a:fld>
             <a:endParaRPr lang="en-US" dirty="0"/>
           </a:p>
@@ -4279,7 +4280,7 @@
             <a:fld id="{B61BEF0D-F0BB-DE4B-95CE-6DB70DBA9567}" type="datetimeFigureOut">
               <a:rPr lang="en-US" dirty="0"/>
               <a:pPr/>
-              <a:t>11/13/2016</a:t>
+              <a:t>11/15/2016</a:t>
             </a:fld>
             <a:endParaRPr lang="en-US" dirty="0"/>
           </a:p>
@@ -4371,7 +4372,7 @@
             <a:fld id="{B61BEF0D-F0BB-DE4B-95CE-6DB70DBA9567}" type="datetimeFigureOut">
               <a:rPr lang="en-US" dirty="0"/>
               <a:pPr/>
-              <a:t>11/13/2016</a:t>
+              <a:t>11/15/2016</a:t>
             </a:fld>
             <a:endParaRPr lang="en-US" dirty="0"/>
           </a:p>
@@ -4622,7 +4623,7 @@
           <a:p>
             <a:fld id="{42A54C80-263E-416B-A8E0-580EDEADCBDC}" type="datetimeFigureOut">
               <a:rPr lang="en-US" dirty="0"/>
-              <a:t>11/13/2016</a:t>
+              <a:t>11/15/2016</a:t>
             </a:fld>
             <a:endParaRPr lang="en-US" dirty="0"/>
           </a:p>
@@ -4881,7 +4882,7 @@
             <a:fld id="{B61BEF0D-F0BB-DE4B-95CE-6DB70DBA9567}" type="datetimeFigureOut">
               <a:rPr lang="en-US" dirty="0"/>
               <a:pPr/>
-              <a:t>11/13/2016</a:t>
+              <a:t>11/15/2016</a:t>
             </a:fld>
             <a:endParaRPr lang="en-US" dirty="0"/>
           </a:p>
@@ -5621,7 +5622,7 @@
             <a:fld id="{B61BEF0D-F0BB-DE4B-95CE-6DB70DBA9567}" type="datetimeFigureOut">
               <a:rPr lang="en-US" dirty="0"/>
               <a:pPr/>
-              <a:t>11/13/2016</a:t>
+              <a:t>11/15/2016</a:t>
             </a:fld>
             <a:endParaRPr lang="en-US" dirty="0"/>
           </a:p>
@@ -6813,8 +6814,12 @@
           <a:lstStyle/>
           <a:p>
             <a:r>
-              <a:rPr lang="en-US" dirty="0"/>
-              <a:t>Starting Challenge</a:t>
+              <a:rPr lang="en-US" dirty="0" err="1"/>
+              <a:t>Webpack</a:t>
+            </a:r>
+            <a:r>
+              <a:rPr lang="en-US" dirty="0"/>
+              <a:t> versus System.js</a:t>
             </a:r>
           </a:p>
         </p:txBody>
@@ -6836,78 +6841,37 @@
           <a:p>
             <a:r>
               <a:rPr lang="en-US" dirty="0"/>
-              <a:t>Google searching may be misleading, barking up wrong tree.  Lots of past things unrelated to Angular 2, mixed with new Angular 2.</a:t>
-            </a:r>
-          </a:p>
-          <a:p>
-            <a:r>
-              <a:rPr lang="en-US" dirty="0"/>
-              <a:t>Package dependencies and updating</a:t>
-            </a:r>
-          </a:p>
-          <a:p>
-            <a:pPr lvl="1"/>
-            <a:r>
-              <a:rPr lang="en-US" dirty="0"/>
-              <a:t>NPM starting, Gulp if needed after NPM </a:t>
-            </a:r>
-          </a:p>
-          <a:p>
-            <a:r>
-              <a:rPr lang="en-US" dirty="0"/>
-              <a:t>Can keep </a:t>
+              <a:t>For starters, system.js with John Papa’s lite servers safe bet.</a:t>
+            </a:r>
+          </a:p>
+          <a:p>
+            <a:r>
+              <a:rPr lang="en-US" dirty="0"/>
+              <a:t>To do the </a:t>
             </a:r>
             <a:r>
               <a:rPr lang="en-US" dirty="0" err="1"/>
-              <a:t>npm</a:t>
-            </a:r>
-            <a:r>
-              <a:rPr lang="en-US" dirty="0"/>
-              <a:t> install by in project</a:t>
-            </a:r>
-          </a:p>
-          <a:p>
-            <a:r>
-              <a:rPr lang="en-US" dirty="0"/>
-              <a:t>Can start with NPM and Node most straightforward.</a:t>
-            </a:r>
-          </a:p>
-          <a:p>
-            <a:pPr lvl="1"/>
-            <a:r>
-              <a:rPr lang="en-US" dirty="0"/>
-              <a:t>Senior and new developers seem to love the terminal…</a:t>
-            </a:r>
-          </a:p>
-          <a:p>
-            <a:pPr lvl="2"/>
-            <a:r>
-              <a:rPr lang="en-US" dirty="0"/>
-              <a:t>Throw back for experienced, and “cutting edge” for new developers</a:t>
-            </a:r>
-          </a:p>
-          <a:p>
-            <a:pPr lvl="1"/>
-            <a:endParaRPr lang="en-US" dirty="0"/>
-          </a:p>
-          <a:p>
-            <a:pPr marL="0" indent="0">
-              <a:buNone/>
-            </a:pPr>
-            <a:endParaRPr lang="en-US" dirty="0"/>
-          </a:p>
-          <a:p>
-            <a:endParaRPr lang="en-US" dirty="0"/>
-          </a:p>
-          <a:p>
-            <a:endParaRPr lang="en-US" dirty="0"/>
+              <a:t>aot</a:t>
+            </a:r>
+            <a:r>
+              <a:rPr lang="en-US" dirty="0"/>
+              <a:t> and bundling, moving to </a:t>
+            </a:r>
+            <a:r>
+              <a:rPr lang="en-US" dirty="0" err="1"/>
+              <a:t>webpack</a:t>
+            </a:r>
+            <a:r>
+              <a:rPr lang="en-US" dirty="0"/>
+              <a:t> (Angular 2 team will be using under the scene).</a:t>
+            </a:r>
           </a:p>
         </p:txBody>
       </p:sp>
     </p:spTree>
     <p:extLst>
       <p:ext uri="{BB962C8B-B14F-4D97-AF65-F5344CB8AC3E}">
-        <p14:creationId xmlns:p14="http://schemas.microsoft.com/office/powerpoint/2010/main" val="2058621558"/>
+        <p14:creationId xmlns:p14="http://schemas.microsoft.com/office/powerpoint/2010/main" val="2082654937"/>
       </p:ext>
     </p:extLst>
   </p:cSld>
@@ -6951,11 +6915,7 @@
           <a:p>
             <a:r>
               <a:rPr lang="en-US" dirty="0"/>
-              <a:t>At HUD </a:t>
-            </a:r>
-            <a:r>
-              <a:rPr lang="en-US" sz="1200" dirty="0"/>
-              <a:t>(example)</a:t>
+              <a:t>Starting Challenge</a:t>
             </a:r>
           </a:p>
         </p:txBody>
@@ -6972,19 +6932,124 @@
         </p:nvSpPr>
         <p:spPr/>
         <p:txBody>
-          <a:bodyPr/>
-          <a:lstStyle/>
-          <a:p>
-            <a:r>
-              <a:rPr lang="en-US" dirty="0"/>
-              <a:t>At HUD we are using on Greenfield with new team developers.</a:t>
-            </a:r>
-          </a:p>
-          <a:p>
-            <a:r>
-              <a:rPr lang="en-US" dirty="0"/>
-              <a:t>Very enthusiastic response from developers.</a:t>
-            </a:r>
+          <a:bodyPr>
+            <a:normAutofit lnSpcReduction="10000"/>
+          </a:bodyPr>
+          <a:lstStyle/>
+          <a:p>
+            <a:r>
+              <a:rPr lang="en-US" dirty="0"/>
+              <a:t>Google searching may be misleading, barking up wrong tree.  Lots of past things unrelated to Angular 2, mixed with new Angular 2.</a:t>
+            </a:r>
+          </a:p>
+          <a:p>
+            <a:r>
+              <a:rPr lang="en-US" dirty="0"/>
+              <a:t>Package dependencies and updating</a:t>
+            </a:r>
+          </a:p>
+          <a:p>
+            <a:pPr lvl="1"/>
+            <a:r>
+              <a:rPr lang="en-US" dirty="0"/>
+              <a:t>NPM starting, Gulp if needed after NPM </a:t>
+            </a:r>
+          </a:p>
+          <a:p>
+            <a:r>
+              <a:rPr lang="en-US" dirty="0"/>
+              <a:t>Can keep </a:t>
+            </a:r>
+            <a:r>
+              <a:rPr lang="en-US" dirty="0" err="1"/>
+              <a:t>npm</a:t>
+            </a:r>
+            <a:r>
+              <a:rPr lang="en-US" dirty="0"/>
+              <a:t> install by in project</a:t>
+            </a:r>
+          </a:p>
+          <a:p>
+            <a:r>
+              <a:rPr lang="en-US" dirty="0"/>
+              <a:t>Can start with NPM and Node most straightforward.</a:t>
+            </a:r>
+          </a:p>
+          <a:p>
+            <a:pPr lvl="1"/>
+            <a:r>
+              <a:rPr lang="en-US" dirty="0"/>
+              <a:t>Senior and new developers seem to love the terminal…</a:t>
+            </a:r>
+          </a:p>
+          <a:p>
+            <a:pPr lvl="2"/>
+            <a:r>
+              <a:rPr lang="en-US" dirty="0"/>
+              <a:t>Throw back for experienced, and “cutting edge” for new developers</a:t>
+            </a:r>
+          </a:p>
+          <a:p>
+            <a:r>
+              <a:rPr lang="en-US" dirty="0"/>
+              <a:t>Variety/amount of </a:t>
+            </a:r>
+            <a:r>
+              <a:rPr lang="en-US" dirty="0" err="1"/>
+              <a:t>js</a:t>
+            </a:r>
+            <a:r>
+              <a:rPr lang="en-US" dirty="0"/>
+              <a:t> packages on market, overwhelming.  </a:t>
+            </a:r>
+          </a:p>
+          <a:p>
+            <a:pPr lvl="1"/>
+            <a:r>
+              <a:rPr lang="en-US" dirty="0"/>
+              <a:t>Thinking of a “ecosystem” and referring to experts john papa, </a:t>
+            </a:r>
+            <a:r>
+              <a:rPr lang="en-US" dirty="0" err="1"/>
+              <a:t>yakov</a:t>
+            </a:r>
+            <a:r>
+              <a:rPr lang="en-US" dirty="0"/>
+              <a:t> fain, </a:t>
+            </a:r>
+            <a:r>
+              <a:rPr lang="en-US" dirty="0" err="1"/>
+              <a:t>anton</a:t>
+            </a:r>
+            <a:r>
+              <a:rPr lang="en-US" dirty="0"/>
+              <a:t> </a:t>
+            </a:r>
+            <a:r>
+              <a:rPr lang="en-US" dirty="0" err="1"/>
+              <a:t>moiseev</a:t>
+            </a:r>
+            <a:r>
+              <a:rPr lang="en-US" dirty="0"/>
+              <a:t> for decision making minimizes consternation about </a:t>
+            </a:r>
+            <a:r>
+              <a:rPr lang="en-US" dirty="0" err="1"/>
+              <a:t>js</a:t>
+            </a:r>
+            <a:r>
+              <a:rPr lang="en-US" dirty="0"/>
+              <a:t> tools.</a:t>
+            </a:r>
+          </a:p>
+          <a:p>
+            <a:pPr marL="0" indent="0">
+              <a:buNone/>
+            </a:pPr>
+            <a:endParaRPr lang="en-US" dirty="0"/>
+          </a:p>
+          <a:p>
+            <a:endParaRPr lang="en-US" dirty="0"/>
           </a:p>
           <a:p>
             <a:endParaRPr lang="en-US" dirty="0"/>
@@ -6994,7 +7059,7 @@
     </p:spTree>
     <p:extLst>
       <p:ext uri="{BB962C8B-B14F-4D97-AF65-F5344CB8AC3E}">
-        <p14:creationId xmlns:p14="http://schemas.microsoft.com/office/powerpoint/2010/main" val="2067008177"/>
+        <p14:creationId xmlns:p14="http://schemas.microsoft.com/office/powerpoint/2010/main" val="2058621558"/>
       </p:ext>
     </p:extLst>
   </p:cSld>
@@ -7038,7 +7103,11 @@
           <a:p>
             <a:r>
               <a:rPr lang="en-US" dirty="0"/>
-              <a:t>Sales points</a:t>
+              <a:t>At HUD </a:t>
+            </a:r>
+            <a:r>
+              <a:rPr lang="en-US" sz="1200" dirty="0"/>
+              <a:t>(example)</a:t>
             </a:r>
           </a:p>
         </p:txBody>
@@ -7060,48 +7129,13 @@
           <a:p>
             <a:r>
               <a:rPr lang="en-US" dirty="0"/>
-              <a:t>Performance</a:t>
-            </a:r>
-          </a:p>
-          <a:p>
-            <a:r>
-              <a:rPr lang="en-US" dirty="0"/>
-              <a:t>Security</a:t>
-            </a:r>
-          </a:p>
-          <a:p>
-            <a:r>
-              <a:rPr lang="en-US" dirty="0" err="1"/>
-              <a:t>Opensource</a:t>
-            </a:r>
-            <a:endParaRPr lang="en-US" dirty="0"/>
-          </a:p>
-          <a:p>
-            <a:r>
-              <a:rPr lang="en-US" dirty="0"/>
-              <a:t>Embraced by tech companies </a:t>
-            </a:r>
-          </a:p>
-          <a:p>
-            <a:r>
-              <a:rPr lang="en-US" dirty="0"/>
-              <a:t>ECMA 6 and </a:t>
-            </a:r>
-            <a:r>
-              <a:rPr lang="en-US" dirty="0" err="1"/>
-              <a:t>transpilation</a:t>
-            </a:r>
-            <a:r>
-              <a:rPr lang="en-US" dirty="0"/>
-              <a:t> allows to </a:t>
-            </a:r>
-            <a:r>
-              <a:rPr lang="en-US" dirty="0" err="1"/>
-              <a:t>transpile</a:t>
-            </a:r>
-            <a:r>
-              <a:rPr lang="en-US" dirty="0"/>
-              <a:t> to ECMA 5 and 4 (I think)</a:t>
+              <a:t>At HUD we are using on Greenfield with new team developers.</a:t>
+            </a:r>
+          </a:p>
+          <a:p>
+            <a:r>
+              <a:rPr lang="en-US" dirty="0"/>
+              <a:t>Very enthusiastic response from developers.</a:t>
             </a:r>
           </a:p>
           <a:p>
@@ -7112,7 +7146,7 @@
     </p:spTree>
     <p:extLst>
       <p:ext uri="{BB962C8B-B14F-4D97-AF65-F5344CB8AC3E}">
-        <p14:creationId xmlns:p14="http://schemas.microsoft.com/office/powerpoint/2010/main" val="1671649988"/>
+        <p14:creationId xmlns:p14="http://schemas.microsoft.com/office/powerpoint/2010/main" val="2067008177"/>
       </p:ext>
     </p:extLst>
   </p:cSld>
@@ -7156,6 +7190,124 @@
           <a:p>
             <a:r>
               <a:rPr lang="en-US" dirty="0"/>
+              <a:t>Sales points</a:t>
+            </a:r>
+          </a:p>
+        </p:txBody>
+      </p:sp>
+      <p:sp>
+        <p:nvSpPr>
+          <p:cNvPr id="3" name="Content Placeholder 2"/>
+          <p:cNvSpPr>
+            <a:spLocks noGrp="1"/>
+          </p:cNvSpPr>
+          <p:nvPr>
+            <p:ph idx="1"/>
+          </p:nvPr>
+        </p:nvSpPr>
+        <p:spPr/>
+        <p:txBody>
+          <a:bodyPr/>
+          <a:lstStyle/>
+          <a:p>
+            <a:r>
+              <a:rPr lang="en-US" dirty="0"/>
+              <a:t>Performance</a:t>
+            </a:r>
+          </a:p>
+          <a:p>
+            <a:r>
+              <a:rPr lang="en-US" dirty="0"/>
+              <a:t>Security</a:t>
+            </a:r>
+          </a:p>
+          <a:p>
+            <a:r>
+              <a:rPr lang="en-US" dirty="0" err="1"/>
+              <a:t>Opensource</a:t>
+            </a:r>
+            <a:endParaRPr lang="en-US" dirty="0"/>
+          </a:p>
+          <a:p>
+            <a:r>
+              <a:rPr lang="en-US" dirty="0"/>
+              <a:t>Embraced by tech companies </a:t>
+            </a:r>
+          </a:p>
+          <a:p>
+            <a:r>
+              <a:rPr lang="en-US" dirty="0"/>
+              <a:t>ECMA 6 and </a:t>
+            </a:r>
+            <a:r>
+              <a:rPr lang="en-US" dirty="0" err="1"/>
+              <a:t>transpilation</a:t>
+            </a:r>
+            <a:r>
+              <a:rPr lang="en-US" dirty="0"/>
+              <a:t> allows to </a:t>
+            </a:r>
+            <a:r>
+              <a:rPr lang="en-US" dirty="0" err="1"/>
+              <a:t>transpile</a:t>
+            </a:r>
+            <a:r>
+              <a:rPr lang="en-US" dirty="0"/>
+              <a:t> to ECMA 5 and 4 (I think)</a:t>
+            </a:r>
+          </a:p>
+          <a:p>
+            <a:endParaRPr lang="en-US" dirty="0"/>
+          </a:p>
+        </p:txBody>
+      </p:sp>
+    </p:spTree>
+    <p:extLst>
+      <p:ext uri="{BB962C8B-B14F-4D97-AF65-F5344CB8AC3E}">
+        <p14:creationId xmlns:p14="http://schemas.microsoft.com/office/powerpoint/2010/main" val="1671649988"/>
+      </p:ext>
+    </p:extLst>
+  </p:cSld>
+  <p:clrMapOvr>
+    <a:masterClrMapping/>
+  </p:clrMapOvr>
+</p:sld>
+</file>
+
+<file path=ppt/slides/slide18.xml><?xml version="1.0" encoding="utf-8"?>
+<p:sld xmlns:a="http://schemas.openxmlformats.org/drawingml/2006/main" xmlns:r="http://schemas.openxmlformats.org/officeDocument/2006/relationships" xmlns:p="http://schemas.openxmlformats.org/presentationml/2006/main">
+  <p:cSld>
+    <p:spTree>
+      <p:nvGrpSpPr>
+        <p:cNvPr id="1" name=""/>
+        <p:cNvGrpSpPr/>
+        <p:nvPr/>
+      </p:nvGrpSpPr>
+      <p:grpSpPr>
+        <a:xfrm>
+          <a:off x="0" y="0"/>
+          <a:ext cx="0" cy="0"/>
+          <a:chOff x="0" y="0"/>
+          <a:chExt cx="0" cy="0"/>
+        </a:xfrm>
+      </p:grpSpPr>
+      <p:sp>
+        <p:nvSpPr>
+          <p:cNvPr id="2" name="Title 1"/>
+          <p:cNvSpPr>
+            <a:spLocks noGrp="1"/>
+          </p:cNvSpPr>
+          <p:nvPr>
+            <p:ph type="title"/>
+          </p:nvPr>
+        </p:nvSpPr>
+        <p:spPr/>
+        <p:txBody>
+          <a:bodyPr/>
+          <a:lstStyle/>
+          <a:p>
+            <a:r>
+              <a:rPr lang="en-US" dirty="0"/>
               <a:t>Possible Business Opportunities</a:t>
             </a:r>
           </a:p>
@@ -7234,7 +7386,7 @@
 </p:sld>
 </file>
 
-<file path=ppt/slides/slide18.xml><?xml version="1.0" encoding="utf-8"?>
+<file path=ppt/slides/slide19.xml><?xml version="1.0" encoding="utf-8"?>
 <p:sld xmlns:a="http://schemas.openxmlformats.org/drawingml/2006/main" xmlns:r="http://schemas.openxmlformats.org/officeDocument/2006/relationships" xmlns:p="http://schemas.openxmlformats.org/presentationml/2006/main">
   <p:cSld>
     <p:spTree>
@@ -8274,8 +8426,27 @@
           <a:p>
             <a:r>
               <a:rPr lang="en-US" dirty="0"/>
-              <a:t>scaffolding</a:t>
-            </a:r>
+              <a:t>Scaffolding</a:t>
+            </a:r>
+          </a:p>
+          <a:p>
+            <a:r>
+              <a:rPr lang="en-US" dirty="0"/>
+              <a:t>To quickly start your development in Angular and </a:t>
+            </a:r>
+            <a:r>
+              <a:rPr lang="en-US" dirty="0" err="1"/>
+              <a:t>TypeScript</a:t>
+            </a:r>
+            <a:r>
+              <a:rPr lang="en-US" dirty="0"/>
+              <a:t>, generate your first projects with Angular </a:t>
+            </a:r>
+            <a:r>
+              <a:rPr lang="en-US"/>
+              <a:t>CLI.</a:t>
+            </a:r>
+            <a:endParaRPr lang="en-US" dirty="0"/>
           </a:p>
         </p:txBody>
       </p:sp>
@@ -8398,8 +8569,12 @@
           <a:p>
             <a:pPr lvl="1"/>
             <a:r>
-              <a:rPr lang="en-US"/>
-              <a:t>Ex. Eval</a:t>
+              <a:rPr lang="en-US" dirty="0"/>
+              <a:t>Ex. </a:t>
+            </a:r>
+            <a:r>
+              <a:rPr lang="en-US" dirty="0" err="1"/>
+              <a:t>Eval</a:t>
             </a:r>
             <a:r>
               <a:rPr lang="en-US" dirty="0"/>

--- a/Angular 2 with TypeScript cont of MontJUG Spring Demo.pptx
+++ b/Angular 2 with TypeScript cont of MontJUG Spring Demo.pptx
@@ -215,7 +215,7 @@
           <a:p>
             <a:fld id="{98B30BD4-7B47-4D4E-AB60-DE698FEDA9C7}" type="datetimeFigureOut">
               <a:rPr lang="en-US" smtClean="0"/>
-              <a:t>11/15/2016</a:t>
+              <a:t>11/16/2016</a:t>
             </a:fld>
             <a:endParaRPr lang="en-US"/>
           </a:p>
@@ -1205,7 +1205,7 @@
             <a:fld id="{B61BEF0D-F0BB-DE4B-95CE-6DB70DBA9567}" type="datetimeFigureOut">
               <a:rPr lang="en-US" dirty="0"/>
               <a:pPr/>
-              <a:t>11/15/2016</a:t>
+              <a:t>11/16/2016</a:t>
             </a:fld>
             <a:endParaRPr lang="en-US" dirty="0"/>
           </a:p>
@@ -1453,7 +1453,7 @@
             <a:fld id="{B61BEF0D-F0BB-DE4B-95CE-6DB70DBA9567}" type="datetimeFigureOut">
               <a:rPr lang="en-US" dirty="0"/>
               <a:pPr/>
-              <a:t>11/15/2016</a:t>
+              <a:t>11/16/2016</a:t>
             </a:fld>
             <a:endParaRPr lang="en-US" dirty="0"/>
           </a:p>
@@ -1764,7 +1764,7 @@
             <a:fld id="{B61BEF0D-F0BB-DE4B-95CE-6DB70DBA9567}" type="datetimeFigureOut">
               <a:rPr lang="en-US" dirty="0"/>
               <a:pPr/>
-              <a:t>11/15/2016</a:t>
+              <a:t>11/16/2016</a:t>
             </a:fld>
             <a:endParaRPr lang="en-US" dirty="0"/>
           </a:p>
@@ -2102,7 +2102,7 @@
             <a:fld id="{B61BEF0D-F0BB-DE4B-95CE-6DB70DBA9567}" type="datetimeFigureOut">
               <a:rPr lang="en-US" dirty="0"/>
               <a:pPr/>
-              <a:t>11/15/2016</a:t>
+              <a:t>11/16/2016</a:t>
             </a:fld>
             <a:endParaRPr lang="en-US" dirty="0"/>
           </a:p>
@@ -2413,7 +2413,7 @@
             <a:fld id="{B61BEF0D-F0BB-DE4B-95CE-6DB70DBA9567}" type="datetimeFigureOut">
               <a:rPr lang="en-US" dirty="0"/>
               <a:pPr/>
-              <a:t>11/15/2016</a:t>
+              <a:t>11/16/2016</a:t>
             </a:fld>
             <a:endParaRPr lang="en-US" dirty="0"/>
           </a:p>
@@ -2803,7 +2803,7 @@
             <a:fld id="{B61BEF0D-F0BB-DE4B-95CE-6DB70DBA9567}" type="datetimeFigureOut">
               <a:rPr lang="en-US" dirty="0"/>
               <a:pPr/>
-              <a:t>11/15/2016</a:t>
+              <a:t>11/16/2016</a:t>
             </a:fld>
             <a:endParaRPr lang="en-US" dirty="0"/>
           </a:p>
@@ -2969,7 +2969,7 @@
           <a:p>
             <a:fld id="{55C6B4A9-1611-4792-9094-5F34BCA07E0B}" type="datetimeFigureOut">
               <a:rPr lang="en-US" dirty="0"/>
-              <a:t>11/15/2016</a:t>
+              <a:t>11/16/2016</a:t>
             </a:fld>
             <a:endParaRPr lang="en-US" dirty="0"/>
           </a:p>
@@ -3145,7 +3145,7 @@
             <a:fld id="{B61BEF0D-F0BB-DE4B-95CE-6DB70DBA9567}" type="datetimeFigureOut">
               <a:rPr lang="en-US" dirty="0"/>
               <a:pPr/>
-              <a:t>11/15/2016</a:t>
+              <a:t>11/16/2016</a:t>
             </a:fld>
             <a:endParaRPr lang="en-US" dirty="0"/>
           </a:p>
@@ -3318,7 +3318,7 @@
             <a:fld id="{B61BEF0D-F0BB-DE4B-95CE-6DB70DBA9567}" type="datetimeFigureOut">
               <a:rPr lang="en-US" dirty="0"/>
               <a:pPr/>
-              <a:t>11/15/2016</a:t>
+              <a:t>11/16/2016</a:t>
             </a:fld>
             <a:endParaRPr lang="en-US" dirty="0"/>
           </a:p>
@@ -3562,7 +3562,7 @@
             <a:fld id="{B61BEF0D-F0BB-DE4B-95CE-6DB70DBA9567}" type="datetimeFigureOut">
               <a:rPr lang="en-US" dirty="0"/>
               <a:pPr/>
-              <a:t>11/15/2016</a:t>
+              <a:t>11/16/2016</a:t>
             </a:fld>
             <a:endParaRPr lang="en-US" dirty="0"/>
           </a:p>
@@ -3790,7 +3790,7 @@
           <a:p>
             <a:fld id="{EB712588-04B1-427B-82EE-E8DB90309F08}" type="datetimeFigureOut">
               <a:rPr lang="en-US" dirty="0"/>
-              <a:t>11/15/2016</a:t>
+              <a:t>11/16/2016</a:t>
             </a:fld>
             <a:endParaRPr lang="en-US" dirty="0"/>
           </a:p>
@@ -4160,7 +4160,7 @@
             <a:fld id="{B61BEF0D-F0BB-DE4B-95CE-6DB70DBA9567}" type="datetimeFigureOut">
               <a:rPr lang="en-US" dirty="0"/>
               <a:pPr/>
-              <a:t>11/15/2016</a:t>
+              <a:t>11/16/2016</a:t>
             </a:fld>
             <a:endParaRPr lang="en-US" dirty="0"/>
           </a:p>
@@ -4280,7 +4280,7 @@
             <a:fld id="{B61BEF0D-F0BB-DE4B-95CE-6DB70DBA9567}" type="datetimeFigureOut">
               <a:rPr lang="en-US" dirty="0"/>
               <a:pPr/>
-              <a:t>11/15/2016</a:t>
+              <a:t>11/16/2016</a:t>
             </a:fld>
             <a:endParaRPr lang="en-US" dirty="0"/>
           </a:p>
@@ -4372,7 +4372,7 @@
             <a:fld id="{B61BEF0D-F0BB-DE4B-95CE-6DB70DBA9567}" type="datetimeFigureOut">
               <a:rPr lang="en-US" dirty="0"/>
               <a:pPr/>
-              <a:t>11/15/2016</a:t>
+              <a:t>11/16/2016</a:t>
             </a:fld>
             <a:endParaRPr lang="en-US" dirty="0"/>
           </a:p>
@@ -4623,7 +4623,7 @@
           <a:p>
             <a:fld id="{42A54C80-263E-416B-A8E0-580EDEADCBDC}" type="datetimeFigureOut">
               <a:rPr lang="en-US" dirty="0"/>
-              <a:t>11/15/2016</a:t>
+              <a:t>11/16/2016</a:t>
             </a:fld>
             <a:endParaRPr lang="en-US" dirty="0"/>
           </a:p>
@@ -4882,7 +4882,7 @@
             <a:fld id="{B61BEF0D-F0BB-DE4B-95CE-6DB70DBA9567}" type="datetimeFigureOut">
               <a:rPr lang="en-US" dirty="0"/>
               <a:pPr/>
-              <a:t>11/15/2016</a:t>
+              <a:t>11/16/2016</a:t>
             </a:fld>
             <a:endParaRPr lang="en-US" dirty="0"/>
           </a:p>
@@ -5622,7 +5622,7 @@
             <a:fld id="{B61BEF0D-F0BB-DE4B-95CE-6DB70DBA9567}" type="datetimeFigureOut">
               <a:rPr lang="en-US" dirty="0"/>
               <a:pPr/>
-              <a:t>11/15/2016</a:t>
+              <a:t>11/16/2016</a:t>
             </a:fld>
             <a:endParaRPr lang="en-US" dirty="0"/>
           </a:p>
